--- a/tierra.pptx
+++ b/tierra.pptx
@@ -9,17 +9,16 @@
     <p:sldId id="258" r:id="rId3"/>
     <p:sldId id="259" r:id="rId4"/>
     <p:sldId id="260" r:id="rId5"/>
-    <p:sldId id="261" r:id="rId6"/>
-    <p:sldId id="262" r:id="rId7"/>
-    <p:sldId id="257" r:id="rId8"/>
-    <p:sldId id="264" r:id="rId9"/>
-    <p:sldId id="263" r:id="rId10"/>
-    <p:sldId id="270" r:id="rId11"/>
-    <p:sldId id="265" r:id="rId12"/>
-    <p:sldId id="266" r:id="rId13"/>
-    <p:sldId id="267" r:id="rId14"/>
-    <p:sldId id="269" r:id="rId15"/>
-    <p:sldId id="268" r:id="rId16"/>
+    <p:sldId id="262" r:id="rId6"/>
+    <p:sldId id="257" r:id="rId7"/>
+    <p:sldId id="264" r:id="rId8"/>
+    <p:sldId id="263" r:id="rId9"/>
+    <p:sldId id="270" r:id="rId10"/>
+    <p:sldId id="265" r:id="rId11"/>
+    <p:sldId id="266" r:id="rId12"/>
+    <p:sldId id="267" r:id="rId13"/>
+    <p:sldId id="269" r:id="rId14"/>
+    <p:sldId id="268" r:id="rId15"/>
   </p:sldIdLst>
   <p:sldSz cx="9144000" cy="6858000" type="screen4x3"/>
   <p:notesSz cx="6858000" cy="9144000"/>
@@ -3159,12 +3158,8 @@
           <a:lstStyle/>
           <a:p>
             <a:r>
-              <a:rPr lang="en-US" dirty="0" err="1" smtClean="0"/>
-              <a:t>tierra</a:t>
-            </a:r>
-            <a:r>
-              <a:rPr lang="en-US" dirty="0" smtClean="0"/>
-              <a:t> results continued</a:t>
+              <a:rPr lang="en-US" dirty="0" smtClean="0"/>
+              <a:t>thoughts from a gamer</a:t>
             </a:r>
             <a:endParaRPr lang="en-US" dirty="0"/>
           </a:p>
@@ -3182,10 +3177,65 @@
         </p:nvSpPr>
         <p:spPr/>
         <p:txBody>
-          <a:bodyPr/>
-          <a:lstStyle/>
-          <a:p>
-            <a:endParaRPr lang="en-US" dirty="0"/>
+          <a:bodyPr>
+            <a:normAutofit/>
+          </a:bodyPr>
+          <a:lstStyle/>
+          <a:p>
+            <a:r>
+              <a:rPr lang="en-US" sz="1800" dirty="0" err="1" smtClean="0"/>
+              <a:t>Corewars</a:t>
+            </a:r>
+            <a:r>
+              <a:rPr lang="en-US" sz="1800" dirty="0" smtClean="0"/>
+              <a:t> has rock-paper-scissors </a:t>
+            </a:r>
+            <a:r>
+              <a:rPr lang="en-US" sz="1800" dirty="0" err="1" smtClean="0"/>
+              <a:t>gameplay</a:t>
+            </a:r>
+            <a:r>
+              <a:rPr lang="en-US" sz="1800" dirty="0" smtClean="0"/>
+              <a:t>; every warrior-program has a counter-program that beats it</a:t>
+            </a:r>
+          </a:p>
+          <a:p>
+            <a:endParaRPr lang="en-US" sz="1800" dirty="0" smtClean="0"/>
+          </a:p>
+          <a:p>
+            <a:r>
+              <a:rPr lang="en-US" sz="1800" dirty="0" smtClean="0"/>
+              <a:t>Time-tested common knowledge: In mostly-fair RTS games, the *best* strategy is to create heterogeneous groups</a:t>
+            </a:r>
+          </a:p>
+          <a:p>
+            <a:endParaRPr lang="en-US" sz="1800" dirty="0"/>
+          </a:p>
+          <a:p>
+            <a:r>
+              <a:rPr lang="en-US" sz="1800" dirty="0" smtClean="0"/>
+              <a:t>We see in Tierra, others, that small stupid parasites are the most successful</a:t>
+            </a:r>
+          </a:p>
+          <a:p>
+            <a:endParaRPr lang="en-US" sz="1800" dirty="0"/>
+          </a:p>
+          <a:p>
+            <a:r>
+              <a:rPr lang="en-US" sz="1800" dirty="0" smtClean="0"/>
+              <a:t>Yet these have counters, the counters have counters, etc</a:t>
+            </a:r>
+            <a:endParaRPr lang="en-US" sz="1800" dirty="0"/>
+          </a:p>
+          <a:p>
+            <a:endParaRPr lang="en-US" sz="1800" dirty="0" smtClean="0"/>
+          </a:p>
+          <a:p>
+            <a:r>
+              <a:rPr lang="en-US" sz="1800" dirty="0" smtClean="0"/>
+              <a:t>Let’s apply gaming wisdom</a:t>
+            </a:r>
+            <a:endParaRPr lang="en-US" sz="1800" dirty="0"/>
           </a:p>
         </p:txBody>
       </p:sp>
@@ -3231,7 +3281,7 @@
           <a:p>
             <a:r>
               <a:rPr lang="en-US" dirty="0" smtClean="0"/>
-              <a:t>thoughts from a gamer</a:t>
+              <a:t>...</a:t>
             </a:r>
             <a:endParaRPr lang="en-US" dirty="0"/>
           </a:p>
@@ -3255,59 +3305,22 @@
           <a:lstStyle/>
           <a:p>
             <a:r>
-              <a:rPr lang="en-US" sz="1800" dirty="0" err="1" smtClean="0"/>
-              <a:t>Corewars</a:t>
-            </a:r>
-            <a:r>
-              <a:rPr lang="en-US" sz="1800" dirty="0" smtClean="0"/>
-              <a:t> has rock-paper-scissors </a:t>
-            </a:r>
-            <a:r>
-              <a:rPr lang="en-US" sz="1800" dirty="0" err="1" smtClean="0"/>
-              <a:t>gameplay</a:t>
-            </a:r>
-            <a:r>
-              <a:rPr lang="en-US" sz="1800" dirty="0" smtClean="0"/>
-              <a:t>; every warrior-program has a counter-program that beats it</a:t>
-            </a:r>
-          </a:p>
-          <a:p>
-            <a:endParaRPr lang="en-US" sz="1800" dirty="0" smtClean="0"/>
-          </a:p>
-          <a:p>
-            <a:r>
-              <a:rPr lang="en-US" sz="1800" dirty="0" smtClean="0"/>
-              <a:t>Time-tested common knowledge: In mostly-fair RTS games, the *best* strategy is to create heterogeneous groups</a:t>
-            </a:r>
-          </a:p>
-          <a:p>
-            <a:endParaRPr lang="en-US" sz="1800" dirty="0"/>
-          </a:p>
-          <a:p>
-            <a:r>
-              <a:rPr lang="en-US" sz="1800" dirty="0" smtClean="0"/>
-              <a:t>We see in Tierra, others, that small stupid parasites are the most successful</a:t>
-            </a:r>
-          </a:p>
-          <a:p>
-            <a:endParaRPr lang="en-US" sz="1800" dirty="0"/>
-          </a:p>
-          <a:p>
-            <a:r>
-              <a:rPr lang="en-US" sz="1800" dirty="0" smtClean="0"/>
-              <a:t>Yet these have counters, the counters have counters, etc</a:t>
-            </a:r>
-            <a:endParaRPr lang="en-US" sz="1800" dirty="0"/>
-          </a:p>
-          <a:p>
-            <a:endParaRPr lang="en-US" sz="1800" dirty="0" smtClean="0"/>
-          </a:p>
-          <a:p>
-            <a:r>
-              <a:rPr lang="en-US" sz="1800" dirty="0" smtClean="0"/>
-              <a:t>Let’s apply gaming wisdom</a:t>
-            </a:r>
-            <a:endParaRPr lang="en-US" sz="1800" dirty="0"/>
+              <a:rPr lang="en-US" dirty="0" smtClean="0"/>
+              <a:t>Claim: The only overwhelmingly probably way for complex life-forms to evolve is by symbiosis of lesser life-forms.</a:t>
+            </a:r>
+          </a:p>
+          <a:p>
+            <a:endParaRPr lang="en-US" dirty="0" smtClean="0"/>
+          </a:p>
+          <a:p>
+            <a:r>
+              <a:rPr lang="en-US" dirty="0" smtClean="0"/>
+              <a:t>Corollary claim: Complex life is inseparable from symbiosis.</a:t>
+            </a:r>
+            <a:endParaRPr lang="en-US" dirty="0" smtClean="0"/>
+          </a:p>
+          <a:p>
+            <a:endParaRPr lang="en-US" dirty="0"/>
           </a:p>
         </p:txBody>
       </p:sp>
@@ -3348,29 +3361,6 @@
         </p:nvSpPr>
         <p:spPr/>
         <p:txBody>
-          <a:bodyPr/>
-          <a:lstStyle/>
-          <a:p>
-            <a:r>
-              <a:rPr lang="en-US" dirty="0" smtClean="0"/>
-              <a:t>...</a:t>
-            </a:r>
-            <a:endParaRPr lang="en-US" dirty="0"/>
-          </a:p>
-        </p:txBody>
-      </p:sp>
-      <p:sp>
-        <p:nvSpPr>
-          <p:cNvPr id="3" name="Content Placeholder 2"/>
-          <p:cNvSpPr>
-            <a:spLocks noGrp="1"/>
-          </p:cNvSpPr>
-          <p:nvPr>
-            <p:ph idx="1"/>
-          </p:nvPr>
-        </p:nvSpPr>
-        <p:spPr/>
-        <p:txBody>
           <a:bodyPr>
             <a:normAutofit/>
           </a:bodyPr>
@@ -3378,20 +3368,107 @@
           <a:p>
             <a:r>
               <a:rPr lang="en-US" dirty="0" smtClean="0"/>
-              <a:t>Claim: The only (overwhelmingly probable) way for complex life-forms to evolve is by symbiosis of lesser life-forms.</a:t>
-            </a:r>
-          </a:p>
-          <a:p>
+              <a:t>How RTS Competition Evolves</a:t>
+            </a:r>
+            <a:endParaRPr lang="en-US" dirty="0"/>
+          </a:p>
+        </p:txBody>
+      </p:sp>
+      <p:sp>
+        <p:nvSpPr>
+          <p:cNvPr id="3" name="Content Placeholder 2"/>
+          <p:cNvSpPr>
+            <a:spLocks noGrp="1"/>
+          </p:cNvSpPr>
+          <p:nvPr>
+            <p:ph idx="1"/>
+          </p:nvPr>
+        </p:nvSpPr>
+        <p:spPr/>
+        <p:txBody>
+          <a:bodyPr>
+            <a:normAutofit fontScale="70000" lnSpcReduction="20000"/>
+          </a:bodyPr>
+          <a:lstStyle/>
+          <a:p>
+            <a:pPr marL="514350" indent="-514350">
+              <a:buFont typeface="+mj-lt"/>
+              <a:buAutoNum type="arabicPeriod"/>
+            </a:pPr>
+            <a:r>
+              <a:rPr lang="en-US" dirty="0" smtClean="0"/>
+              <a:t>Players find the strengths and weaknesses of small homogenous masses – perfected quickly</a:t>
+            </a:r>
             <a:endParaRPr lang="en-US" dirty="0" smtClean="0"/>
           </a:p>
           <a:p>
-            <a:r>
-              <a:rPr lang="en-US" dirty="0" smtClean="0"/>
-              <a:t>Corollary Claim: Complex life is inseparable from symbiosis.</a:t>
-            </a:r>
+            <a:pPr marL="514350" indent="-514350">
+              <a:buFont typeface="+mj-lt"/>
+              <a:buAutoNum type="arabicPeriod"/>
+            </a:pPr>
             <a:endParaRPr lang="en-US" dirty="0" smtClean="0"/>
           </a:p>
           <a:p>
+            <a:pPr marL="514350" indent="-514350">
+              <a:buFont typeface="+mj-lt"/>
+              <a:buAutoNum type="arabicPeriod"/>
+            </a:pPr>
+            <a:r>
+              <a:rPr lang="en-US" dirty="0" smtClean="0"/>
+              <a:t>Players discover/create mixed groups to beat homogeneous groups – perfected in the medium term</a:t>
+            </a:r>
+          </a:p>
+          <a:p>
+            <a:pPr marL="514350" indent="-514350">
+              <a:buFont typeface="+mj-lt"/>
+              <a:buAutoNum type="arabicPeriod"/>
+            </a:pPr>
+            <a:endParaRPr lang="en-US" dirty="0" smtClean="0"/>
+          </a:p>
+          <a:p>
+            <a:pPr marL="514350" indent="-514350">
+              <a:buFont typeface="+mj-lt"/>
+              <a:buAutoNum type="arabicPeriod"/>
+            </a:pPr>
+            <a:r>
+              <a:rPr lang="en-US" dirty="0" smtClean="0"/>
+              <a:t>Players find weaknesses of larger mixed groups against each other, and how those groups should change – this takes a long time. </a:t>
+            </a:r>
+            <a:r>
+              <a:rPr lang="en-US" dirty="0" smtClean="0"/>
+              <a:t>Never perfected, but good enough to win.</a:t>
+            </a:r>
+            <a:endParaRPr lang="en-US" dirty="0" smtClean="0"/>
+          </a:p>
+          <a:p>
+            <a:pPr marL="514350" indent="-514350">
+              <a:buFont typeface="+mj-lt"/>
+              <a:buAutoNum type="arabicPeriod"/>
+            </a:pPr>
+            <a:endParaRPr lang="en-US" dirty="0" smtClean="0"/>
+          </a:p>
+          <a:p>
+            <a:pPr marL="514350" indent="-514350">
+              <a:buFont typeface="+mj-lt"/>
+              <a:buAutoNum type="arabicPeriod"/>
+            </a:pPr>
+            <a:r>
+              <a:rPr lang="en-US" dirty="0" smtClean="0"/>
+              <a:t>Over long periods of time in good games, optimal strategies are discovered (probably near the theoretical limit) and overall advancement slows to a halt.</a:t>
+            </a:r>
+          </a:p>
+          <a:p>
+            <a:pPr marL="514350" indent="-514350">
+              <a:buFont typeface="+mj-lt"/>
+              <a:buAutoNum type="arabicPeriod"/>
+            </a:pPr>
+            <a:endParaRPr lang="en-US" dirty="0" smtClean="0"/>
+          </a:p>
+          <a:p>
+            <a:pPr marL="514350" indent="-514350">
+              <a:buFont typeface="+mj-lt"/>
+              <a:buAutoNum type="arabicPeriod"/>
+            </a:pPr>
             <a:endParaRPr lang="en-US" dirty="0"/>
           </a:p>
         </p:txBody>
@@ -3433,115 +3510,59 @@
         </p:nvSpPr>
         <p:spPr/>
         <p:txBody>
+          <a:bodyPr/>
+          <a:lstStyle/>
+          <a:p>
+            <a:r>
+              <a:rPr lang="en-US" dirty="0" smtClean="0"/>
+              <a:t>Meta-Gaming</a:t>
+            </a:r>
+            <a:endParaRPr lang="en-US" dirty="0"/>
+          </a:p>
+        </p:txBody>
+      </p:sp>
+      <p:sp>
+        <p:nvSpPr>
+          <p:cNvPr id="3" name="Content Placeholder 2"/>
+          <p:cNvSpPr>
+            <a:spLocks noGrp="1"/>
+          </p:cNvSpPr>
+          <p:nvPr>
+            <p:ph idx="1"/>
+          </p:nvPr>
+        </p:nvSpPr>
+        <p:spPr/>
+        <p:txBody>
           <a:bodyPr>
-            <a:normAutofit/>
+            <a:normAutofit fontScale="92500" lnSpcReduction="10000"/>
           </a:bodyPr>
           <a:lstStyle/>
           <a:p>
             <a:r>
               <a:rPr lang="en-US" dirty="0" smtClean="0"/>
-              <a:t>How RTS Competition Evolves</a:t>
-            </a:r>
-            <a:endParaRPr lang="en-US" dirty="0"/>
-          </a:p>
-        </p:txBody>
-      </p:sp>
-      <p:sp>
-        <p:nvSpPr>
-          <p:cNvPr id="3" name="Content Placeholder 2"/>
-          <p:cNvSpPr>
-            <a:spLocks noGrp="1"/>
-          </p:cNvSpPr>
-          <p:nvPr>
-            <p:ph idx="1"/>
-          </p:nvPr>
-        </p:nvSpPr>
-        <p:spPr/>
-        <p:txBody>
-          <a:bodyPr>
-            <a:normAutofit fontScale="70000" lnSpcReduction="20000"/>
-          </a:bodyPr>
-          <a:lstStyle/>
-          <a:p>
-            <a:pPr marL="514350" indent="-514350">
-              <a:buFont typeface="+mj-lt"/>
-              <a:buAutoNum type="arabicPeriod"/>
-            </a:pPr>
-            <a:r>
-              <a:rPr lang="en-US" dirty="0" smtClean="0"/>
-              <a:t>Players find the strengths and weaknesses of small homogenous masses – perfected quickly</a:t>
-            </a:r>
+              <a:t>Players automatically create hierarchies, modules, groups, rules – all without realizing it</a:t>
+            </a:r>
+          </a:p>
+          <a:p>
             <a:endParaRPr lang="en-US" dirty="0" smtClean="0"/>
           </a:p>
           <a:p>
-            <a:pPr marL="514350" indent="-514350">
-              <a:buFont typeface="+mj-lt"/>
-              <a:buAutoNum type="arabicPeriod"/>
-            </a:pPr>
+            <a:r>
+              <a:rPr lang="en-US" dirty="0" smtClean="0"/>
+              <a:t>Play with friends, play with enemies, get better, build on known good strategies</a:t>
+            </a:r>
+          </a:p>
+          <a:p>
             <a:endParaRPr lang="en-US" dirty="0" smtClean="0"/>
           </a:p>
           <a:p>
-            <a:pPr marL="514350" indent="-514350">
-              <a:buFont typeface="+mj-lt"/>
-              <a:buAutoNum type="arabicPeriod"/>
-            </a:pPr>
-            <a:r>
-              <a:rPr lang="en-US" dirty="0" smtClean="0"/>
-              <a:t>Players discover/create mixed groups to beat homogeneous groups – perfected in the medium term</a:t>
-            </a:r>
-          </a:p>
-          <a:p>
-            <a:pPr marL="514350" indent="-514350">
-              <a:buFont typeface="+mj-lt"/>
-              <a:buAutoNum type="arabicPeriod"/>
-            </a:pPr>
+            <a:r>
+              <a:rPr lang="en-US" dirty="0" smtClean="0"/>
+              <a:t>It’s a meta-gaming arms race – evolution of a game’s known optimal strategy over its lifetime is extremely interesting</a:t>
+            </a:r>
+          </a:p>
+          <a:p>
             <a:endParaRPr lang="en-US" dirty="0" smtClean="0"/>
-          </a:p>
-          <a:p>
-            <a:pPr marL="514350" indent="-514350">
-              <a:buFont typeface="+mj-lt"/>
-              <a:buAutoNum type="arabicPeriod"/>
-            </a:pPr>
-            <a:r>
-              <a:rPr lang="en-US" dirty="0" smtClean="0"/>
-              <a:t>Players find weaknesses of larger mixed groups against each other, and how those groups should change – this takes a long time. </a:t>
-            </a:r>
-            <a:r>
-              <a:rPr lang="en-US" dirty="0" smtClean="0"/>
-              <a:t>Never perfected, but good enough to win.</a:t>
-            </a:r>
-            <a:endParaRPr lang="en-US" dirty="0" smtClean="0"/>
-          </a:p>
-          <a:p>
-            <a:pPr marL="514350" indent="-514350">
-              <a:buFont typeface="+mj-lt"/>
-              <a:buAutoNum type="arabicPeriod"/>
-            </a:pPr>
-            <a:endParaRPr lang="en-US" dirty="0" smtClean="0"/>
-          </a:p>
-          <a:p>
-            <a:pPr marL="514350" indent="-514350">
-              <a:buFont typeface="+mj-lt"/>
-              <a:buAutoNum type="arabicPeriod"/>
-            </a:pPr>
-            <a:r>
-              <a:rPr lang="en-US" dirty="0" smtClean="0"/>
-              <a:t>Over long periods of time in good games, optimal strategies are discovered (probably near the theoretical limit) and overall advancement slows to a halt.</a:t>
-            </a:r>
-          </a:p>
-          <a:p>
-            <a:pPr marL="514350" indent="-514350">
-              <a:buFont typeface="+mj-lt"/>
-              <a:buAutoNum type="arabicPeriod"/>
-            </a:pPr>
-            <a:endParaRPr lang="en-US" dirty="0" smtClean="0"/>
-          </a:p>
-          <a:p>
-            <a:pPr marL="514350" indent="-514350">
-              <a:buFont typeface="+mj-lt"/>
-              <a:buAutoNum type="arabicPeriod"/>
-            </a:pPr>
-            <a:endParaRPr lang="en-US" dirty="0"/>
           </a:p>
         </p:txBody>
       </p:sp>
@@ -3587,94 +3608,6 @@
           <a:p>
             <a:r>
               <a:rPr lang="en-US" dirty="0" smtClean="0"/>
-              <a:t>Meta-Gaming</a:t>
-            </a:r>
-            <a:endParaRPr lang="en-US" dirty="0"/>
-          </a:p>
-        </p:txBody>
-      </p:sp>
-      <p:sp>
-        <p:nvSpPr>
-          <p:cNvPr id="3" name="Content Placeholder 2"/>
-          <p:cNvSpPr>
-            <a:spLocks noGrp="1"/>
-          </p:cNvSpPr>
-          <p:nvPr>
-            <p:ph idx="1"/>
-          </p:nvPr>
-        </p:nvSpPr>
-        <p:spPr/>
-        <p:txBody>
-          <a:bodyPr>
-            <a:normAutofit/>
-          </a:bodyPr>
-          <a:lstStyle/>
-          <a:p>
-            <a:r>
-              <a:rPr lang="en-US" dirty="0" smtClean="0"/>
-              <a:t>Players automatically create hierarchies, modules, groups, rules – all without realizing it</a:t>
-            </a:r>
-          </a:p>
-          <a:p>
-            <a:r>
-              <a:rPr lang="en-US" dirty="0" smtClean="0"/>
-              <a:t>Play with friends, play with enemies, get better, build on known good strategies</a:t>
-            </a:r>
-            <a:endParaRPr lang="en-US" dirty="0" smtClean="0"/>
-          </a:p>
-          <a:p>
-            <a:r>
-              <a:rPr lang="en-US" dirty="0" smtClean="0"/>
-              <a:t>It’s a meta-gaming arms race – evolution of a game’s known optimal strategy over its lifetime is extremely interesting</a:t>
-            </a:r>
-          </a:p>
-          <a:p>
-            <a:endParaRPr lang="en-US" dirty="0" smtClean="0"/>
-          </a:p>
-        </p:txBody>
-      </p:sp>
-    </p:spTree>
-  </p:cSld>
-  <p:clrMapOvr>
-    <a:masterClrMapping/>
-  </p:clrMapOvr>
-</p:sld>
-</file>
-
-<file path=ppt/slides/slide15.xml><?xml version="1.0" encoding="utf-8"?>
-<p:sld xmlns:a="http://schemas.openxmlformats.org/drawingml/2006/main" xmlns:r="http://schemas.openxmlformats.org/officeDocument/2006/relationships" xmlns:p="http://schemas.openxmlformats.org/presentationml/2006/main">
-  <p:cSld>
-    <p:spTree>
-      <p:nvGrpSpPr>
-        <p:cNvPr id="1" name=""/>
-        <p:cNvGrpSpPr/>
-        <p:nvPr/>
-      </p:nvGrpSpPr>
-      <p:grpSpPr>
-        <a:xfrm>
-          <a:off x="0" y="0"/>
-          <a:ext cx="0" cy="0"/>
-          <a:chOff x="0" y="0"/>
-          <a:chExt cx="0" cy="0"/>
-        </a:xfrm>
-      </p:grpSpPr>
-      <p:sp>
-        <p:nvSpPr>
-          <p:cNvPr id="2" name="Title 1"/>
-          <p:cNvSpPr>
-            <a:spLocks noGrp="1"/>
-          </p:cNvSpPr>
-          <p:nvPr>
-            <p:ph type="title"/>
-          </p:nvPr>
-        </p:nvSpPr>
-        <p:spPr/>
-        <p:txBody>
-          <a:bodyPr/>
-          <a:lstStyle/>
-          <a:p>
-            <a:r>
-              <a:rPr lang="en-US" dirty="0" smtClean="0"/>
               <a:t>why this matters</a:t>
             </a:r>
             <a:endParaRPr lang="en-US" dirty="0"/>
@@ -4092,28 +4025,51 @@
       </p:sp>
       <p:sp>
         <p:nvSpPr>
+          <p:cNvPr id="5" name="Text Placeholder 4"/>
+          <p:cNvSpPr>
+            <a:spLocks noGrp="1"/>
+          </p:cNvSpPr>
+          <p:nvPr>
+            <p:ph type="body" idx="1"/>
+          </p:nvPr>
+        </p:nvSpPr>
+        <p:spPr/>
+        <p:txBody>
+          <a:bodyPr/>
+          <a:lstStyle/>
+          <a:p>
+            <a:r>
+              <a:rPr lang="en-US" dirty="0" smtClean="0"/>
+              <a:t>Core Wars</a:t>
+            </a:r>
+            <a:endParaRPr lang="en-US" dirty="0"/>
+          </a:p>
+        </p:txBody>
+      </p:sp>
+      <p:sp>
+        <p:nvSpPr>
           <p:cNvPr id="3" name="Content Placeholder 2"/>
           <p:cNvSpPr>
             <a:spLocks noGrp="1"/>
           </p:cNvSpPr>
           <p:nvPr>
-            <p:ph idx="1"/>
-          </p:nvPr>
-        </p:nvSpPr>
-        <p:spPr/>
-        <p:txBody>
-          <a:bodyPr/>
-          <a:lstStyle/>
-          <a:p>
-            <a:r>
-              <a:rPr lang="en-US" dirty="0" smtClean="0"/>
-              <a:t>Programmer’s game formed during the 1980s</a:t>
-            </a:r>
-          </a:p>
-          <a:p>
-            <a:r>
-              <a:rPr lang="en-US" dirty="0" smtClean="0"/>
-              <a:t>Write a </a:t>
+            <p:ph sz="half" idx="2"/>
+          </p:nvPr>
+        </p:nvSpPr>
+        <p:spPr/>
+        <p:txBody>
+          <a:bodyPr/>
+          <a:lstStyle/>
+          <a:p>
+            <a:r>
+              <a:rPr lang="en-US" dirty="0" smtClean="0"/>
+              <a:t>2-player programmer’s game</a:t>
+            </a:r>
+          </a:p>
+          <a:p>
+            <a:r>
+              <a:rPr lang="en-US" dirty="0" smtClean="0"/>
+              <a:t>Run </a:t>
             </a:r>
             <a:r>
               <a:rPr lang="en-US" dirty="0" err="1" smtClean="0"/>
@@ -4121,24 +4077,105 @@
             </a:r>
             <a:r>
               <a:rPr lang="en-US" dirty="0" smtClean="0"/>
-              <a:t> “warrior”</a:t>
-            </a:r>
-          </a:p>
-          <a:p>
-            <a:r>
-              <a:rPr lang="en-US" dirty="0" smtClean="0"/>
-              <a:t>Beat the other guy’s warrior</a:t>
-            </a:r>
-          </a:p>
-          <a:p>
-            <a:r>
-              <a:rPr lang="en-US" dirty="0" smtClean="0"/>
-              <a:t>Most troops at the end wins</a:t>
-            </a:r>
+              <a:t> programs in VM</a:t>
+            </a:r>
+            <a:endParaRPr lang="en-US" dirty="0" smtClean="0"/>
+          </a:p>
+          <a:p>
+            <a:r>
+              <a:rPr lang="en-US" dirty="0" smtClean="0"/>
+              <a:t>One program each, last one surviving</a:t>
+            </a:r>
+          </a:p>
+          <a:p>
+            <a:r>
+              <a:rPr lang="en-US" dirty="0" smtClean="0"/>
+              <a:t>Conceived in 1980s</a:t>
+            </a:r>
+          </a:p>
+          <a:p>
+            <a:r>
+              <a:rPr lang="en-US" dirty="0" smtClean="0"/>
+              <a:t>Still actively played</a:t>
+            </a:r>
+          </a:p>
+          <a:p>
             <a:endParaRPr lang="en-US" dirty="0"/>
           </a:p>
-          <a:p>
+        </p:txBody>
+      </p:sp>
+      <p:sp>
+        <p:nvSpPr>
+          <p:cNvPr id="6" name="Text Placeholder 5"/>
+          <p:cNvSpPr>
+            <a:spLocks noGrp="1"/>
+          </p:cNvSpPr>
+          <p:nvPr>
+            <p:ph type="body" sz="quarter" idx="3"/>
+          </p:nvPr>
+        </p:nvSpPr>
+        <p:spPr/>
+        <p:txBody>
+          <a:bodyPr/>
+          <a:lstStyle/>
+          <a:p>
+            <a:r>
+              <a:rPr lang="en-US" dirty="0" err="1" smtClean="0"/>
+              <a:t>Redcode</a:t>
+            </a:r>
             <a:endParaRPr lang="en-US" dirty="0"/>
+          </a:p>
+        </p:txBody>
+      </p:sp>
+      <p:sp>
+        <p:nvSpPr>
+          <p:cNvPr id="4" name="Content Placeholder 3"/>
+          <p:cNvSpPr>
+            <a:spLocks noGrp="1"/>
+          </p:cNvSpPr>
+          <p:nvPr>
+            <p:ph sz="quarter" idx="4"/>
+          </p:nvPr>
+        </p:nvSpPr>
+        <p:spPr/>
+        <p:txBody>
+          <a:bodyPr/>
+          <a:lstStyle/>
+          <a:p>
+            <a:r>
+              <a:rPr lang="en-US" dirty="0" smtClean="0"/>
+              <a:t>RISC</a:t>
+            </a:r>
+          </a:p>
+          <a:p>
+            <a:r>
+              <a:rPr lang="en-US" dirty="0" smtClean="0"/>
+              <a:t>Explicit copy instruction</a:t>
+            </a:r>
+          </a:p>
+          <a:p>
+            <a:r>
+              <a:rPr lang="en-US" dirty="0" smtClean="0"/>
+              <a:t>Simulated parallelism</a:t>
+            </a:r>
+          </a:p>
+          <a:p>
+            <a:r>
+              <a:rPr lang="en-US" dirty="0" smtClean="0"/>
+              <a:t>Relative addressing</a:t>
+            </a:r>
+          </a:p>
+          <a:p>
+            <a:r>
+              <a:rPr lang="en-US" dirty="0" smtClean="0"/>
+              <a:t>All instructions are valid</a:t>
+            </a:r>
+          </a:p>
+          <a:p>
+            <a:r>
+              <a:rPr lang="en-US" dirty="0" smtClean="0"/>
+              <a:t>Overwrite, destroy, hijack</a:t>
+            </a:r>
           </a:p>
         </p:txBody>
       </p:sp>
@@ -4183,8 +4220,12 @@
           <a:lstStyle/>
           <a:p>
             <a:r>
-              <a:rPr lang="en-US" dirty="0" smtClean="0"/>
-              <a:t>core wars overview</a:t>
+              <a:rPr lang="en-US" dirty="0" err="1" smtClean="0"/>
+              <a:t>tierra</a:t>
+            </a:r>
+            <a:r>
+              <a:rPr lang="en-US" dirty="0" smtClean="0"/>
+              <a:t> structure</a:t>
             </a:r>
             <a:endParaRPr lang="en-US" dirty="0"/>
           </a:p>
@@ -4192,157 +4233,55 @@
       </p:sp>
       <p:sp>
         <p:nvSpPr>
-          <p:cNvPr id="5" name="Text Placeholder 4"/>
-          <p:cNvSpPr>
-            <a:spLocks noGrp="1"/>
-          </p:cNvSpPr>
-          <p:nvPr>
-            <p:ph type="body" idx="1"/>
-          </p:nvPr>
-        </p:nvSpPr>
-        <p:spPr/>
-        <p:txBody>
-          <a:bodyPr/>
-          <a:lstStyle/>
-          <a:p>
-            <a:r>
-              <a:rPr lang="en-US" dirty="0" smtClean="0"/>
-              <a:t>Core Wars</a:t>
+          <p:cNvPr id="3" name="Content Placeholder 2"/>
+          <p:cNvSpPr>
+            <a:spLocks noGrp="1"/>
+          </p:cNvSpPr>
+          <p:nvPr>
+            <p:ph idx="1"/>
+          </p:nvPr>
+        </p:nvSpPr>
+        <p:spPr/>
+        <p:txBody>
+          <a:bodyPr/>
+          <a:lstStyle/>
+          <a:p>
+            <a:r>
+              <a:rPr lang="en-US" dirty="0" smtClean="0"/>
+              <a:t>Heavily-modified Core Wars</a:t>
+            </a:r>
+          </a:p>
+          <a:p>
+            <a:endParaRPr lang="en-US" dirty="0" smtClean="0"/>
+          </a:p>
+          <a:p>
+            <a:r>
+              <a:rPr lang="en-US" dirty="0" smtClean="0"/>
+              <a:t>Scarce Mutations –  on-copy and global</a:t>
+            </a:r>
+          </a:p>
+          <a:p>
+            <a:endParaRPr lang="en-US" dirty="0" smtClean="0"/>
+          </a:p>
+          <a:p>
+            <a:r>
+              <a:rPr lang="en-US" dirty="0" smtClean="0"/>
+              <a:t>Background reaper eliminates old programs</a:t>
             </a:r>
             <a:endParaRPr lang="en-US" dirty="0"/>
           </a:p>
-        </p:txBody>
-      </p:sp>
-      <p:sp>
-        <p:nvSpPr>
-          <p:cNvPr id="3" name="Content Placeholder 2"/>
-          <p:cNvSpPr>
-            <a:spLocks noGrp="1"/>
-          </p:cNvSpPr>
-          <p:nvPr>
-            <p:ph sz="half" idx="2"/>
-          </p:nvPr>
-        </p:nvSpPr>
-        <p:spPr/>
-        <p:txBody>
-          <a:bodyPr/>
-          <a:lstStyle/>
-          <a:p>
-            <a:r>
-              <a:rPr lang="en-US" dirty="0" smtClean="0"/>
-              <a:t>2-player programmer’s game</a:t>
-            </a:r>
-          </a:p>
-          <a:p>
-            <a:r>
-              <a:rPr lang="en-US" dirty="0" smtClean="0"/>
-              <a:t>Run </a:t>
-            </a:r>
-            <a:r>
-              <a:rPr lang="en-US" dirty="0" err="1" smtClean="0"/>
-              <a:t>Redcode</a:t>
-            </a:r>
-            <a:r>
-              <a:rPr lang="en-US" dirty="0" smtClean="0"/>
-              <a:t> programs in VM</a:t>
-            </a:r>
-            <a:endParaRPr lang="en-US" dirty="0" smtClean="0"/>
-          </a:p>
-          <a:p>
-            <a:r>
-              <a:rPr lang="en-US" dirty="0" smtClean="0"/>
-              <a:t>One program each, last one surviving</a:t>
-            </a:r>
-          </a:p>
-          <a:p>
-            <a:r>
-              <a:rPr lang="en-US" dirty="0" smtClean="0"/>
-              <a:t>Conceived in 1980s</a:t>
-            </a:r>
-          </a:p>
-          <a:p>
-            <a:r>
-              <a:rPr lang="en-US" dirty="0" smtClean="0"/>
-              <a:t>Still actively played</a:t>
-            </a:r>
-          </a:p>
           <a:p>
             <a:endParaRPr lang="en-US" dirty="0"/>
           </a:p>
-        </p:txBody>
-      </p:sp>
-      <p:sp>
-        <p:nvSpPr>
-          <p:cNvPr id="6" name="Text Placeholder 5"/>
-          <p:cNvSpPr>
-            <a:spLocks noGrp="1"/>
-          </p:cNvSpPr>
-          <p:nvPr>
-            <p:ph type="body" sz="quarter" idx="3"/>
-          </p:nvPr>
-        </p:nvSpPr>
-        <p:spPr/>
-        <p:txBody>
-          <a:bodyPr/>
-          <a:lstStyle/>
-          <a:p>
-            <a:r>
-              <a:rPr lang="en-US" dirty="0" err="1" smtClean="0"/>
-              <a:t>Redcode</a:t>
+          <a:p>
+            <a:r>
+              <a:rPr lang="en-US" dirty="0" smtClean="0"/>
+              <a:t>Template-based interactions using JMP</a:t>
             </a:r>
             <a:endParaRPr lang="en-US" dirty="0"/>
           </a:p>
-        </p:txBody>
-      </p:sp>
-      <p:sp>
-        <p:nvSpPr>
-          <p:cNvPr id="4" name="Content Placeholder 3"/>
-          <p:cNvSpPr>
-            <a:spLocks noGrp="1"/>
-          </p:cNvSpPr>
-          <p:nvPr>
-            <p:ph sz="quarter" idx="4"/>
-          </p:nvPr>
-        </p:nvSpPr>
-        <p:spPr/>
-        <p:txBody>
-          <a:bodyPr/>
-          <a:lstStyle/>
-          <a:p>
-            <a:r>
-              <a:rPr lang="en-US" dirty="0" smtClean="0"/>
-              <a:t>RISC</a:t>
-            </a:r>
-          </a:p>
-          <a:p>
-            <a:r>
-              <a:rPr lang="en-US" dirty="0" smtClean="0"/>
-              <a:t>Explicit copy instruction</a:t>
-            </a:r>
-          </a:p>
-          <a:p>
-            <a:r>
-              <a:rPr lang="en-US" dirty="0" smtClean="0"/>
-              <a:t>Simulated parallelism</a:t>
-            </a:r>
-          </a:p>
-          <a:p>
-            <a:r>
-              <a:rPr lang="en-US" dirty="0" smtClean="0"/>
-              <a:t>Relative addressing</a:t>
-            </a:r>
-          </a:p>
-          <a:p>
-            <a:r>
-              <a:rPr lang="en-US" dirty="0" smtClean="0"/>
-              <a:t>All instructions are valid</a:t>
-            </a:r>
-          </a:p>
-          <a:p>
-            <a:r>
-              <a:rPr lang="en-US" dirty="0" smtClean="0"/>
-              <a:t>Overwrite, destroy, hijack</a:t>
-            </a:r>
+          <a:p>
+            <a:endParaRPr lang="en-US" dirty="0"/>
           </a:p>
         </p:txBody>
       </p:sp>
@@ -4373,7 +4312,7 @@
       </p:grpSpPr>
       <p:sp>
         <p:nvSpPr>
-          <p:cNvPr id="2" name="Title 1"/>
+          <p:cNvPr id="7" name="Title 6"/>
           <p:cNvSpPr>
             <a:spLocks noGrp="1"/>
           </p:cNvSpPr>
@@ -4392,7 +4331,7 @@
             </a:r>
             <a:r>
               <a:rPr lang="en-US" dirty="0" smtClean="0"/>
-              <a:t> structure</a:t>
+              <a:t> background</a:t>
             </a:r>
             <a:endParaRPr lang="en-US" dirty="0"/>
           </a:p>
@@ -4400,7 +4339,7 @@
       </p:sp>
       <p:sp>
         <p:nvSpPr>
-          <p:cNvPr id="3" name="Content Placeholder 2"/>
+          <p:cNvPr id="8" name="Content Placeholder 7"/>
           <p:cNvSpPr>
             <a:spLocks noGrp="1"/>
           </p:cNvSpPr>
@@ -4415,7 +4354,7 @@
           <a:p>
             <a:r>
               <a:rPr lang="en-US" dirty="0" smtClean="0"/>
-              <a:t>Heavily-modified Core Wars</a:t>
+              <a:t>Brainchild of ecologist Thomas Ray (who apparently spent time at the SF Institute)</a:t>
             </a:r>
           </a:p>
           <a:p>
@@ -4424,28 +4363,8 @@
           <a:p>
             <a:r>
               <a:rPr lang="en-US" dirty="0" smtClean="0"/>
-              <a:t>Scarce Mutations –  on-copy and global</a:t>
-            </a:r>
-          </a:p>
-          <a:p>
-            <a:endParaRPr lang="en-US" dirty="0" smtClean="0"/>
-          </a:p>
-          <a:p>
-            <a:r>
-              <a:rPr lang="en-US" dirty="0" smtClean="0"/>
-              <a:t>Background reaper eliminates old programs</a:t>
-            </a:r>
-            <a:endParaRPr lang="en-US" dirty="0"/>
-          </a:p>
-          <a:p>
-            <a:endParaRPr lang="en-US" dirty="0"/>
-          </a:p>
-          <a:p>
-            <a:r>
-              <a:rPr lang="en-US" dirty="0" smtClean="0"/>
-              <a:t>Template-based interactions using JMP</a:t>
-            </a:r>
-            <a:endParaRPr lang="en-US" dirty="0"/>
+              <a:t>Abortive attempt to develop distributed version</a:t>
+            </a:r>
           </a:p>
           <a:p>
             <a:endParaRPr lang="en-US" dirty="0"/>
@@ -4479,7 +4398,7 @@
       </p:grpSpPr>
       <p:sp>
         <p:nvSpPr>
-          <p:cNvPr id="7" name="Title 6"/>
+          <p:cNvPr id="2" name="Title 1"/>
           <p:cNvSpPr>
             <a:spLocks noGrp="1"/>
           </p:cNvSpPr>
@@ -4498,7 +4417,7 @@
             </a:r>
             <a:r>
               <a:rPr lang="en-US" dirty="0" smtClean="0"/>
-              <a:t> background</a:t>
+              <a:t> results</a:t>
             </a:r>
             <a:endParaRPr lang="en-US" dirty="0"/>
           </a:p>
@@ -4506,7 +4425,7 @@
       </p:sp>
       <p:sp>
         <p:nvSpPr>
-          <p:cNvPr id="8" name="Content Placeholder 7"/>
+          <p:cNvPr id="3" name="Content Placeholder 2"/>
           <p:cNvSpPr>
             <a:spLocks noGrp="1"/>
           </p:cNvSpPr>
@@ -4521,7 +4440,7 @@
           <a:p>
             <a:r>
               <a:rPr lang="en-US" dirty="0" smtClean="0"/>
-              <a:t>Brainchild of ecologist Thomas Ray (who apparently spent time at the SF Institute)</a:t>
+              <a:t>Blind-copying ancestor 80 bytes large</a:t>
             </a:r>
           </a:p>
           <a:p>
@@ -4530,11 +4449,17 @@
           <a:p>
             <a:r>
               <a:rPr lang="en-US" dirty="0" smtClean="0"/>
-              <a:t>Abortive attempt to develop distributed version</a:t>
-            </a:r>
-          </a:p>
-          <a:p>
-            <a:endParaRPr lang="en-US" dirty="0"/>
+              <a:t>Mutation resulted in minor variations after several thousand generations – all ~80 +- 5</a:t>
+            </a:r>
+          </a:p>
+          <a:p>
+            <a:endParaRPr lang="en-US" dirty="0" smtClean="0"/>
+          </a:p>
+          <a:p>
+            <a:r>
+              <a:rPr lang="en-US" dirty="0" smtClean="0"/>
+              <a:t>Few thousand more generations, and what happens?</a:t>
+            </a:r>
           </a:p>
         </p:txBody>
       </p:sp>
@@ -4584,7 +4509,7 @@
             </a:r>
             <a:r>
               <a:rPr lang="en-US" dirty="0" smtClean="0"/>
-              <a:t> results</a:t>
+              <a:t> results continued</a:t>
             </a:r>
             <a:endParaRPr lang="en-US" dirty="0"/>
           </a:p>
@@ -4605,28 +4530,7 @@
           <a:bodyPr/>
           <a:lstStyle/>
           <a:p>
-            <a:r>
-              <a:rPr lang="en-US" dirty="0" smtClean="0"/>
-              <a:t>Blind-copying ancestor 80 bytes large</a:t>
-            </a:r>
-          </a:p>
-          <a:p>
-            <a:endParaRPr lang="en-US" dirty="0" smtClean="0"/>
-          </a:p>
-          <a:p>
-            <a:r>
-              <a:rPr lang="en-US" dirty="0" smtClean="0"/>
-              <a:t>Mutation resulted in minor variations after several thousand generations – all ~80 +- 5</a:t>
-            </a:r>
-          </a:p>
-          <a:p>
-            <a:endParaRPr lang="en-US" dirty="0" smtClean="0"/>
-          </a:p>
-          <a:p>
-            <a:r>
-              <a:rPr lang="en-US" dirty="0" smtClean="0"/>
-              <a:t>Few thousand more generations, and what happens?</a:t>
-            </a:r>
+            <a:endParaRPr lang="en-US" dirty="0"/>
           </a:p>
         </p:txBody>
       </p:sp>

--- a/tierra.pptx
+++ b/tierra.pptx
@@ -2,23 +2,30 @@
 <file path=ppt/presentation.xml><?xml version="1.0" encoding="utf-8"?>
 <p:presentation xmlns:a="http://schemas.openxmlformats.org/drawingml/2006/main" xmlns:r="http://schemas.openxmlformats.org/officeDocument/2006/relationships" xmlns:p="http://schemas.openxmlformats.org/presentationml/2006/main" saveSubsetFonts="1">
   <p:sldMasterIdLst>
-    <p:sldMasterId id="2147483648" r:id="rId1"/>
+    <p:sldMasterId id="2147483660" r:id="rId1"/>
   </p:sldMasterIdLst>
+  <p:handoutMasterIdLst>
+    <p:handoutMasterId r:id="rId20"/>
+  </p:handoutMasterIdLst>
   <p:sldIdLst>
     <p:sldId id="256" r:id="rId2"/>
     <p:sldId id="258" r:id="rId3"/>
     <p:sldId id="259" r:id="rId4"/>
     <p:sldId id="260" r:id="rId5"/>
-    <p:sldId id="262" r:id="rId6"/>
-    <p:sldId id="257" r:id="rId7"/>
-    <p:sldId id="264" r:id="rId8"/>
+    <p:sldId id="264" r:id="rId6"/>
+    <p:sldId id="262" r:id="rId7"/>
+    <p:sldId id="257" r:id="rId8"/>
     <p:sldId id="263" r:id="rId9"/>
     <p:sldId id="270" r:id="rId10"/>
-    <p:sldId id="265" r:id="rId11"/>
-    <p:sldId id="266" r:id="rId12"/>
-    <p:sldId id="267" r:id="rId13"/>
-    <p:sldId id="269" r:id="rId14"/>
-    <p:sldId id="268" r:id="rId15"/>
+    <p:sldId id="271" r:id="rId11"/>
+    <p:sldId id="272" r:id="rId12"/>
+    <p:sldId id="275" r:id="rId13"/>
+    <p:sldId id="268" r:id="rId14"/>
+    <p:sldId id="266" r:id="rId15"/>
+    <p:sldId id="274" r:id="rId16"/>
+    <p:sldId id="269" r:id="rId17"/>
+    <p:sldId id="273" r:id="rId18"/>
+    <p:sldId id="276" r:id="rId19"/>
   </p:sldIdLst>
   <p:sldSz cx="9144000" cy="6858000" type="screen4x3"/>
   <p:notesSz cx="6858000" cy="9144000"/>
@@ -120,6 +127,166 @@
 </p:presentation>
 </file>
 
+<file path=ppt/handoutMasters/handoutMaster1.xml><?xml version="1.0" encoding="utf-8"?>
+<p:handoutMaster xmlns:a="http://schemas.openxmlformats.org/drawingml/2006/main" xmlns:r="http://schemas.openxmlformats.org/officeDocument/2006/relationships" xmlns:p="http://schemas.openxmlformats.org/presentationml/2006/main">
+  <p:cSld>
+    <p:bg>
+      <p:bgRef idx="1001">
+        <a:schemeClr val="bg1"/>
+      </p:bgRef>
+    </p:bg>
+    <p:spTree>
+      <p:nvGrpSpPr>
+        <p:cNvPr id="1" name=""/>
+        <p:cNvGrpSpPr/>
+        <p:nvPr/>
+      </p:nvGrpSpPr>
+      <p:grpSpPr>
+        <a:xfrm>
+          <a:off x="0" y="0"/>
+          <a:ext cx="0" cy="0"/>
+          <a:chOff x="0" y="0"/>
+          <a:chExt cx="0" cy="0"/>
+        </a:xfrm>
+      </p:grpSpPr>
+      <p:sp>
+        <p:nvSpPr>
+          <p:cNvPr id="2" name="Header Placeholder 1"/>
+          <p:cNvSpPr>
+            <a:spLocks noGrp="1"/>
+          </p:cNvSpPr>
+          <p:nvPr>
+            <p:ph type="hdr" sz="quarter"/>
+          </p:nvPr>
+        </p:nvSpPr>
+        <p:spPr>
+          <a:xfrm>
+            <a:off x="0" y="0"/>
+            <a:ext cx="2971800" cy="457200"/>
+          </a:xfrm>
+          <a:prstGeom prst="rect">
+            <a:avLst/>
+          </a:prstGeom>
+        </p:spPr>
+        <p:txBody>
+          <a:bodyPr vert="horz" lIns="91440" tIns="45720" rIns="91440" bIns="45720" rtlCol="0"/>
+          <a:lstStyle>
+            <a:lvl1pPr algn="l">
+              <a:defRPr sz="1200"/>
+            </a:lvl1pPr>
+          </a:lstStyle>
+          <a:p>
+            <a:endParaRPr lang="en-US"/>
+          </a:p>
+        </p:txBody>
+      </p:sp>
+      <p:sp>
+        <p:nvSpPr>
+          <p:cNvPr id="3" name="Date Placeholder 2"/>
+          <p:cNvSpPr>
+            <a:spLocks noGrp="1"/>
+          </p:cNvSpPr>
+          <p:nvPr>
+            <p:ph type="dt" sz="quarter" idx="1"/>
+          </p:nvPr>
+        </p:nvSpPr>
+        <p:spPr>
+          <a:xfrm>
+            <a:off x="3884613" y="0"/>
+            <a:ext cx="2971800" cy="457200"/>
+          </a:xfrm>
+          <a:prstGeom prst="rect">
+            <a:avLst/>
+          </a:prstGeom>
+        </p:spPr>
+        <p:txBody>
+          <a:bodyPr vert="horz" lIns="91440" tIns="45720" rIns="91440" bIns="45720" rtlCol="0"/>
+          <a:lstStyle>
+            <a:lvl1pPr algn="r">
+              <a:defRPr sz="1200"/>
+            </a:lvl1pPr>
+          </a:lstStyle>
+          <a:p>
+            <a:fld id="{669B17D8-AF23-4589-AB66-B7C67AFFB759}" type="datetimeFigureOut">
+              <a:rPr lang="en-US" smtClean="0"/>
+              <a:t>3/5/2009</a:t>
+            </a:fld>
+            <a:endParaRPr lang="en-US"/>
+          </a:p>
+        </p:txBody>
+      </p:sp>
+      <p:sp>
+        <p:nvSpPr>
+          <p:cNvPr id="4" name="Footer Placeholder 3"/>
+          <p:cNvSpPr>
+            <a:spLocks noGrp="1"/>
+          </p:cNvSpPr>
+          <p:nvPr>
+            <p:ph type="ftr" sz="quarter" idx="2"/>
+          </p:nvPr>
+        </p:nvSpPr>
+        <p:spPr>
+          <a:xfrm>
+            <a:off x="0" y="8685213"/>
+            <a:ext cx="2971800" cy="457200"/>
+          </a:xfrm>
+          <a:prstGeom prst="rect">
+            <a:avLst/>
+          </a:prstGeom>
+        </p:spPr>
+        <p:txBody>
+          <a:bodyPr vert="horz" lIns="91440" tIns="45720" rIns="91440" bIns="45720" rtlCol="0" anchor="b"/>
+          <a:lstStyle>
+            <a:lvl1pPr algn="l">
+              <a:defRPr sz="1200"/>
+            </a:lvl1pPr>
+          </a:lstStyle>
+          <a:p>
+            <a:endParaRPr lang="en-US"/>
+          </a:p>
+        </p:txBody>
+      </p:sp>
+      <p:sp>
+        <p:nvSpPr>
+          <p:cNvPr id="6" name="Slide Number Placeholder 5"/>
+          <p:cNvSpPr>
+            <a:spLocks noGrp="1"/>
+          </p:cNvSpPr>
+          <p:nvPr>
+            <p:ph type="sldNum" sz="quarter" idx="3"/>
+          </p:nvPr>
+        </p:nvSpPr>
+        <p:spPr>
+          <a:xfrm>
+            <a:off x="3884613" y="8685213"/>
+            <a:ext cx="2971800" cy="457200"/>
+          </a:xfrm>
+          <a:prstGeom prst="rect">
+            <a:avLst/>
+          </a:prstGeom>
+        </p:spPr>
+        <p:txBody>
+          <a:bodyPr vert="horz" lIns="91440" tIns="45720" rIns="91440" bIns="45720" rtlCol="0" anchor="b"/>
+          <a:lstStyle>
+            <a:lvl1pPr algn="r">
+              <a:defRPr sz="1200"/>
+            </a:lvl1pPr>
+          </a:lstStyle>
+          <a:p>
+            <a:fld id="{EAD6CF86-49AB-4E3D-A666-38DAFCCF5F37}" type="slidenum">
+              <a:rPr lang="en-US" smtClean="0"/>
+              <a:t>‹#›</a:t>
+            </a:fld>
+            <a:endParaRPr lang="en-US"/>
+          </a:p>
+        </p:txBody>
+      </p:sp>
+    </p:spTree>
+  </p:cSld>
+  <p:clrMap bg1="lt1" tx1="dk1" bg2="lt2" tx2="dk2" accent1="accent1" accent2="accent2" accent3="accent3" accent4="accent4" accent5="accent5" accent6="accent6" hlink="hlink" folHlink="folHlink"/>
+</p:handoutMaster>
+</file>
+
 <file path=ppt/slideLayouts/slideLayout1.xml><?xml version="1.0" encoding="utf-8"?>
 <p:sldLayout xmlns:a="http://schemas.openxmlformats.org/drawingml/2006/main" xmlns:r="http://schemas.openxmlformats.org/officeDocument/2006/relationships" xmlns:p="http://schemas.openxmlformats.org/presentationml/2006/main" type="title" preserve="1">
   <p:cSld name="Title Slide">
@@ -139,7 +306,7 @@
       </p:grpSpPr>
       <p:sp>
         <p:nvSpPr>
-          <p:cNvPr id="2" name="Title 1"/>
+          <p:cNvPr id="14" name="Title 13"/>
           <p:cNvSpPr>
             <a:spLocks noGrp="1"/>
           </p:cNvSpPr>
@@ -149,25 +316,30 @@
         </p:nvSpPr>
         <p:spPr>
           <a:xfrm>
-            <a:off x="685800" y="2130425"/>
-            <a:ext cx="7772400" cy="1470025"/>
+            <a:off x="1432560" y="359898"/>
+            <a:ext cx="7406640" cy="1472184"/>
           </a:xfrm>
         </p:spPr>
         <p:txBody>
-          <a:bodyPr/>
-          <a:lstStyle/>
-          <a:p>
-            <a:r>
-              <a:rPr lang="en-US" smtClean="0"/>
+          <a:bodyPr anchor="b"/>
+          <a:lstStyle>
+            <a:lvl1pPr algn="l">
+              <a:defRPr/>
+            </a:lvl1pPr>
+            <a:extLst/>
+          </a:lstStyle>
+          <a:p>
+            <a:r>
+              <a:rPr kumimoji="0" lang="en-US" smtClean="0"/>
               <a:t>Click to edit Master title style</a:t>
             </a:r>
-            <a:endParaRPr lang="en-US"/>
-          </a:p>
-        </p:txBody>
-      </p:sp>
-      <p:sp>
-        <p:nvSpPr>
-          <p:cNvPr id="3" name="Subtitle 2"/>
+            <a:endParaRPr kumimoji="0" lang="en-US"/>
+          </a:p>
+        </p:txBody>
+      </p:sp>
+      <p:sp>
+        <p:nvSpPr>
+          <p:cNvPr id="22" name="Subtitle 21"/>
           <p:cNvSpPr>
             <a:spLocks noGrp="1"/>
           </p:cNvSpPr>
@@ -177,116 +349,62 @@
         </p:nvSpPr>
         <p:spPr>
           <a:xfrm>
-            <a:off x="1371600" y="3886200"/>
-            <a:ext cx="6400800" cy="1752600"/>
+            <a:off x="1432560" y="1850064"/>
+            <a:ext cx="7406640" cy="1752600"/>
           </a:xfrm>
         </p:spPr>
         <p:txBody>
-          <a:bodyPr/>
-          <a:lstStyle>
-            <a:lvl1pPr marL="0" indent="0" algn="ctr">
+          <a:bodyPr tIns="0"/>
+          <a:lstStyle>
+            <a:lvl1pPr marL="27432" indent="0" algn="l">
               <a:buNone/>
-              <a:defRPr>
+              <a:defRPr sz="2600">
                 <a:solidFill>
-                  <a:schemeClr val="tx1">
-                    <a:tint val="75000"/>
+                  <a:schemeClr val="tx2">
+                    <a:shade val="30000"/>
+                    <a:satMod val="150000"/>
                   </a:schemeClr>
                 </a:solidFill>
               </a:defRPr>
             </a:lvl1pPr>
             <a:lvl2pPr marL="457200" indent="0" algn="ctr">
               <a:buNone/>
-              <a:defRPr>
-                <a:solidFill>
-                  <a:schemeClr val="tx1">
-                    <a:tint val="75000"/>
-                  </a:schemeClr>
-                </a:solidFill>
-              </a:defRPr>
             </a:lvl2pPr>
             <a:lvl3pPr marL="914400" indent="0" algn="ctr">
               <a:buNone/>
-              <a:defRPr>
-                <a:solidFill>
-                  <a:schemeClr val="tx1">
-                    <a:tint val="75000"/>
-                  </a:schemeClr>
-                </a:solidFill>
-              </a:defRPr>
             </a:lvl3pPr>
             <a:lvl4pPr marL="1371600" indent="0" algn="ctr">
               <a:buNone/>
-              <a:defRPr>
-                <a:solidFill>
-                  <a:schemeClr val="tx1">
-                    <a:tint val="75000"/>
-                  </a:schemeClr>
-                </a:solidFill>
-              </a:defRPr>
             </a:lvl4pPr>
             <a:lvl5pPr marL="1828800" indent="0" algn="ctr">
               <a:buNone/>
-              <a:defRPr>
-                <a:solidFill>
-                  <a:schemeClr val="tx1">
-                    <a:tint val="75000"/>
-                  </a:schemeClr>
-                </a:solidFill>
-              </a:defRPr>
             </a:lvl5pPr>
             <a:lvl6pPr marL="2286000" indent="0" algn="ctr">
               <a:buNone/>
-              <a:defRPr>
-                <a:solidFill>
-                  <a:schemeClr val="tx1">
-                    <a:tint val="75000"/>
-                  </a:schemeClr>
-                </a:solidFill>
-              </a:defRPr>
             </a:lvl6pPr>
             <a:lvl7pPr marL="2743200" indent="0" algn="ctr">
               <a:buNone/>
-              <a:defRPr>
-                <a:solidFill>
-                  <a:schemeClr val="tx1">
-                    <a:tint val="75000"/>
-                  </a:schemeClr>
-                </a:solidFill>
-              </a:defRPr>
             </a:lvl7pPr>
             <a:lvl8pPr marL="3200400" indent="0" algn="ctr">
               <a:buNone/>
-              <a:defRPr>
-                <a:solidFill>
-                  <a:schemeClr val="tx1">
-                    <a:tint val="75000"/>
-                  </a:schemeClr>
-                </a:solidFill>
-              </a:defRPr>
             </a:lvl8pPr>
             <a:lvl9pPr marL="3657600" indent="0" algn="ctr">
               <a:buNone/>
-              <a:defRPr>
-                <a:solidFill>
-                  <a:schemeClr val="tx1">
-                    <a:tint val="75000"/>
-                  </a:schemeClr>
-                </a:solidFill>
-              </a:defRPr>
             </a:lvl9pPr>
-          </a:lstStyle>
-          <a:p>
-            <a:r>
-              <a:rPr lang="en-US" smtClean="0"/>
+            <a:extLst/>
+          </a:lstStyle>
+          <a:p>
+            <a:r>
+              <a:rPr kumimoji="0" lang="en-US" smtClean="0"/>
               <a:t>Click to edit Master subtitle style</a:t>
             </a:r>
-            <a:endParaRPr lang="en-US"/>
-          </a:p>
-        </p:txBody>
-      </p:sp>
-      <p:sp>
-        <p:nvSpPr>
-          <p:cNvPr id="4" name="Date Placeholder 3"/>
+            <a:endParaRPr kumimoji="0" lang="en-US"/>
+          </a:p>
+        </p:txBody>
+      </p:sp>
+      <p:sp>
+        <p:nvSpPr>
+          <p:cNvPr id="7" name="Date Placeholder 6"/>
           <p:cNvSpPr>
             <a:spLocks noGrp="1"/>
           </p:cNvSpPr>
@@ -297,11 +415,14 @@
         <p:spPr/>
         <p:txBody>
           <a:bodyPr/>
-          <a:lstStyle/>
+          <a:lstStyle>
+            <a:extLst/>
+          </a:lstStyle>
           <a:p>
             <a:fld id="{C0EF84CA-B1B6-4021-B8F3-4E3EC0A0C821}" type="datetimeFigureOut">
               <a:rPr lang="en-US" smtClean="0"/>
-              <a:t>3/4/2009</a:t>
+              <a:pPr/>
+              <a:t>3/5/2009</a:t>
             </a:fld>
             <a:endParaRPr lang="en-US"/>
           </a:p>
@@ -309,7 +430,7 @@
       </p:sp>
       <p:sp>
         <p:nvSpPr>
-          <p:cNvPr id="5" name="Footer Placeholder 4"/>
+          <p:cNvPr id="20" name="Footer Placeholder 19"/>
           <p:cNvSpPr>
             <a:spLocks noGrp="1"/>
           </p:cNvSpPr>
@@ -320,7 +441,9 @@
         <p:spPr/>
         <p:txBody>
           <a:bodyPr/>
-          <a:lstStyle/>
+          <a:lstStyle>
+            <a:extLst/>
+          </a:lstStyle>
           <a:p>
             <a:endParaRPr lang="en-US"/>
           </a:p>
@@ -328,7 +451,7 @@
       </p:sp>
       <p:sp>
         <p:nvSpPr>
-          <p:cNvPr id="6" name="Slide Number Placeholder 5"/>
+          <p:cNvPr id="10" name="Slide Number Placeholder 9"/>
           <p:cNvSpPr>
             <a:spLocks noGrp="1"/>
           </p:cNvSpPr>
@@ -339,13 +462,154 @@
         <p:spPr/>
         <p:txBody>
           <a:bodyPr/>
-          <a:lstStyle/>
+          <a:lstStyle>
+            <a:extLst/>
+          </a:lstStyle>
           <a:p>
             <a:fld id="{CDBD292F-AC1C-46E5-AB85-7D14E9F2F8D3}" type="slidenum">
               <a:rPr lang="en-US" smtClean="0"/>
+              <a:pPr/>
               <a:t>‹#›</a:t>
             </a:fld>
             <a:endParaRPr lang="en-US"/>
+          </a:p>
+        </p:txBody>
+      </p:sp>
+      <p:sp>
+        <p:nvSpPr>
+          <p:cNvPr id="8" name="Oval 7"/>
+          <p:cNvSpPr/>
+          <p:nvPr/>
+        </p:nvSpPr>
+        <p:spPr>
+          <a:xfrm>
+            <a:off x="921433" y="1413802"/>
+            <a:ext cx="210312" cy="210312"/>
+          </a:xfrm>
+          <a:prstGeom prst="ellipse">
+            <a:avLst/>
+          </a:prstGeom>
+          <a:gradFill rotWithShape="1">
+            <a:gsLst>
+              <a:gs pos="0">
+                <a:schemeClr val="accent1">
+                  <a:tint val="20000"/>
+                  <a:satMod val="450000"/>
+                  <a:alpha val="95000"/>
+                </a:schemeClr>
+              </a:gs>
+              <a:gs pos="50000">
+                <a:schemeClr val="accent1">
+                  <a:tint val="38000"/>
+                  <a:satMod val="250000"/>
+                  <a:alpha val="90000"/>
+                </a:schemeClr>
+              </a:gs>
+              <a:gs pos="95000">
+                <a:schemeClr val="accent1">
+                  <a:tint val="75000"/>
+                  <a:satMod val="255000"/>
+                  <a:alpha val="88000"/>
+                </a:schemeClr>
+              </a:gs>
+              <a:gs pos="100000">
+                <a:schemeClr val="accent1">
+                  <a:tint val="100000"/>
+                  <a:shade val="90000"/>
+                  <a:satMod val="255000"/>
+                  <a:alpha val="85000"/>
+                </a:schemeClr>
+              </a:gs>
+            </a:gsLst>
+            <a:path path="circle">
+              <a:fillToRect l="25000" t="12500" r="75000" b="87500"/>
+            </a:path>
+          </a:gradFill>
+          <a:ln w="2000" cap="rnd" cmpd="sng" algn="ctr">
+            <a:solidFill>
+              <a:schemeClr val="accent1">
+                <a:shade val="90000"/>
+                <a:satMod val="110000"/>
+                <a:alpha val="60000"/>
+              </a:schemeClr>
+            </a:solidFill>
+            <a:prstDash val="solid"/>
+          </a:ln>
+          <a:effectLst/>
+        </p:spPr>
+        <p:style>
+          <a:lnRef idx="1">
+            <a:schemeClr val="accent1"/>
+          </a:lnRef>
+          <a:fillRef idx="2">
+            <a:schemeClr val="accent1"/>
+          </a:fillRef>
+          <a:effectRef idx="1">
+            <a:schemeClr val="accent1"/>
+          </a:effectRef>
+          <a:fontRef idx="minor">
+            <a:schemeClr val="dk1"/>
+          </a:fontRef>
+        </p:style>
+        <p:txBody>
+          <a:bodyPr anchor="ctr"/>
+          <a:lstStyle>
+            <a:extLst/>
+          </a:lstStyle>
+          <a:p>
+            <a:pPr algn="ctr" eaLnBrk="1" latinLnBrk="0" hangingPunct="1"/>
+            <a:endParaRPr kumimoji="0" lang="en-US"/>
+          </a:p>
+        </p:txBody>
+      </p:sp>
+      <p:sp>
+        <p:nvSpPr>
+          <p:cNvPr id="9" name="Oval 8"/>
+          <p:cNvSpPr/>
+          <p:nvPr/>
+        </p:nvSpPr>
+        <p:spPr>
+          <a:xfrm>
+            <a:off x="1157176" y="1345016"/>
+            <a:ext cx="64008" cy="64008"/>
+          </a:xfrm>
+          <a:prstGeom prst="ellipse">
+            <a:avLst/>
+          </a:prstGeom>
+          <a:noFill/>
+          <a:ln w="12700" cap="rnd" cmpd="sng" algn="ctr">
+            <a:solidFill>
+              <a:schemeClr val="accent1">
+                <a:shade val="75000"/>
+                <a:alpha val="60000"/>
+              </a:schemeClr>
+            </a:solidFill>
+            <a:prstDash val="solid"/>
+          </a:ln>
+          <a:effectLst/>
+        </p:spPr>
+        <p:style>
+          <a:lnRef idx="1">
+            <a:schemeClr val="accent1"/>
+          </a:lnRef>
+          <a:fillRef idx="2">
+            <a:schemeClr val="accent1"/>
+          </a:fillRef>
+          <a:effectRef idx="1">
+            <a:schemeClr val="accent1"/>
+          </a:effectRef>
+          <a:fontRef idx="minor">
+            <a:schemeClr val="dk1"/>
+          </a:fontRef>
+        </p:style>
+        <p:txBody>
+          <a:bodyPr anchor="ctr"/>
+          <a:lstStyle>
+            <a:extLst/>
+          </a:lstStyle>
+          <a:p>
+            <a:pPr algn="ctr" eaLnBrk="1" latinLnBrk="0" hangingPunct="1"/>
+            <a:endParaRPr kumimoji="0" lang="en-US"/>
           </a:p>
         </p:txBody>
       </p:sp>
@@ -387,13 +651,15 @@
         <p:spPr/>
         <p:txBody>
           <a:bodyPr/>
-          <a:lstStyle/>
-          <a:p>
-            <a:r>
-              <a:rPr lang="en-US" smtClean="0"/>
+          <a:lstStyle>
+            <a:extLst/>
+          </a:lstStyle>
+          <a:p>
+            <a:r>
+              <a:rPr kumimoji="0" lang="en-US" smtClean="0"/>
               <a:t>Click to edit Master title style</a:t>
             </a:r>
-            <a:endParaRPr lang="en-US"/>
+            <a:endParaRPr kumimoji="0" lang="en-US"/>
           </a:p>
         </p:txBody>
       </p:sp>
@@ -410,42 +676,44 @@
         <p:spPr/>
         <p:txBody>
           <a:bodyPr vert="eaVert"/>
-          <a:lstStyle/>
-          <a:p>
-            <a:pPr lvl="0"/>
+          <a:lstStyle>
+            <a:extLst/>
+          </a:lstStyle>
+          <a:p>
+            <a:pPr lvl="0" eaLnBrk="1" latinLnBrk="0" hangingPunct="1"/>
             <a:r>
               <a:rPr lang="en-US" smtClean="0"/>
               <a:t>Click to edit Master text styles</a:t>
             </a:r>
           </a:p>
           <a:p>
-            <a:pPr lvl="1"/>
+            <a:pPr lvl="1" eaLnBrk="1" latinLnBrk="0" hangingPunct="1"/>
             <a:r>
               <a:rPr lang="en-US" smtClean="0"/>
               <a:t>Second level</a:t>
             </a:r>
           </a:p>
           <a:p>
-            <a:pPr lvl="2"/>
+            <a:pPr lvl="2" eaLnBrk="1" latinLnBrk="0" hangingPunct="1"/>
             <a:r>
               <a:rPr lang="en-US" smtClean="0"/>
               <a:t>Third level</a:t>
             </a:r>
           </a:p>
           <a:p>
-            <a:pPr lvl="3"/>
+            <a:pPr lvl="3" eaLnBrk="1" latinLnBrk="0" hangingPunct="1"/>
             <a:r>
               <a:rPr lang="en-US" smtClean="0"/>
               <a:t>Fourth level</a:t>
             </a:r>
           </a:p>
           <a:p>
-            <a:pPr lvl="4"/>
+            <a:pPr lvl="4" eaLnBrk="1" latinLnBrk="0" hangingPunct="1"/>
             <a:r>
               <a:rPr lang="en-US" smtClean="0"/>
               <a:t>Fifth level</a:t>
             </a:r>
-            <a:endParaRPr lang="en-US"/>
+            <a:endParaRPr kumimoji="0" lang="en-US"/>
           </a:p>
         </p:txBody>
       </p:sp>
@@ -462,11 +730,14 @@
         <p:spPr/>
         <p:txBody>
           <a:bodyPr/>
-          <a:lstStyle/>
+          <a:lstStyle>
+            <a:extLst/>
+          </a:lstStyle>
           <a:p>
             <a:fld id="{C0EF84CA-B1B6-4021-B8F3-4E3EC0A0C821}" type="datetimeFigureOut">
               <a:rPr lang="en-US" smtClean="0"/>
-              <a:t>3/4/2009</a:t>
+              <a:pPr/>
+              <a:t>3/5/2009</a:t>
             </a:fld>
             <a:endParaRPr lang="en-US"/>
           </a:p>
@@ -485,7 +756,9 @@
         <p:spPr/>
         <p:txBody>
           <a:bodyPr/>
-          <a:lstStyle/>
+          <a:lstStyle>
+            <a:extLst/>
+          </a:lstStyle>
           <a:p>
             <a:endParaRPr lang="en-US"/>
           </a:p>
@@ -504,10 +777,13 @@
         <p:spPr/>
         <p:txBody>
           <a:bodyPr/>
-          <a:lstStyle/>
+          <a:lstStyle>
+            <a:extLst/>
+          </a:lstStyle>
           <a:p>
             <a:fld id="{CDBD292F-AC1C-46E5-AB85-7D14E9F2F8D3}" type="slidenum">
               <a:rPr lang="en-US" smtClean="0"/>
+              <a:pPr/>
               <a:t>‹#›</a:t>
             </a:fld>
             <a:endParaRPr lang="en-US"/>
@@ -551,19 +827,21 @@
         </p:nvSpPr>
         <p:spPr>
           <a:xfrm>
-            <a:off x="6629400" y="274638"/>
-            <a:ext cx="2057400" cy="5851525"/>
+            <a:off x="6858000" y="274639"/>
+            <a:ext cx="1828800" cy="5851525"/>
           </a:xfrm>
         </p:spPr>
         <p:txBody>
           <a:bodyPr vert="eaVert"/>
-          <a:lstStyle/>
-          <a:p>
-            <a:r>
-              <a:rPr lang="en-US" smtClean="0"/>
+          <a:lstStyle>
+            <a:extLst/>
+          </a:lstStyle>
+          <a:p>
+            <a:r>
+              <a:rPr kumimoji="0" lang="en-US" smtClean="0"/>
               <a:t>Click to edit Master title style</a:t>
             </a:r>
-            <a:endParaRPr lang="en-US"/>
+            <a:endParaRPr kumimoji="0" lang="en-US"/>
           </a:p>
         </p:txBody>
       </p:sp>
@@ -579,48 +857,50 @@
         </p:nvSpPr>
         <p:spPr>
           <a:xfrm>
-            <a:off x="457200" y="274638"/>
-            <a:ext cx="6019800" cy="5851525"/>
+            <a:off x="1143000" y="274640"/>
+            <a:ext cx="5562600" cy="5851525"/>
           </a:xfrm>
         </p:spPr>
         <p:txBody>
           <a:bodyPr vert="eaVert"/>
-          <a:lstStyle/>
-          <a:p>
-            <a:pPr lvl="0"/>
+          <a:lstStyle>
+            <a:extLst/>
+          </a:lstStyle>
+          <a:p>
+            <a:pPr lvl="0" eaLnBrk="1" latinLnBrk="0" hangingPunct="1"/>
             <a:r>
               <a:rPr lang="en-US" smtClean="0"/>
               <a:t>Click to edit Master text styles</a:t>
             </a:r>
           </a:p>
           <a:p>
-            <a:pPr lvl="1"/>
+            <a:pPr lvl="1" eaLnBrk="1" latinLnBrk="0" hangingPunct="1"/>
             <a:r>
               <a:rPr lang="en-US" smtClean="0"/>
               <a:t>Second level</a:t>
             </a:r>
           </a:p>
           <a:p>
-            <a:pPr lvl="2"/>
+            <a:pPr lvl="2" eaLnBrk="1" latinLnBrk="0" hangingPunct="1"/>
             <a:r>
               <a:rPr lang="en-US" smtClean="0"/>
               <a:t>Third level</a:t>
             </a:r>
           </a:p>
           <a:p>
-            <a:pPr lvl="3"/>
+            <a:pPr lvl="3" eaLnBrk="1" latinLnBrk="0" hangingPunct="1"/>
             <a:r>
               <a:rPr lang="en-US" smtClean="0"/>
               <a:t>Fourth level</a:t>
             </a:r>
           </a:p>
           <a:p>
-            <a:pPr lvl="4"/>
+            <a:pPr lvl="4" eaLnBrk="1" latinLnBrk="0" hangingPunct="1"/>
             <a:r>
               <a:rPr lang="en-US" smtClean="0"/>
               <a:t>Fifth level</a:t>
             </a:r>
-            <a:endParaRPr lang="en-US"/>
+            <a:endParaRPr kumimoji="0" lang="en-US"/>
           </a:p>
         </p:txBody>
       </p:sp>
@@ -637,11 +917,14 @@
         <p:spPr/>
         <p:txBody>
           <a:bodyPr/>
-          <a:lstStyle/>
+          <a:lstStyle>
+            <a:extLst/>
+          </a:lstStyle>
           <a:p>
             <a:fld id="{C0EF84CA-B1B6-4021-B8F3-4E3EC0A0C821}" type="datetimeFigureOut">
               <a:rPr lang="en-US" smtClean="0"/>
-              <a:t>3/4/2009</a:t>
+              <a:pPr/>
+              <a:t>3/5/2009</a:t>
             </a:fld>
             <a:endParaRPr lang="en-US"/>
           </a:p>
@@ -660,7 +943,9 @@
         <p:spPr/>
         <p:txBody>
           <a:bodyPr/>
-          <a:lstStyle/>
+          <a:lstStyle>
+            <a:extLst/>
+          </a:lstStyle>
           <a:p>
             <a:endParaRPr lang="en-US"/>
           </a:p>
@@ -679,10 +964,13 @@
         <p:spPr/>
         <p:txBody>
           <a:bodyPr/>
-          <a:lstStyle/>
+          <a:lstStyle>
+            <a:extLst/>
+          </a:lstStyle>
           <a:p>
             <a:fld id="{CDBD292F-AC1C-46E5-AB85-7D14E9F2F8D3}" type="slidenum">
               <a:rPr lang="en-US" smtClean="0"/>
+              <a:pPr/>
               <a:t>‹#›</a:t>
             </a:fld>
             <a:endParaRPr lang="en-US"/>
@@ -727,13 +1015,15 @@
         <p:spPr/>
         <p:txBody>
           <a:bodyPr/>
-          <a:lstStyle/>
-          <a:p>
-            <a:r>
-              <a:rPr lang="en-US" smtClean="0"/>
+          <a:lstStyle>
+            <a:extLst/>
+          </a:lstStyle>
+          <a:p>
+            <a:r>
+              <a:rPr kumimoji="0" lang="en-US" smtClean="0"/>
               <a:t>Click to edit Master title style</a:t>
             </a:r>
-            <a:endParaRPr lang="en-US"/>
+            <a:endParaRPr kumimoji="0" lang="en-US"/>
           </a:p>
         </p:txBody>
       </p:sp>
@@ -750,42 +1040,44 @@
         <p:spPr/>
         <p:txBody>
           <a:bodyPr/>
-          <a:lstStyle/>
-          <a:p>
-            <a:pPr lvl="0"/>
+          <a:lstStyle>
+            <a:extLst/>
+          </a:lstStyle>
+          <a:p>
+            <a:pPr lvl="0" eaLnBrk="1" latinLnBrk="0" hangingPunct="1"/>
             <a:r>
               <a:rPr lang="en-US" smtClean="0"/>
               <a:t>Click to edit Master text styles</a:t>
             </a:r>
           </a:p>
           <a:p>
-            <a:pPr lvl="1"/>
+            <a:pPr lvl="1" eaLnBrk="1" latinLnBrk="0" hangingPunct="1"/>
             <a:r>
               <a:rPr lang="en-US" smtClean="0"/>
               <a:t>Second level</a:t>
             </a:r>
           </a:p>
           <a:p>
-            <a:pPr lvl="2"/>
+            <a:pPr lvl="2" eaLnBrk="1" latinLnBrk="0" hangingPunct="1"/>
             <a:r>
               <a:rPr lang="en-US" smtClean="0"/>
               <a:t>Third level</a:t>
             </a:r>
           </a:p>
           <a:p>
-            <a:pPr lvl="3"/>
+            <a:pPr lvl="3" eaLnBrk="1" latinLnBrk="0" hangingPunct="1"/>
             <a:r>
               <a:rPr lang="en-US" smtClean="0"/>
               <a:t>Fourth level</a:t>
             </a:r>
           </a:p>
           <a:p>
-            <a:pPr lvl="4"/>
+            <a:pPr lvl="4" eaLnBrk="1" latinLnBrk="0" hangingPunct="1"/>
             <a:r>
               <a:rPr lang="en-US" smtClean="0"/>
               <a:t>Fifth level</a:t>
             </a:r>
-            <a:endParaRPr lang="en-US"/>
+            <a:endParaRPr kumimoji="0" lang="en-US"/>
           </a:p>
         </p:txBody>
       </p:sp>
@@ -802,11 +1094,14 @@
         <p:spPr/>
         <p:txBody>
           <a:bodyPr/>
-          <a:lstStyle/>
+          <a:lstStyle>
+            <a:extLst/>
+          </a:lstStyle>
           <a:p>
             <a:fld id="{C0EF84CA-B1B6-4021-B8F3-4E3EC0A0C821}" type="datetimeFigureOut">
               <a:rPr lang="en-US" smtClean="0"/>
-              <a:t>3/4/2009</a:t>
+              <a:pPr/>
+              <a:t>3/5/2009</a:t>
             </a:fld>
             <a:endParaRPr lang="en-US"/>
           </a:p>
@@ -825,7 +1120,9 @@
         <p:spPr/>
         <p:txBody>
           <a:bodyPr/>
-          <a:lstStyle/>
+          <a:lstStyle>
+            <a:extLst/>
+          </a:lstStyle>
           <a:p>
             <a:endParaRPr lang="en-US"/>
           </a:p>
@@ -844,10 +1141,13 @@
         <p:spPr/>
         <p:txBody>
           <a:bodyPr/>
-          <a:lstStyle/>
+          <a:lstStyle>
+            <a:extLst/>
+          </a:lstStyle>
           <a:p>
             <a:fld id="{CDBD292F-AC1C-46E5-AB85-7D14E9F2F8D3}" type="slidenum">
               <a:rPr lang="en-US" smtClean="0"/>
+              <a:pPr/>
               <a:t>‹#›</a:t>
             </a:fld>
             <a:endParaRPr lang="en-US"/>
@@ -863,7 +1163,7 @@
 </file>
 
 <file path=ppt/slideLayouts/slideLayout3.xml><?xml version="1.0" encoding="utf-8"?>
-<p:sldLayout xmlns:a="http://schemas.openxmlformats.org/drawingml/2006/main" xmlns:r="http://schemas.openxmlformats.org/officeDocument/2006/relationships" xmlns:p="http://schemas.openxmlformats.org/presentationml/2006/main" type="secHead" preserve="1">
+<p:sldLayout xmlns:a="http://schemas.openxmlformats.org/drawingml/2006/main" xmlns:r="http://schemas.openxmlformats.org/officeDocument/2006/relationships" xmlns:p="http://schemas.openxmlformats.org/presentationml/2006/main" showMasterSp="0" type="secHead" preserve="1">
   <p:cSld name="Section Header">
     <p:spTree>
       <p:nvGrpSpPr>
@@ -881,33 +1181,86 @@
       </p:grpSpPr>
       <p:sp>
         <p:nvSpPr>
-          <p:cNvPr id="2" name="Title 1"/>
-          <p:cNvSpPr>
-            <a:spLocks noGrp="1"/>
-          </p:cNvSpPr>
-          <p:nvPr>
-            <p:ph type="title"/>
-          </p:nvPr>
+          <p:cNvPr id="7" name="Rectangle 6"/>
+          <p:cNvSpPr/>
+          <p:nvPr/>
         </p:nvSpPr>
         <p:spPr>
           <a:xfrm>
-            <a:off x="722313" y="4406900"/>
-            <a:ext cx="7772400" cy="1362075"/>
+            <a:off x="2282890" y="-54"/>
+            <a:ext cx="6858000" cy="6858054"/>
+          </a:xfrm>
+          <a:prstGeom prst="rect">
+            <a:avLst/>
+          </a:prstGeom>
+          <a:solidFill>
+            <a:schemeClr val="bg1"/>
+          </a:solidFill>
+          <a:ln w="25400" cap="rnd" cmpd="sng" algn="ctr">
+            <a:noFill/>
+            <a:prstDash val="solid"/>
+          </a:ln>
+          <a:effectLst/>
+        </p:spPr>
+        <p:style>
+          <a:lnRef idx="3">
+            <a:schemeClr val="lt1"/>
+          </a:lnRef>
+          <a:fillRef idx="1">
+            <a:schemeClr val="accent1"/>
+          </a:fillRef>
+          <a:effectRef idx="1">
+            <a:schemeClr val="accent1"/>
+          </a:effectRef>
+          <a:fontRef idx="minor">
+            <a:schemeClr val="lt1"/>
+          </a:fontRef>
+        </p:style>
+        <p:txBody>
+          <a:bodyPr anchor="ctr"/>
+          <a:lstStyle>
+            <a:extLst/>
+          </a:lstStyle>
+          <a:p>
+            <a:pPr algn="ctr" eaLnBrk="1" latinLnBrk="0" hangingPunct="1"/>
+            <a:endParaRPr kumimoji="0" lang="en-US"/>
+          </a:p>
+        </p:txBody>
+      </p:sp>
+      <p:sp>
+        <p:nvSpPr>
+          <p:cNvPr id="2" name="Title 1"/>
+          <p:cNvSpPr>
+            <a:spLocks noGrp="1"/>
+          </p:cNvSpPr>
+          <p:nvPr>
+            <p:ph type="title"/>
+          </p:nvPr>
+        </p:nvSpPr>
+        <p:spPr>
+          <a:xfrm>
+            <a:off x="2578392" y="2600325"/>
+            <a:ext cx="6400800" cy="2286000"/>
           </a:xfrm>
         </p:spPr>
         <p:txBody>
           <a:bodyPr anchor="t"/>
           <a:lstStyle>
             <a:lvl1pPr algn="l">
+              <a:lnSpc>
+                <a:spcPts val="4500"/>
+              </a:lnSpc>
+              <a:buNone/>
               <a:defRPr sz="4000" b="1" cap="all"/>
             </a:lvl1pPr>
-          </a:lstStyle>
-          <a:p>
-            <a:r>
-              <a:rPr lang="en-US" smtClean="0"/>
+            <a:extLst/>
+          </a:lstStyle>
+          <a:p>
+            <a:r>
+              <a:rPr kumimoji="0" lang="en-US" smtClean="0"/>
               <a:t>Click to edit Master title style</a:t>
             </a:r>
-            <a:endParaRPr lang="en-US"/>
+            <a:endParaRPr kumimoji="0" lang="en-US"/>
           </a:p>
         </p:txBody>
       </p:sp>
@@ -923,24 +1276,31 @@
         </p:nvSpPr>
         <p:spPr>
           <a:xfrm>
-            <a:off x="722313" y="2906713"/>
-            <a:ext cx="7772400" cy="1500187"/>
+            <a:off x="2578392" y="1066800"/>
+            <a:ext cx="6400800" cy="1509712"/>
           </a:xfrm>
         </p:spPr>
         <p:txBody>
           <a:bodyPr anchor="b"/>
           <a:lstStyle>
-            <a:lvl1pPr marL="0" indent="0">
+            <a:lvl1pPr marL="18288" indent="0">
+              <a:lnSpc>
+                <a:spcPts val="2300"/>
+              </a:lnSpc>
+              <a:spcBef>
+                <a:spcPts val="0"/>
+              </a:spcBef>
               <a:buNone/>
               <a:defRPr sz="2000">
                 <a:solidFill>
-                  <a:schemeClr val="tx1">
-                    <a:tint val="75000"/>
+                  <a:schemeClr val="tx2">
+                    <a:shade val="30000"/>
+                    <a:satMod val="150000"/>
                   </a:schemeClr>
                 </a:solidFill>
               </a:defRPr>
             </a:lvl1pPr>
-            <a:lvl2pPr marL="457200" indent="0">
+            <a:lvl2pPr>
               <a:buNone/>
               <a:defRPr sz="1800">
                 <a:solidFill>
@@ -950,7 +1310,7 @@
                 </a:solidFill>
               </a:defRPr>
             </a:lvl2pPr>
-            <a:lvl3pPr marL="914400" indent="0">
+            <a:lvl3pPr>
               <a:buNone/>
               <a:defRPr sz="1600">
                 <a:solidFill>
@@ -960,7 +1320,7 @@
                 </a:solidFill>
               </a:defRPr>
             </a:lvl3pPr>
-            <a:lvl4pPr marL="1371600" indent="0">
+            <a:lvl4pPr>
               <a:buNone/>
               <a:defRPr sz="1400">
                 <a:solidFill>
@@ -970,7 +1330,7 @@
                 </a:solidFill>
               </a:defRPr>
             </a:lvl4pPr>
-            <a:lvl5pPr marL="1828800" indent="0">
+            <a:lvl5pPr>
               <a:buNone/>
               <a:defRPr sz="1400">
                 <a:solidFill>
@@ -980,51 +1340,12 @@
                 </a:solidFill>
               </a:defRPr>
             </a:lvl5pPr>
-            <a:lvl6pPr marL="2286000" indent="0">
-              <a:buNone/>
-              <a:defRPr sz="1400">
-                <a:solidFill>
-                  <a:schemeClr val="tx1">
-                    <a:tint val="75000"/>
-                  </a:schemeClr>
-                </a:solidFill>
-              </a:defRPr>
-            </a:lvl6pPr>
-            <a:lvl7pPr marL="2743200" indent="0">
-              <a:buNone/>
-              <a:defRPr sz="1400">
-                <a:solidFill>
-                  <a:schemeClr val="tx1">
-                    <a:tint val="75000"/>
-                  </a:schemeClr>
-                </a:solidFill>
-              </a:defRPr>
-            </a:lvl7pPr>
-            <a:lvl8pPr marL="3200400" indent="0">
-              <a:buNone/>
-              <a:defRPr sz="1400">
-                <a:solidFill>
-                  <a:schemeClr val="tx1">
-                    <a:tint val="75000"/>
-                  </a:schemeClr>
-                </a:solidFill>
-              </a:defRPr>
-            </a:lvl8pPr>
-            <a:lvl9pPr marL="3657600" indent="0">
-              <a:buNone/>
-              <a:defRPr sz="1400">
-                <a:solidFill>
-                  <a:schemeClr val="tx1">
-                    <a:tint val="75000"/>
-                  </a:schemeClr>
-                </a:solidFill>
-              </a:defRPr>
-            </a:lvl9pPr>
-          </a:lstStyle>
-          <a:p>
-            <a:pPr lvl="0"/>
-            <a:r>
-              <a:rPr lang="en-US" smtClean="0"/>
+            <a:extLst/>
+          </a:lstStyle>
+          <a:p>
+            <a:pPr lvl="0" eaLnBrk="1" latinLnBrk="0" hangingPunct="1"/>
+            <a:r>
+              <a:rPr kumimoji="0" lang="en-US" smtClean="0"/>
               <a:t>Click to edit Master text styles</a:t>
             </a:r>
           </a:p>
@@ -1043,11 +1364,14 @@
         <p:spPr/>
         <p:txBody>
           <a:bodyPr/>
-          <a:lstStyle/>
+          <a:lstStyle>
+            <a:extLst/>
+          </a:lstStyle>
           <a:p>
             <a:fld id="{C0EF84CA-B1B6-4021-B8F3-4E3EC0A0C821}" type="datetimeFigureOut">
               <a:rPr lang="en-US" smtClean="0"/>
-              <a:t>3/4/2009</a:t>
+              <a:pPr/>
+              <a:t>3/5/2009</a:t>
             </a:fld>
             <a:endParaRPr lang="en-US"/>
           </a:p>
@@ -1066,7 +1390,9 @@
         <p:spPr/>
         <p:txBody>
           <a:bodyPr/>
-          <a:lstStyle/>
+          <a:lstStyle>
+            <a:extLst/>
+          </a:lstStyle>
           <a:p>
             <a:endParaRPr lang="en-US"/>
           </a:p>
@@ -1085,13 +1411,210 @@
         <p:spPr/>
         <p:txBody>
           <a:bodyPr/>
-          <a:lstStyle/>
+          <a:lstStyle>
+            <a:extLst/>
+          </a:lstStyle>
           <a:p>
             <a:fld id="{CDBD292F-AC1C-46E5-AB85-7D14E9F2F8D3}" type="slidenum">
               <a:rPr lang="en-US" smtClean="0"/>
+              <a:pPr/>
               <a:t>‹#›</a:t>
             </a:fld>
             <a:endParaRPr lang="en-US"/>
+          </a:p>
+        </p:txBody>
+      </p:sp>
+      <p:sp>
+        <p:nvSpPr>
+          <p:cNvPr id="10" name="Rectangle 9"/>
+          <p:cNvSpPr/>
+          <p:nvPr/>
+        </p:nvSpPr>
+        <p:spPr bwMode="invGray">
+          <a:xfrm>
+            <a:off x="2286000" y="0"/>
+            <a:ext cx="76200" cy="6858054"/>
+          </a:xfrm>
+          <a:prstGeom prst="rect">
+            <a:avLst/>
+          </a:prstGeom>
+          <a:solidFill>
+            <a:schemeClr val="bg1"/>
+          </a:solidFill>
+          <a:ln w="25400" cap="rnd" cmpd="sng" algn="ctr">
+            <a:noFill/>
+            <a:prstDash val="solid"/>
+          </a:ln>
+          <a:effectLst>
+            <a:outerShdw blurRad="38550" dist="38000" dir="10800000" algn="tl" rotWithShape="0">
+              <a:schemeClr val="bg2">
+                <a:shade val="20000"/>
+                <a:satMod val="110000"/>
+                <a:alpha val="25000"/>
+              </a:schemeClr>
+            </a:outerShdw>
+          </a:effectLst>
+        </p:spPr>
+        <p:style>
+          <a:lnRef idx="3">
+            <a:schemeClr val="lt1"/>
+          </a:lnRef>
+          <a:fillRef idx="1">
+            <a:schemeClr val="accent1"/>
+          </a:fillRef>
+          <a:effectRef idx="1">
+            <a:schemeClr val="accent1"/>
+          </a:effectRef>
+          <a:fontRef idx="minor">
+            <a:schemeClr val="lt1"/>
+          </a:fontRef>
+        </p:style>
+        <p:txBody>
+          <a:bodyPr anchor="ctr"/>
+          <a:lstStyle>
+            <a:extLst/>
+          </a:lstStyle>
+          <a:p>
+            <a:pPr algn="ctr" eaLnBrk="1" latinLnBrk="0" hangingPunct="1"/>
+            <a:endParaRPr kumimoji="0" lang="en-US"/>
+          </a:p>
+        </p:txBody>
+      </p:sp>
+      <p:sp>
+        <p:nvSpPr>
+          <p:cNvPr id="8" name="Oval 7"/>
+          <p:cNvSpPr/>
+          <p:nvPr/>
+        </p:nvSpPr>
+        <p:spPr>
+          <a:xfrm>
+            <a:off x="2172321" y="2814656"/>
+            <a:ext cx="210312" cy="210312"/>
+          </a:xfrm>
+          <a:prstGeom prst="ellipse">
+            <a:avLst/>
+          </a:prstGeom>
+          <a:gradFill rotWithShape="1">
+            <a:gsLst>
+              <a:gs pos="0">
+                <a:schemeClr val="accent1">
+                  <a:tint val="20000"/>
+                  <a:satMod val="450000"/>
+                  <a:alpha val="95000"/>
+                </a:schemeClr>
+              </a:gs>
+              <a:gs pos="50000">
+                <a:schemeClr val="accent1">
+                  <a:tint val="38000"/>
+                  <a:satMod val="250000"/>
+                  <a:alpha val="90000"/>
+                </a:schemeClr>
+              </a:gs>
+              <a:gs pos="95000">
+                <a:schemeClr val="accent1">
+                  <a:tint val="75000"/>
+                  <a:satMod val="255000"/>
+                  <a:alpha val="88000"/>
+                </a:schemeClr>
+              </a:gs>
+              <a:gs pos="100000">
+                <a:schemeClr val="accent1">
+                  <a:tint val="100000"/>
+                  <a:shade val="90000"/>
+                  <a:satMod val="255000"/>
+                  <a:alpha val="85000"/>
+                </a:schemeClr>
+              </a:gs>
+            </a:gsLst>
+            <a:path path="circle">
+              <a:fillToRect l="25000" t="12500" r="75000" b="87500"/>
+            </a:path>
+          </a:gradFill>
+          <a:ln w="2000" cap="rnd" cmpd="sng" algn="ctr">
+            <a:solidFill>
+              <a:schemeClr val="accent1">
+                <a:shade val="90000"/>
+                <a:satMod val="110000"/>
+                <a:alpha val="60000"/>
+              </a:schemeClr>
+            </a:solidFill>
+            <a:prstDash val="solid"/>
+          </a:ln>
+          <a:effectLst/>
+        </p:spPr>
+        <p:style>
+          <a:lnRef idx="1">
+            <a:schemeClr val="accent1"/>
+          </a:lnRef>
+          <a:fillRef idx="2">
+            <a:schemeClr val="accent1"/>
+          </a:fillRef>
+          <a:effectRef idx="1">
+            <a:schemeClr val="accent1"/>
+          </a:effectRef>
+          <a:fontRef idx="minor">
+            <a:schemeClr val="dk1"/>
+          </a:fontRef>
+        </p:style>
+        <p:txBody>
+          <a:bodyPr anchor="ctr"/>
+          <a:lstStyle>
+            <a:extLst/>
+          </a:lstStyle>
+          <a:p>
+            <a:pPr algn="ctr" eaLnBrk="1" latinLnBrk="0" hangingPunct="1"/>
+            <a:endParaRPr kumimoji="0" lang="en-US"/>
+          </a:p>
+        </p:txBody>
+      </p:sp>
+      <p:sp>
+        <p:nvSpPr>
+          <p:cNvPr id="9" name="Oval 8"/>
+          <p:cNvSpPr/>
+          <p:nvPr/>
+        </p:nvSpPr>
+        <p:spPr>
+          <a:xfrm>
+            <a:off x="2408064" y="2745870"/>
+            <a:ext cx="64008" cy="64008"/>
+          </a:xfrm>
+          <a:prstGeom prst="ellipse">
+            <a:avLst/>
+          </a:prstGeom>
+          <a:noFill/>
+          <a:ln w="12700" cap="rnd" cmpd="sng" algn="ctr">
+            <a:solidFill>
+              <a:schemeClr val="accent1">
+                <a:shade val="75000"/>
+                <a:alpha val="60000"/>
+              </a:schemeClr>
+            </a:solidFill>
+            <a:prstDash val="solid"/>
+          </a:ln>
+          <a:effectLst/>
+        </p:spPr>
+        <p:style>
+          <a:lnRef idx="1">
+            <a:schemeClr val="accent1"/>
+          </a:lnRef>
+          <a:fillRef idx="2">
+            <a:schemeClr val="accent1"/>
+          </a:fillRef>
+          <a:effectRef idx="1">
+            <a:schemeClr val="accent1"/>
+          </a:effectRef>
+          <a:fontRef idx="minor">
+            <a:schemeClr val="dk1"/>
+          </a:fontRef>
+        </p:style>
+        <p:txBody>
+          <a:bodyPr anchor="ctr"/>
+          <a:lstStyle>
+            <a:extLst/>
+          </a:lstStyle>
+          <a:p>
+            <a:pPr algn="ctr" eaLnBrk="1" latinLnBrk="0" hangingPunct="1"/>
+            <a:endParaRPr kumimoji="0" lang="en-US"/>
           </a:p>
         </p:txBody>
       </p:sp>
@@ -1130,33 +1653,40 @@
             <p:ph type="title"/>
           </p:nvPr>
         </p:nvSpPr>
-        <p:spPr/>
-        <p:txBody>
-          <a:bodyPr/>
-          <a:lstStyle/>
-          <a:p>
-            <a:r>
-              <a:rPr lang="en-US" smtClean="0"/>
-              <a:t>Click to edit Master title style</a:t>
-            </a:r>
-            <a:endParaRPr lang="en-US"/>
-          </a:p>
-        </p:txBody>
-      </p:sp>
-      <p:sp>
-        <p:nvSpPr>
-          <p:cNvPr id="3" name="Content Placeholder 2"/>
-          <p:cNvSpPr>
-            <a:spLocks noGrp="1"/>
-          </p:cNvSpPr>
-          <p:nvPr>
-            <p:ph sz="half" idx="1"/>
-          </p:nvPr>
-        </p:nvSpPr>
         <p:spPr>
           <a:xfrm>
-            <a:off x="457200" y="1600200"/>
-            <a:ext cx="4038600" cy="4525963"/>
+            <a:off x="1435608" y="274320"/>
+            <a:ext cx="7498080" cy="1143000"/>
+          </a:xfrm>
+        </p:spPr>
+        <p:txBody>
+          <a:bodyPr/>
+          <a:lstStyle>
+            <a:extLst/>
+          </a:lstStyle>
+          <a:p>
+            <a:r>
+              <a:rPr kumimoji="0" lang="en-US" smtClean="0"/>
+              <a:t>Click to edit Master title style</a:t>
+            </a:r>
+            <a:endParaRPr kumimoji="0" lang="en-US"/>
+          </a:p>
+        </p:txBody>
+      </p:sp>
+      <p:sp>
+        <p:nvSpPr>
+          <p:cNvPr id="3" name="Content Placeholder 2"/>
+          <p:cNvSpPr>
+            <a:spLocks noGrp="1"/>
+          </p:cNvSpPr>
+          <p:nvPr>
+            <p:ph sz="half" idx="1"/>
+          </p:nvPr>
+        </p:nvSpPr>
+        <p:spPr>
+          <a:xfrm>
+            <a:off x="1435608" y="1524000"/>
+            <a:ext cx="3657600" cy="4663440"/>
           </a:xfrm>
         </p:spPr>
         <p:txBody>
@@ -1177,54 +1707,43 @@
             <a:lvl5pPr>
               <a:defRPr sz="1800"/>
             </a:lvl5pPr>
-            <a:lvl6pPr>
-              <a:defRPr sz="1800"/>
-            </a:lvl6pPr>
-            <a:lvl7pPr>
-              <a:defRPr sz="1800"/>
-            </a:lvl7pPr>
-            <a:lvl8pPr>
-              <a:defRPr sz="1800"/>
-            </a:lvl8pPr>
-            <a:lvl9pPr>
-              <a:defRPr sz="1800"/>
-            </a:lvl9pPr>
-          </a:lstStyle>
-          <a:p>
-            <a:pPr lvl="0"/>
+            <a:extLst/>
+          </a:lstStyle>
+          <a:p>
+            <a:pPr lvl="0" eaLnBrk="1" latinLnBrk="0" hangingPunct="1"/>
             <a:r>
               <a:rPr lang="en-US" smtClean="0"/>
               <a:t>Click to edit Master text styles</a:t>
             </a:r>
           </a:p>
           <a:p>
-            <a:pPr lvl="1"/>
+            <a:pPr lvl="1" eaLnBrk="1" latinLnBrk="0" hangingPunct="1"/>
             <a:r>
               <a:rPr lang="en-US" smtClean="0"/>
               <a:t>Second level</a:t>
             </a:r>
           </a:p>
           <a:p>
-            <a:pPr lvl="2"/>
+            <a:pPr lvl="2" eaLnBrk="1" latinLnBrk="0" hangingPunct="1"/>
             <a:r>
               <a:rPr lang="en-US" smtClean="0"/>
               <a:t>Third level</a:t>
             </a:r>
           </a:p>
           <a:p>
-            <a:pPr lvl="3"/>
+            <a:pPr lvl="3" eaLnBrk="1" latinLnBrk="0" hangingPunct="1"/>
             <a:r>
               <a:rPr lang="en-US" smtClean="0"/>
               <a:t>Fourth level</a:t>
             </a:r>
           </a:p>
           <a:p>
-            <a:pPr lvl="4"/>
+            <a:pPr lvl="4" eaLnBrk="1" latinLnBrk="0" hangingPunct="1"/>
             <a:r>
               <a:rPr lang="en-US" smtClean="0"/>
               <a:t>Fifth level</a:t>
             </a:r>
-            <a:endParaRPr lang="en-US"/>
+            <a:endParaRPr kumimoji="0" lang="en-US"/>
           </a:p>
         </p:txBody>
       </p:sp>
@@ -1240,8 +1759,8 @@
         </p:nvSpPr>
         <p:spPr>
           <a:xfrm>
-            <a:off x="4648200" y="1600200"/>
-            <a:ext cx="4038600" cy="4525963"/>
+            <a:off x="5276088" y="1524000"/>
+            <a:ext cx="3657600" cy="4663440"/>
           </a:xfrm>
         </p:spPr>
         <p:txBody>
@@ -1262,54 +1781,43 @@
             <a:lvl5pPr>
               <a:defRPr sz="1800"/>
             </a:lvl5pPr>
-            <a:lvl6pPr>
-              <a:defRPr sz="1800"/>
-            </a:lvl6pPr>
-            <a:lvl7pPr>
-              <a:defRPr sz="1800"/>
-            </a:lvl7pPr>
-            <a:lvl8pPr>
-              <a:defRPr sz="1800"/>
-            </a:lvl8pPr>
-            <a:lvl9pPr>
-              <a:defRPr sz="1800"/>
-            </a:lvl9pPr>
-          </a:lstStyle>
-          <a:p>
-            <a:pPr lvl="0"/>
+            <a:extLst/>
+          </a:lstStyle>
+          <a:p>
+            <a:pPr lvl="0" eaLnBrk="1" latinLnBrk="0" hangingPunct="1"/>
             <a:r>
               <a:rPr lang="en-US" smtClean="0"/>
               <a:t>Click to edit Master text styles</a:t>
             </a:r>
           </a:p>
           <a:p>
-            <a:pPr lvl="1"/>
+            <a:pPr lvl="1" eaLnBrk="1" latinLnBrk="0" hangingPunct="1"/>
             <a:r>
               <a:rPr lang="en-US" smtClean="0"/>
               <a:t>Second level</a:t>
             </a:r>
           </a:p>
           <a:p>
-            <a:pPr lvl="2"/>
+            <a:pPr lvl="2" eaLnBrk="1" latinLnBrk="0" hangingPunct="1"/>
             <a:r>
               <a:rPr lang="en-US" smtClean="0"/>
               <a:t>Third level</a:t>
             </a:r>
           </a:p>
           <a:p>
-            <a:pPr lvl="3"/>
+            <a:pPr lvl="3" eaLnBrk="1" latinLnBrk="0" hangingPunct="1"/>
             <a:r>
               <a:rPr lang="en-US" smtClean="0"/>
               <a:t>Fourth level</a:t>
             </a:r>
           </a:p>
           <a:p>
-            <a:pPr lvl="4"/>
+            <a:pPr lvl="4" eaLnBrk="1" latinLnBrk="0" hangingPunct="1"/>
             <a:r>
               <a:rPr lang="en-US" smtClean="0"/>
               <a:t>Fifth level</a:t>
             </a:r>
-            <a:endParaRPr lang="en-US"/>
+            <a:endParaRPr kumimoji="0" lang="en-US"/>
           </a:p>
         </p:txBody>
       </p:sp>
@@ -1326,11 +1834,14 @@
         <p:spPr/>
         <p:txBody>
           <a:bodyPr/>
-          <a:lstStyle/>
+          <a:lstStyle>
+            <a:extLst/>
+          </a:lstStyle>
           <a:p>
             <a:fld id="{C0EF84CA-B1B6-4021-B8F3-4E3EC0A0C821}" type="datetimeFigureOut">
               <a:rPr lang="en-US" smtClean="0"/>
-              <a:t>3/4/2009</a:t>
+              <a:pPr/>
+              <a:t>3/5/2009</a:t>
             </a:fld>
             <a:endParaRPr lang="en-US"/>
           </a:p>
@@ -1349,7 +1860,9 @@
         <p:spPr/>
         <p:txBody>
           <a:bodyPr/>
-          <a:lstStyle/>
+          <a:lstStyle>
+            <a:extLst/>
+          </a:lstStyle>
           <a:p>
             <a:endParaRPr lang="en-US"/>
           </a:p>
@@ -1368,10 +1881,13 @@
         <p:spPr/>
         <p:txBody>
           <a:bodyPr/>
-          <a:lstStyle/>
+          <a:lstStyle>
+            <a:extLst/>
+          </a:lstStyle>
           <a:p>
             <a:fld id="{CDBD292F-AC1C-46E5-AB85-7D14E9F2F8D3}" type="slidenum">
               <a:rPr lang="en-US" smtClean="0"/>
+              <a:pPr/>
               <a:t>‹#›</a:t>
             </a:fld>
             <a:endParaRPr lang="en-US"/>
@@ -1387,7 +1903,7 @@
 </file>
 
 <file path=ppt/slideLayouts/slideLayout5.xml><?xml version="1.0" encoding="utf-8"?>
-<p:sldLayout xmlns:a="http://schemas.openxmlformats.org/drawingml/2006/main" xmlns:r="http://schemas.openxmlformats.org/officeDocument/2006/relationships" xmlns:p="http://schemas.openxmlformats.org/presentationml/2006/main" type="twoTxTwoObj" preserve="1">
+<p:sldLayout xmlns:a="http://schemas.openxmlformats.org/drawingml/2006/main" xmlns:r="http://schemas.openxmlformats.org/officeDocument/2006/relationships" xmlns:p="http://schemas.openxmlformats.org/presentationml/2006/main" showMasterSp="0" type="twoTxTwoObj" preserve="1">
   <p:cSld name="Comparison">
     <p:spTree>
       <p:nvGrpSpPr>
@@ -1413,83 +1929,162 @@
             <p:ph type="title"/>
           </p:nvPr>
         </p:nvSpPr>
-        <p:spPr/>
-        <p:txBody>
-          <a:bodyPr/>
-          <a:lstStyle>
-            <a:lvl1pPr>
-              <a:defRPr/>
-            </a:lvl1pPr>
-          </a:lstStyle>
-          <a:p>
-            <a:r>
-              <a:rPr lang="en-US" smtClean="0"/>
-              <a:t>Click to edit Master title style</a:t>
-            </a:r>
-            <a:endParaRPr lang="en-US"/>
-          </a:p>
-        </p:txBody>
-      </p:sp>
-      <p:sp>
-        <p:nvSpPr>
-          <p:cNvPr id="3" name="Text Placeholder 2"/>
-          <p:cNvSpPr>
-            <a:spLocks noGrp="1"/>
-          </p:cNvSpPr>
-          <p:nvPr>
-            <p:ph type="body" idx="1"/>
-          </p:nvPr>
-        </p:nvSpPr>
         <p:spPr>
           <a:xfrm>
-            <a:off x="457200" y="1535113"/>
-            <a:ext cx="4040188" cy="639762"/>
+            <a:off x="457200" y="5160336"/>
+            <a:ext cx="8229600" cy="1143000"/>
           </a:xfrm>
         </p:spPr>
         <p:txBody>
-          <a:bodyPr anchor="b"/>
-          <a:lstStyle>
-            <a:lvl1pPr marL="0" indent="0">
+          <a:bodyPr anchor="ctr"/>
+          <a:lstStyle>
+            <a:lvl1pPr algn="ctr">
+              <a:defRPr sz="4500" b="1" cap="none" baseline="0"/>
+            </a:lvl1pPr>
+            <a:extLst/>
+          </a:lstStyle>
+          <a:p>
+            <a:r>
+              <a:rPr kumimoji="0" lang="en-US" smtClean="0"/>
+              <a:t>Click to edit Master title style</a:t>
+            </a:r>
+            <a:endParaRPr kumimoji="0" lang="en-US"/>
+          </a:p>
+        </p:txBody>
+      </p:sp>
+      <p:sp>
+        <p:nvSpPr>
+          <p:cNvPr id="3" name="Text Placeholder 2"/>
+          <p:cNvSpPr>
+            <a:spLocks noGrp="1"/>
+          </p:cNvSpPr>
+          <p:nvPr>
+            <p:ph type="body" idx="1"/>
+          </p:nvPr>
+        </p:nvSpPr>
+        <p:spPr>
+          <a:xfrm>
+            <a:off x="457200" y="328278"/>
+            <a:ext cx="4023360" cy="640080"/>
+          </a:xfrm>
+          <a:solidFill>
+            <a:schemeClr val="bg1"/>
+          </a:solidFill>
+          <a:ln w="10795">
+            <a:solidFill>
+              <a:schemeClr val="bg1"/>
+            </a:solidFill>
+            <a:miter lim="800000"/>
+          </a:ln>
+        </p:spPr>
+        <p:txBody>
+          <a:bodyPr anchor="ctr"/>
+          <a:lstStyle>
+            <a:lvl1pPr marL="64008" indent="0" algn="l">
+              <a:lnSpc>
+                <a:spcPct val="100000"/>
+              </a:lnSpc>
+              <a:spcBef>
+                <a:spcPts val="100"/>
+              </a:spcBef>
               <a:buNone/>
-              <a:defRPr sz="2400" b="1"/>
+              <a:defRPr sz="1900" b="0">
+                <a:solidFill>
+                  <a:schemeClr val="tx1"/>
+                </a:solidFill>
+              </a:defRPr>
             </a:lvl1pPr>
-            <a:lvl2pPr marL="457200" indent="0">
+            <a:lvl2pPr>
               <a:buNone/>
               <a:defRPr sz="2000" b="1"/>
             </a:lvl2pPr>
-            <a:lvl3pPr marL="914400" indent="0">
+            <a:lvl3pPr>
               <a:buNone/>
               <a:defRPr sz="1800" b="1"/>
             </a:lvl3pPr>
-            <a:lvl4pPr marL="1371600" indent="0">
+            <a:lvl4pPr>
               <a:buNone/>
               <a:defRPr sz="1600" b="1"/>
             </a:lvl4pPr>
-            <a:lvl5pPr marL="1828800" indent="0">
+            <a:lvl5pPr>
               <a:buNone/>
               <a:defRPr sz="1600" b="1"/>
             </a:lvl5pPr>
-            <a:lvl6pPr marL="2286000" indent="0">
+            <a:extLst/>
+          </a:lstStyle>
+          <a:p>
+            <a:pPr lvl="0" eaLnBrk="1" latinLnBrk="0" hangingPunct="1"/>
+            <a:r>
+              <a:rPr kumimoji="0" lang="en-US" smtClean="0"/>
+              <a:t>Click to edit Master text styles</a:t>
+            </a:r>
+          </a:p>
+        </p:txBody>
+      </p:sp>
+      <p:sp>
+        <p:nvSpPr>
+          <p:cNvPr id="4" name="Text Placeholder 3"/>
+          <p:cNvSpPr>
+            <a:spLocks noGrp="1"/>
+          </p:cNvSpPr>
+          <p:nvPr>
+            <p:ph type="body" sz="half" idx="3"/>
+          </p:nvPr>
+        </p:nvSpPr>
+        <p:spPr>
+          <a:xfrm>
+            <a:off x="4663440" y="328278"/>
+            <a:ext cx="4023360" cy="640080"/>
+          </a:xfrm>
+          <a:solidFill>
+            <a:schemeClr val="bg1"/>
+          </a:solidFill>
+          <a:ln w="10795">
+            <a:solidFill>
+              <a:schemeClr val="bg1"/>
+            </a:solidFill>
+            <a:miter lim="800000"/>
+          </a:ln>
+        </p:spPr>
+        <p:txBody>
+          <a:bodyPr anchor="ctr"/>
+          <a:lstStyle>
+            <a:lvl1pPr marL="64008" indent="0" algn="l">
+              <a:lnSpc>
+                <a:spcPct val="100000"/>
+              </a:lnSpc>
+              <a:spcBef>
+                <a:spcPts val="100"/>
+              </a:spcBef>
+              <a:buNone/>
+              <a:defRPr sz="1900" b="0">
+                <a:solidFill>
+                  <a:schemeClr val="tx1"/>
+                </a:solidFill>
+              </a:defRPr>
+            </a:lvl1pPr>
+            <a:lvl2pPr>
+              <a:buNone/>
+              <a:defRPr sz="2000" b="1"/>
+            </a:lvl2pPr>
+            <a:lvl3pPr>
+              <a:buNone/>
+              <a:defRPr sz="1800" b="1"/>
+            </a:lvl3pPr>
+            <a:lvl4pPr>
               <a:buNone/>
               <a:defRPr sz="1600" b="1"/>
-            </a:lvl6pPr>
-            <a:lvl7pPr marL="2743200" indent="0">
+            </a:lvl4pPr>
+            <a:lvl5pPr>
               <a:buNone/>
               <a:defRPr sz="1600" b="1"/>
-            </a:lvl7pPr>
-            <a:lvl8pPr marL="3200400" indent="0">
-              <a:buNone/>
-              <a:defRPr sz="1600" b="1"/>
-            </a:lvl8pPr>
-            <a:lvl9pPr marL="3657600" indent="0">
-              <a:buNone/>
-              <a:defRPr sz="1600" b="1"/>
-            </a:lvl9pPr>
-          </a:lstStyle>
-          <a:p>
-            <a:pPr lvl="0"/>
-            <a:r>
-              <a:rPr lang="en-US" smtClean="0"/>
+            </a:lvl5pPr>
+            <a:extLst/>
+          </a:lstStyle>
+          <a:p>
+            <a:pPr lvl="0" eaLnBrk="1" latinLnBrk="0" hangingPunct="1"/>
+            <a:r>
+              <a:rPr kumimoji="0" lang="en-US" smtClean="0"/>
               <a:t>Click to edit Master text styles</a:t>
             </a:r>
           </a:p>
@@ -1497,236 +2092,223 @@
       </p:sp>
       <p:sp>
         <p:nvSpPr>
-          <p:cNvPr id="4" name="Content Placeholder 3"/>
-          <p:cNvSpPr>
-            <a:spLocks noGrp="1"/>
-          </p:cNvSpPr>
-          <p:nvPr>
-            <p:ph sz="half" idx="2"/>
+          <p:cNvPr id="5" name="Content Placeholder 4"/>
+          <p:cNvSpPr>
+            <a:spLocks noGrp="1"/>
+          </p:cNvSpPr>
+          <p:nvPr>
+            <p:ph sz="quarter" idx="2"/>
           </p:nvPr>
         </p:nvSpPr>
         <p:spPr>
           <a:xfrm>
-            <a:off x="457200" y="2174875"/>
-            <a:ext cx="4040188" cy="3951288"/>
+            <a:off x="457200" y="969336"/>
+            <a:ext cx="4023360" cy="4114800"/>
           </a:xfrm>
+          <a:ln w="10795">
+            <a:solidFill>
+              <a:schemeClr val="bg1"/>
+            </a:solidFill>
+            <a:prstDash val="dash"/>
+            <a:miter lim="800000"/>
+          </a:ln>
         </p:spPr>
         <p:txBody>
           <a:bodyPr/>
           <a:lstStyle>
-            <a:lvl1pPr>
+            <a:lvl1pPr marL="393192" indent="-274320">
+              <a:lnSpc>
+                <a:spcPct val="100000"/>
+              </a:lnSpc>
+              <a:spcBef>
+                <a:spcPts val="700"/>
+              </a:spcBef>
               <a:defRPr sz="2400"/>
             </a:lvl1pPr>
             <a:lvl2pPr>
+              <a:lnSpc>
+                <a:spcPct val="100000"/>
+              </a:lnSpc>
+              <a:spcBef>
+                <a:spcPts val="700"/>
+              </a:spcBef>
               <a:defRPr sz="2000"/>
             </a:lvl2pPr>
             <a:lvl3pPr>
+              <a:lnSpc>
+                <a:spcPct val="100000"/>
+              </a:lnSpc>
+              <a:spcBef>
+                <a:spcPts val="700"/>
+              </a:spcBef>
               <a:defRPr sz="1800"/>
             </a:lvl3pPr>
             <a:lvl4pPr>
+              <a:lnSpc>
+                <a:spcPct val="100000"/>
+              </a:lnSpc>
+              <a:spcBef>
+                <a:spcPts val="700"/>
+              </a:spcBef>
               <a:defRPr sz="1600"/>
             </a:lvl4pPr>
             <a:lvl5pPr>
+              <a:lnSpc>
+                <a:spcPct val="100000"/>
+              </a:lnSpc>
+              <a:spcBef>
+                <a:spcPts val="700"/>
+              </a:spcBef>
               <a:defRPr sz="1600"/>
             </a:lvl5pPr>
-            <a:lvl6pPr>
-              <a:defRPr sz="1600"/>
-            </a:lvl6pPr>
-            <a:lvl7pPr>
-              <a:defRPr sz="1600"/>
-            </a:lvl7pPr>
-            <a:lvl8pPr>
-              <a:defRPr sz="1600"/>
-            </a:lvl8pPr>
-            <a:lvl9pPr>
-              <a:defRPr sz="1600"/>
-            </a:lvl9pPr>
-          </a:lstStyle>
-          <a:p>
-            <a:pPr lvl="0"/>
+            <a:extLst/>
+          </a:lstStyle>
+          <a:p>
+            <a:pPr lvl="0" eaLnBrk="1" latinLnBrk="0" hangingPunct="1"/>
             <a:r>
               <a:rPr lang="en-US" smtClean="0"/>
               <a:t>Click to edit Master text styles</a:t>
             </a:r>
           </a:p>
           <a:p>
-            <a:pPr lvl="1"/>
+            <a:pPr lvl="1" eaLnBrk="1" latinLnBrk="0" hangingPunct="1"/>
             <a:r>
               <a:rPr lang="en-US" smtClean="0"/>
               <a:t>Second level</a:t>
             </a:r>
           </a:p>
           <a:p>
-            <a:pPr lvl="2"/>
+            <a:pPr lvl="2" eaLnBrk="1" latinLnBrk="0" hangingPunct="1"/>
             <a:r>
               <a:rPr lang="en-US" smtClean="0"/>
               <a:t>Third level</a:t>
             </a:r>
           </a:p>
           <a:p>
-            <a:pPr lvl="3"/>
+            <a:pPr lvl="3" eaLnBrk="1" latinLnBrk="0" hangingPunct="1"/>
             <a:r>
               <a:rPr lang="en-US" smtClean="0"/>
               <a:t>Fourth level</a:t>
             </a:r>
           </a:p>
           <a:p>
-            <a:pPr lvl="4"/>
+            <a:pPr lvl="4" eaLnBrk="1" latinLnBrk="0" hangingPunct="1"/>
             <a:r>
               <a:rPr lang="en-US" smtClean="0"/>
               <a:t>Fifth level</a:t>
             </a:r>
-            <a:endParaRPr lang="en-US"/>
-          </a:p>
-        </p:txBody>
-      </p:sp>
-      <p:sp>
-        <p:nvSpPr>
-          <p:cNvPr id="5" name="Text Placeholder 4"/>
-          <p:cNvSpPr>
-            <a:spLocks noGrp="1"/>
-          </p:cNvSpPr>
-          <p:nvPr>
-            <p:ph type="body" sz="quarter" idx="3"/>
+            <a:endParaRPr kumimoji="0" lang="en-US"/>
+          </a:p>
+        </p:txBody>
+      </p:sp>
+      <p:sp>
+        <p:nvSpPr>
+          <p:cNvPr id="6" name="Content Placeholder 5"/>
+          <p:cNvSpPr>
+            <a:spLocks noGrp="1"/>
+          </p:cNvSpPr>
+          <p:nvPr>
+            <p:ph sz="quarter" idx="4"/>
           </p:nvPr>
         </p:nvSpPr>
         <p:spPr>
           <a:xfrm>
-            <a:off x="4645025" y="1535113"/>
-            <a:ext cx="4041775" cy="639762"/>
+            <a:off x="4663440" y="969336"/>
+            <a:ext cx="4023360" cy="4114800"/>
           </a:xfrm>
+          <a:ln w="10795">
+            <a:solidFill>
+              <a:schemeClr val="bg1"/>
+            </a:solidFill>
+            <a:prstDash val="dash"/>
+            <a:miter lim="800000"/>
+          </a:ln>
         </p:spPr>
         <p:txBody>
-          <a:bodyPr anchor="b"/>
-          <a:lstStyle>
-            <a:lvl1pPr marL="0" indent="0">
-              <a:buNone/>
-              <a:defRPr sz="2400" b="1"/>
-            </a:lvl1pPr>
-            <a:lvl2pPr marL="457200" indent="0">
-              <a:buNone/>
-              <a:defRPr sz="2000" b="1"/>
-            </a:lvl2pPr>
-            <a:lvl3pPr marL="914400" indent="0">
-              <a:buNone/>
-              <a:defRPr sz="1800" b="1"/>
-            </a:lvl3pPr>
-            <a:lvl4pPr marL="1371600" indent="0">
-              <a:buNone/>
-              <a:defRPr sz="1600" b="1"/>
-            </a:lvl4pPr>
-            <a:lvl5pPr marL="1828800" indent="0">
-              <a:buNone/>
-              <a:defRPr sz="1600" b="1"/>
-            </a:lvl5pPr>
-            <a:lvl6pPr marL="2286000" indent="0">
-              <a:buNone/>
-              <a:defRPr sz="1600" b="1"/>
-            </a:lvl6pPr>
-            <a:lvl7pPr marL="2743200" indent="0">
-              <a:buNone/>
-              <a:defRPr sz="1600" b="1"/>
-            </a:lvl7pPr>
-            <a:lvl8pPr marL="3200400" indent="0">
-              <a:buNone/>
-              <a:defRPr sz="1600" b="1"/>
-            </a:lvl8pPr>
-            <a:lvl9pPr marL="3657600" indent="0">
-              <a:buNone/>
-              <a:defRPr sz="1600" b="1"/>
-            </a:lvl9pPr>
-          </a:lstStyle>
-          <a:p>
-            <a:pPr lvl="0"/>
-            <a:r>
-              <a:rPr lang="en-US" smtClean="0"/>
-              <a:t>Click to edit Master text styles</a:t>
-            </a:r>
-          </a:p>
-        </p:txBody>
-      </p:sp>
-      <p:sp>
-        <p:nvSpPr>
-          <p:cNvPr id="6" name="Content Placeholder 5"/>
-          <p:cNvSpPr>
-            <a:spLocks noGrp="1"/>
-          </p:cNvSpPr>
-          <p:nvPr>
-            <p:ph sz="quarter" idx="4"/>
-          </p:nvPr>
-        </p:nvSpPr>
-        <p:spPr>
-          <a:xfrm>
-            <a:off x="4645025" y="2174875"/>
-            <a:ext cx="4041775" cy="3951288"/>
-          </a:xfrm>
-        </p:spPr>
-        <p:txBody>
           <a:bodyPr/>
           <a:lstStyle>
-            <a:lvl1pPr>
+            <a:lvl1pPr marL="393192" indent="-274320">
+              <a:lnSpc>
+                <a:spcPct val="100000"/>
+              </a:lnSpc>
+              <a:spcBef>
+                <a:spcPts val="700"/>
+              </a:spcBef>
               <a:defRPr sz="2400"/>
             </a:lvl1pPr>
             <a:lvl2pPr>
+              <a:lnSpc>
+                <a:spcPct val="100000"/>
+              </a:lnSpc>
+              <a:spcBef>
+                <a:spcPts val="700"/>
+              </a:spcBef>
               <a:defRPr sz="2000"/>
             </a:lvl2pPr>
             <a:lvl3pPr>
+              <a:lnSpc>
+                <a:spcPct val="100000"/>
+              </a:lnSpc>
+              <a:spcBef>
+                <a:spcPts val="700"/>
+              </a:spcBef>
               <a:defRPr sz="1800"/>
             </a:lvl3pPr>
             <a:lvl4pPr>
+              <a:lnSpc>
+                <a:spcPct val="100000"/>
+              </a:lnSpc>
+              <a:spcBef>
+                <a:spcPts val="700"/>
+              </a:spcBef>
               <a:defRPr sz="1600"/>
             </a:lvl4pPr>
             <a:lvl5pPr>
+              <a:lnSpc>
+                <a:spcPct val="100000"/>
+              </a:lnSpc>
+              <a:spcBef>
+                <a:spcPts val="700"/>
+              </a:spcBef>
               <a:defRPr sz="1600"/>
             </a:lvl5pPr>
-            <a:lvl6pPr>
-              <a:defRPr sz="1600"/>
-            </a:lvl6pPr>
-            <a:lvl7pPr>
-              <a:defRPr sz="1600"/>
-            </a:lvl7pPr>
-            <a:lvl8pPr>
-              <a:defRPr sz="1600"/>
-            </a:lvl8pPr>
-            <a:lvl9pPr>
-              <a:defRPr sz="1600"/>
-            </a:lvl9pPr>
-          </a:lstStyle>
-          <a:p>
-            <a:pPr lvl="0"/>
+            <a:extLst/>
+          </a:lstStyle>
+          <a:p>
+            <a:pPr lvl="0" eaLnBrk="1" latinLnBrk="0" hangingPunct="1"/>
             <a:r>
               <a:rPr lang="en-US" smtClean="0"/>
               <a:t>Click to edit Master text styles</a:t>
             </a:r>
           </a:p>
           <a:p>
-            <a:pPr lvl="1"/>
+            <a:pPr lvl="1" eaLnBrk="1" latinLnBrk="0" hangingPunct="1"/>
             <a:r>
               <a:rPr lang="en-US" smtClean="0"/>
               <a:t>Second level</a:t>
             </a:r>
           </a:p>
           <a:p>
-            <a:pPr lvl="2"/>
+            <a:pPr lvl="2" eaLnBrk="1" latinLnBrk="0" hangingPunct="1"/>
             <a:r>
               <a:rPr lang="en-US" smtClean="0"/>
               <a:t>Third level</a:t>
             </a:r>
           </a:p>
           <a:p>
-            <a:pPr lvl="3"/>
+            <a:pPr lvl="3" eaLnBrk="1" latinLnBrk="0" hangingPunct="1"/>
             <a:r>
               <a:rPr lang="en-US" smtClean="0"/>
               <a:t>Fourth level</a:t>
             </a:r>
           </a:p>
           <a:p>
-            <a:pPr lvl="4"/>
+            <a:pPr lvl="4" eaLnBrk="1" latinLnBrk="0" hangingPunct="1"/>
             <a:r>
               <a:rPr lang="en-US" smtClean="0"/>
               <a:t>Fifth level</a:t>
             </a:r>
-            <a:endParaRPr lang="en-US"/>
+            <a:endParaRPr kumimoji="0" lang="en-US"/>
           </a:p>
         </p:txBody>
       </p:sp>
@@ -1743,11 +2325,14 @@
         <p:spPr/>
         <p:txBody>
           <a:bodyPr/>
-          <a:lstStyle/>
+          <a:lstStyle>
+            <a:extLst/>
+          </a:lstStyle>
           <a:p>
             <a:fld id="{C0EF84CA-B1B6-4021-B8F3-4E3EC0A0C821}" type="datetimeFigureOut">
               <a:rPr lang="en-US" smtClean="0"/>
-              <a:t>3/4/2009</a:t>
+              <a:pPr/>
+              <a:t>3/5/2009</a:t>
             </a:fld>
             <a:endParaRPr lang="en-US"/>
           </a:p>
@@ -1766,7 +2351,9 @@
         <p:spPr/>
         <p:txBody>
           <a:bodyPr/>
-          <a:lstStyle/>
+          <a:lstStyle>
+            <a:extLst/>
+          </a:lstStyle>
           <a:p>
             <a:endParaRPr lang="en-US"/>
           </a:p>
@@ -1785,10 +2372,13 @@
         <p:spPr/>
         <p:txBody>
           <a:bodyPr/>
-          <a:lstStyle/>
+          <a:lstStyle>
+            <a:extLst/>
+          </a:lstStyle>
           <a:p>
             <a:fld id="{CDBD292F-AC1C-46E5-AB85-7D14E9F2F8D3}" type="slidenum">
               <a:rPr lang="en-US" smtClean="0"/>
+              <a:pPr/>
               <a:t>‹#›</a:t>
             </a:fld>
             <a:endParaRPr lang="en-US"/>
@@ -1830,37 +2420,47 @@
             <p:ph type="title"/>
           </p:nvPr>
         </p:nvSpPr>
+        <p:spPr>
+          <a:xfrm>
+            <a:off x="1435608" y="274320"/>
+            <a:ext cx="7498080" cy="1143000"/>
+          </a:xfrm>
+        </p:spPr>
+        <p:txBody>
+          <a:bodyPr anchor="ctr"/>
+          <a:lstStyle>
+            <a:extLst/>
+          </a:lstStyle>
+          <a:p>
+            <a:r>
+              <a:rPr kumimoji="0" lang="en-US" smtClean="0"/>
+              <a:t>Click to edit Master title style</a:t>
+            </a:r>
+            <a:endParaRPr kumimoji="0" lang="en-US"/>
+          </a:p>
+        </p:txBody>
+      </p:sp>
+      <p:sp>
+        <p:nvSpPr>
+          <p:cNvPr id="3" name="Date Placeholder 2"/>
+          <p:cNvSpPr>
+            <a:spLocks noGrp="1"/>
+          </p:cNvSpPr>
+          <p:nvPr>
+            <p:ph type="dt" sz="half" idx="10"/>
+          </p:nvPr>
+        </p:nvSpPr>
         <p:spPr/>
         <p:txBody>
           <a:bodyPr/>
-          <a:lstStyle/>
-          <a:p>
-            <a:r>
-              <a:rPr lang="en-US" smtClean="0"/>
-              <a:t>Click to edit Master title style</a:t>
-            </a:r>
-            <a:endParaRPr lang="en-US"/>
-          </a:p>
-        </p:txBody>
-      </p:sp>
-      <p:sp>
-        <p:nvSpPr>
-          <p:cNvPr id="3" name="Date Placeholder 2"/>
-          <p:cNvSpPr>
-            <a:spLocks noGrp="1"/>
-          </p:cNvSpPr>
-          <p:nvPr>
-            <p:ph type="dt" sz="half" idx="10"/>
-          </p:nvPr>
-        </p:nvSpPr>
-        <p:spPr/>
-        <p:txBody>
-          <a:bodyPr/>
-          <a:lstStyle/>
+          <a:lstStyle>
+            <a:extLst/>
+          </a:lstStyle>
           <a:p>
             <a:fld id="{C0EF84CA-B1B6-4021-B8F3-4E3EC0A0C821}" type="datetimeFigureOut">
               <a:rPr lang="en-US" smtClean="0"/>
-              <a:t>3/4/2009</a:t>
+              <a:pPr/>
+              <a:t>3/5/2009</a:t>
             </a:fld>
             <a:endParaRPr lang="en-US"/>
           </a:p>
@@ -1879,7 +2479,9 @@
         <p:spPr/>
         <p:txBody>
           <a:bodyPr/>
-          <a:lstStyle/>
+          <a:lstStyle>
+            <a:extLst/>
+          </a:lstStyle>
           <a:p>
             <a:endParaRPr lang="en-US"/>
           </a:p>
@@ -1898,10 +2500,13 @@
         <p:spPr/>
         <p:txBody>
           <a:bodyPr/>
-          <a:lstStyle/>
+          <a:lstStyle>
+            <a:extLst/>
+          </a:lstStyle>
           <a:p>
             <a:fld id="{CDBD292F-AC1C-46E5-AB85-7D14E9F2F8D3}" type="slidenum">
               <a:rPr lang="en-US" smtClean="0"/>
+              <a:pPr/>
               <a:t>‹#›</a:t>
             </a:fld>
             <a:endParaRPr lang="en-US"/>
@@ -1917,7 +2522,7 @@
 </file>
 
 <file path=ppt/slideLayouts/slideLayout7.xml><?xml version="1.0" encoding="utf-8"?>
-<p:sldLayout xmlns:a="http://schemas.openxmlformats.org/drawingml/2006/main" xmlns:r="http://schemas.openxmlformats.org/officeDocument/2006/relationships" xmlns:p="http://schemas.openxmlformats.org/presentationml/2006/main" type="blank" preserve="1">
+<p:sldLayout xmlns:a="http://schemas.openxmlformats.org/drawingml/2006/main" xmlns:r="http://schemas.openxmlformats.org/officeDocument/2006/relationships" xmlns:p="http://schemas.openxmlformats.org/presentationml/2006/main" showMasterSp="0" type="blank" preserve="1">
   <p:cSld name="Blank">
     <p:spTree>
       <p:nvGrpSpPr>
@@ -1935,6 +2540,54 @@
       </p:grpSpPr>
       <p:sp>
         <p:nvSpPr>
+          <p:cNvPr id="5" name="Rectangle 4"/>
+          <p:cNvSpPr/>
+          <p:nvPr/>
+        </p:nvSpPr>
+        <p:spPr>
+          <a:xfrm>
+            <a:off x="1014984" y="0"/>
+            <a:ext cx="8129016" cy="6858000"/>
+          </a:xfrm>
+          <a:prstGeom prst="rect">
+            <a:avLst/>
+          </a:prstGeom>
+          <a:solidFill>
+            <a:schemeClr val="bg1"/>
+          </a:solidFill>
+          <a:ln w="25400" cap="rnd" cmpd="sng" algn="ctr">
+            <a:noFill/>
+            <a:prstDash val="solid"/>
+          </a:ln>
+          <a:effectLst/>
+        </p:spPr>
+        <p:style>
+          <a:lnRef idx="3">
+            <a:schemeClr val="lt1"/>
+          </a:lnRef>
+          <a:fillRef idx="1">
+            <a:schemeClr val="accent1"/>
+          </a:fillRef>
+          <a:effectRef idx="1">
+            <a:schemeClr val="accent1"/>
+          </a:effectRef>
+          <a:fontRef idx="minor">
+            <a:schemeClr val="lt1"/>
+          </a:fontRef>
+        </p:style>
+        <p:txBody>
+          <a:bodyPr anchor="ctr"/>
+          <a:lstStyle>
+            <a:extLst/>
+          </a:lstStyle>
+          <a:p>
+            <a:pPr algn="ctr" eaLnBrk="1" latinLnBrk="0" hangingPunct="1"/>
+            <a:endParaRPr kumimoji="0" lang="en-US"/>
+          </a:p>
+        </p:txBody>
+      </p:sp>
+      <p:sp>
+        <p:nvSpPr>
           <p:cNvPr id="2" name="Date Placeholder 1"/>
           <p:cNvSpPr>
             <a:spLocks noGrp="1"/>
@@ -1946,11 +2599,14 @@
         <p:spPr/>
         <p:txBody>
           <a:bodyPr/>
-          <a:lstStyle/>
+          <a:lstStyle>
+            <a:extLst/>
+          </a:lstStyle>
           <a:p>
             <a:fld id="{C0EF84CA-B1B6-4021-B8F3-4E3EC0A0C821}" type="datetimeFigureOut">
               <a:rPr lang="en-US" smtClean="0"/>
-              <a:t>3/4/2009</a:t>
+              <a:pPr/>
+              <a:t>3/5/2009</a:t>
             </a:fld>
             <a:endParaRPr lang="en-US"/>
           </a:p>
@@ -1969,7 +2625,9 @@
         <p:spPr/>
         <p:txBody>
           <a:bodyPr/>
-          <a:lstStyle/>
+          <a:lstStyle>
+            <a:extLst/>
+          </a:lstStyle>
           <a:p>
             <a:endParaRPr lang="en-US"/>
           </a:p>
@@ -1988,13 +2646,72 @@
         <p:spPr/>
         <p:txBody>
           <a:bodyPr/>
-          <a:lstStyle/>
+          <a:lstStyle>
+            <a:extLst/>
+          </a:lstStyle>
           <a:p>
             <a:fld id="{CDBD292F-AC1C-46E5-AB85-7D14E9F2F8D3}" type="slidenum">
               <a:rPr lang="en-US" smtClean="0"/>
+              <a:pPr/>
               <a:t>‹#›</a:t>
             </a:fld>
             <a:endParaRPr lang="en-US"/>
+          </a:p>
+        </p:txBody>
+      </p:sp>
+      <p:sp>
+        <p:nvSpPr>
+          <p:cNvPr id="6" name="Rectangle 5"/>
+          <p:cNvSpPr/>
+          <p:nvPr/>
+        </p:nvSpPr>
+        <p:spPr bwMode="invGray">
+          <a:xfrm>
+            <a:off x="1014984" y="-54"/>
+            <a:ext cx="73152" cy="6858054"/>
+          </a:xfrm>
+          <a:prstGeom prst="rect">
+            <a:avLst/>
+          </a:prstGeom>
+          <a:solidFill>
+            <a:schemeClr val="bg1"/>
+          </a:solidFill>
+          <a:ln w="25400" cap="rnd" cmpd="sng" algn="ctr">
+            <a:noFill/>
+            <a:prstDash val="solid"/>
+          </a:ln>
+          <a:effectLst>
+            <a:outerShdw blurRad="38550" dist="38000" dir="10800000" algn="tl" rotWithShape="0">
+              <a:schemeClr val="bg2">
+                <a:shade val="20000"/>
+                <a:satMod val="110000"/>
+                <a:alpha val="25000"/>
+              </a:schemeClr>
+            </a:outerShdw>
+          </a:effectLst>
+        </p:spPr>
+        <p:style>
+          <a:lnRef idx="3">
+            <a:schemeClr val="lt1"/>
+          </a:lnRef>
+          <a:fillRef idx="1">
+            <a:schemeClr val="accent1"/>
+          </a:fillRef>
+          <a:effectRef idx="1">
+            <a:schemeClr val="accent1"/>
+          </a:effectRef>
+          <a:fontRef idx="minor">
+            <a:schemeClr val="lt1"/>
+          </a:fontRef>
+        </p:style>
+        <p:txBody>
+          <a:bodyPr anchor="ctr"/>
+          <a:lstStyle>
+            <a:extLst/>
+          </a:lstStyle>
+          <a:p>
+            <a:pPr algn="ctr" eaLnBrk="1" latinLnBrk="0" hangingPunct="1"/>
+            <a:endParaRPr kumimoji="0" lang="en-US"/>
           </a:p>
         </p:txBody>
       </p:sp>
@@ -2007,7 +2724,7 @@
 </file>
 
 <file path=ppt/slideLayouts/slideLayout8.xml><?xml version="1.0" encoding="utf-8"?>
-<p:sldLayout xmlns:a="http://schemas.openxmlformats.org/drawingml/2006/main" xmlns:r="http://schemas.openxmlformats.org/officeDocument/2006/relationships" xmlns:p="http://schemas.openxmlformats.org/presentationml/2006/main" type="objTx" preserve="1">
+<p:sldLayout xmlns:a="http://schemas.openxmlformats.org/drawingml/2006/main" xmlns:r="http://schemas.openxmlformats.org/officeDocument/2006/relationships" xmlns:p="http://schemas.openxmlformats.org/presentationml/2006/main" showMasterSp="0" type="objTx" preserve="1">
   <p:cSld name="Content with Caption">
     <p:spTree>
       <p:nvGrpSpPr>
@@ -2035,40 +2752,104 @@
         </p:nvSpPr>
         <p:spPr>
           <a:xfrm>
-            <a:off x="457200" y="273050"/>
-            <a:ext cx="3008313" cy="1162050"/>
+            <a:off x="457200" y="216778"/>
+            <a:ext cx="3810000" cy="1162050"/>
+          </a:xfrm>
+          <a:ln>
+            <a:noFill/>
+          </a:ln>
+        </p:spPr>
+        <p:txBody>
+          <a:bodyPr anchor="b"/>
+          <a:lstStyle>
+            <a:lvl1pPr algn="l">
+              <a:lnSpc>
+                <a:spcPts val="2000"/>
+              </a:lnSpc>
+              <a:buNone/>
+              <a:defRPr sz="2200" b="1" cap="all" baseline="0"/>
+            </a:lvl1pPr>
+            <a:extLst/>
+          </a:lstStyle>
+          <a:p>
+            <a:r>
+              <a:rPr kumimoji="0" lang="en-US" smtClean="0"/>
+              <a:t>Click to edit Master title style</a:t>
+            </a:r>
+            <a:endParaRPr kumimoji="0" lang="en-US"/>
+          </a:p>
+        </p:txBody>
+      </p:sp>
+      <p:sp>
+        <p:nvSpPr>
+          <p:cNvPr id="3" name="Text Placeholder 2"/>
+          <p:cNvSpPr>
+            <a:spLocks noGrp="1"/>
+          </p:cNvSpPr>
+          <p:nvPr>
+            <p:ph type="body" idx="2"/>
+          </p:nvPr>
+        </p:nvSpPr>
+        <p:spPr>
+          <a:xfrm>
+            <a:off x="457200" y="1406964"/>
+            <a:ext cx="3810000" cy="698500"/>
           </a:xfrm>
         </p:spPr>
         <p:txBody>
-          <a:bodyPr anchor="b"/>
-          <a:lstStyle>
-            <a:lvl1pPr algn="l">
-              <a:defRPr sz="2000" b="1"/>
+          <a:bodyPr/>
+          <a:lstStyle>
+            <a:lvl1pPr marL="45720" indent="0">
+              <a:lnSpc>
+                <a:spcPct val="100000"/>
+              </a:lnSpc>
+              <a:spcBef>
+                <a:spcPts val="0"/>
+              </a:spcBef>
+              <a:buNone/>
+              <a:defRPr sz="1400"/>
             </a:lvl1pPr>
-          </a:lstStyle>
-          <a:p>
-            <a:r>
-              <a:rPr lang="en-US" smtClean="0"/>
-              <a:t>Click to edit Master title style</a:t>
-            </a:r>
-            <a:endParaRPr lang="en-US"/>
-          </a:p>
-        </p:txBody>
-      </p:sp>
-      <p:sp>
-        <p:nvSpPr>
-          <p:cNvPr id="3" name="Content Placeholder 2"/>
-          <p:cNvSpPr>
-            <a:spLocks noGrp="1"/>
-          </p:cNvSpPr>
-          <p:nvPr>
-            <p:ph idx="1"/>
+            <a:lvl2pPr>
+              <a:buNone/>
+              <a:defRPr sz="1200"/>
+            </a:lvl2pPr>
+            <a:lvl3pPr>
+              <a:buNone/>
+              <a:defRPr sz="1000"/>
+            </a:lvl3pPr>
+            <a:lvl4pPr>
+              <a:buNone/>
+              <a:defRPr sz="900"/>
+            </a:lvl4pPr>
+            <a:lvl5pPr>
+              <a:buNone/>
+              <a:defRPr sz="900"/>
+            </a:lvl5pPr>
+            <a:extLst/>
+          </a:lstStyle>
+          <a:p>
+            <a:pPr lvl="0" eaLnBrk="1" latinLnBrk="0" hangingPunct="1"/>
+            <a:r>
+              <a:rPr kumimoji="0" lang="en-US" smtClean="0"/>
+              <a:t>Click to edit Master text styles</a:t>
+            </a:r>
+          </a:p>
+        </p:txBody>
+      </p:sp>
+      <p:sp>
+        <p:nvSpPr>
+          <p:cNvPr id="4" name="Content Placeholder 3"/>
+          <p:cNvSpPr>
+            <a:spLocks noGrp="1"/>
+          </p:cNvSpPr>
+          <p:nvPr>
+            <p:ph sz="half" idx="1"/>
           </p:nvPr>
         </p:nvSpPr>
         <p:spPr>
           <a:xfrm>
-            <a:off x="3575050" y="273050"/>
-            <a:ext cx="5111750" cy="5853113"/>
+            <a:off x="457200" y="2133600"/>
+            <a:ext cx="8153400" cy="3992563"/>
           </a:xfrm>
         </p:spPr>
         <p:txBody>
@@ -2089,140 +2870,67 @@
             <a:lvl5pPr>
               <a:defRPr sz="2000"/>
             </a:lvl5pPr>
-            <a:lvl6pPr>
-              <a:defRPr sz="2000"/>
-            </a:lvl6pPr>
-            <a:lvl7pPr>
-              <a:defRPr sz="2000"/>
-            </a:lvl7pPr>
-            <a:lvl8pPr>
-              <a:defRPr sz="2000"/>
-            </a:lvl8pPr>
-            <a:lvl9pPr>
-              <a:defRPr sz="2000"/>
-            </a:lvl9pPr>
-          </a:lstStyle>
-          <a:p>
-            <a:pPr lvl="0"/>
+            <a:extLst/>
+          </a:lstStyle>
+          <a:p>
+            <a:pPr lvl="0" eaLnBrk="1" latinLnBrk="0" hangingPunct="1"/>
             <a:r>
               <a:rPr lang="en-US" smtClean="0"/>
               <a:t>Click to edit Master text styles</a:t>
             </a:r>
           </a:p>
           <a:p>
-            <a:pPr lvl="1"/>
+            <a:pPr lvl="1" eaLnBrk="1" latinLnBrk="0" hangingPunct="1"/>
             <a:r>
               <a:rPr lang="en-US" smtClean="0"/>
               <a:t>Second level</a:t>
             </a:r>
           </a:p>
           <a:p>
-            <a:pPr lvl="2"/>
+            <a:pPr lvl="2" eaLnBrk="1" latinLnBrk="0" hangingPunct="1"/>
             <a:r>
               <a:rPr lang="en-US" smtClean="0"/>
               <a:t>Third level</a:t>
             </a:r>
           </a:p>
           <a:p>
-            <a:pPr lvl="3"/>
+            <a:pPr lvl="3" eaLnBrk="1" latinLnBrk="0" hangingPunct="1"/>
             <a:r>
               <a:rPr lang="en-US" smtClean="0"/>
               <a:t>Fourth level</a:t>
             </a:r>
           </a:p>
           <a:p>
-            <a:pPr lvl="4"/>
+            <a:pPr lvl="4" eaLnBrk="1" latinLnBrk="0" hangingPunct="1"/>
             <a:r>
               <a:rPr lang="en-US" smtClean="0"/>
               <a:t>Fifth level</a:t>
             </a:r>
-            <a:endParaRPr lang="en-US"/>
-          </a:p>
-        </p:txBody>
-      </p:sp>
-      <p:sp>
-        <p:nvSpPr>
-          <p:cNvPr id="4" name="Text Placeholder 3"/>
-          <p:cNvSpPr>
-            <a:spLocks noGrp="1"/>
-          </p:cNvSpPr>
-          <p:nvPr>
-            <p:ph type="body" sz="half" idx="2"/>
-          </p:nvPr>
-        </p:nvSpPr>
-        <p:spPr>
-          <a:xfrm>
-            <a:off x="457200" y="1435100"/>
-            <a:ext cx="3008313" cy="4691063"/>
-          </a:xfrm>
-        </p:spPr>
+            <a:endParaRPr kumimoji="0" lang="en-US"/>
+          </a:p>
+        </p:txBody>
+      </p:sp>
+      <p:sp>
+        <p:nvSpPr>
+          <p:cNvPr id="5" name="Date Placeholder 4"/>
+          <p:cNvSpPr>
+            <a:spLocks noGrp="1"/>
+          </p:cNvSpPr>
+          <p:nvPr>
+            <p:ph type="dt" sz="half" idx="10"/>
+          </p:nvPr>
+        </p:nvSpPr>
+        <p:spPr/>
         <p:txBody>
           <a:bodyPr/>
           <a:lstStyle>
-            <a:lvl1pPr marL="0" indent="0">
-              <a:buNone/>
-              <a:defRPr sz="1400"/>
-            </a:lvl1pPr>
-            <a:lvl2pPr marL="457200" indent="0">
-              <a:buNone/>
-              <a:defRPr sz="1200"/>
-            </a:lvl2pPr>
-            <a:lvl3pPr marL="914400" indent="0">
-              <a:buNone/>
-              <a:defRPr sz="1000"/>
-            </a:lvl3pPr>
-            <a:lvl4pPr marL="1371600" indent="0">
-              <a:buNone/>
-              <a:defRPr sz="900"/>
-            </a:lvl4pPr>
-            <a:lvl5pPr marL="1828800" indent="0">
-              <a:buNone/>
-              <a:defRPr sz="900"/>
-            </a:lvl5pPr>
-            <a:lvl6pPr marL="2286000" indent="0">
-              <a:buNone/>
-              <a:defRPr sz="900"/>
-            </a:lvl6pPr>
-            <a:lvl7pPr marL="2743200" indent="0">
-              <a:buNone/>
-              <a:defRPr sz="900"/>
-            </a:lvl7pPr>
-            <a:lvl8pPr marL="3200400" indent="0">
-              <a:buNone/>
-              <a:defRPr sz="900"/>
-            </a:lvl8pPr>
-            <a:lvl9pPr marL="3657600" indent="0">
-              <a:buNone/>
-              <a:defRPr sz="900"/>
-            </a:lvl9pPr>
-          </a:lstStyle>
-          <a:p>
-            <a:pPr lvl="0"/>
-            <a:r>
-              <a:rPr lang="en-US" smtClean="0"/>
-              <a:t>Click to edit Master text styles</a:t>
-            </a:r>
-          </a:p>
-        </p:txBody>
-      </p:sp>
-      <p:sp>
-        <p:nvSpPr>
-          <p:cNvPr id="5" name="Date Placeholder 4"/>
-          <p:cNvSpPr>
-            <a:spLocks noGrp="1"/>
-          </p:cNvSpPr>
-          <p:nvPr>
-            <p:ph type="dt" sz="half" idx="10"/>
-          </p:nvPr>
-        </p:nvSpPr>
-        <p:spPr/>
-        <p:txBody>
-          <a:bodyPr/>
-          <a:lstStyle/>
+            <a:extLst/>
+          </a:lstStyle>
           <a:p>
             <a:fld id="{C0EF84CA-B1B6-4021-B8F3-4E3EC0A0C821}" type="datetimeFigureOut">
               <a:rPr lang="en-US" smtClean="0"/>
-              <a:t>3/4/2009</a:t>
+              <a:pPr/>
+              <a:t>3/5/2009</a:t>
             </a:fld>
             <a:endParaRPr lang="en-US"/>
           </a:p>
@@ -2241,7 +2949,9 @@
         <p:spPr/>
         <p:txBody>
           <a:bodyPr/>
-          <a:lstStyle/>
+          <a:lstStyle>
+            <a:extLst/>
+          </a:lstStyle>
           <a:p>
             <a:endParaRPr lang="en-US"/>
           </a:p>
@@ -2260,10 +2970,13 @@
         <p:spPr/>
         <p:txBody>
           <a:bodyPr/>
-          <a:lstStyle/>
+          <a:lstStyle>
+            <a:extLst/>
+          </a:lstStyle>
           <a:p>
             <a:fld id="{CDBD292F-AC1C-46E5-AB85-7D14E9F2F8D3}" type="slidenum">
               <a:rPr lang="en-US" smtClean="0"/>
+              <a:pPr/>
               <a:t>‹#›</a:t>
             </a:fld>
             <a:endParaRPr lang="en-US"/>
@@ -2279,7 +2992,7 @@
 </file>
 
 <file path=ppt/slideLayouts/slideLayout9.xml><?xml version="1.0" encoding="utf-8"?>
-<p:sldLayout xmlns:a="http://schemas.openxmlformats.org/drawingml/2006/main" xmlns:r="http://schemas.openxmlformats.org/officeDocument/2006/relationships" xmlns:p="http://schemas.openxmlformats.org/presentationml/2006/main" type="picTx" preserve="1">
+<p:sldLayout xmlns:a="http://schemas.openxmlformats.org/drawingml/2006/main" xmlns:r="http://schemas.openxmlformats.org/officeDocument/2006/relationships" xmlns:p="http://schemas.openxmlformats.org/presentationml/2006/main" showMasterSp="0" type="picTx" preserve="1">
   <p:cSld name="Picture with Caption">
     <p:spTree>
       <p:nvGrpSpPr>
@@ -2307,84 +3020,348 @@
         </p:nvSpPr>
         <p:spPr>
           <a:xfrm>
-            <a:off x="1792288" y="4800600"/>
-            <a:ext cx="5486400" cy="566738"/>
+            <a:off x="5886896" y="1066800"/>
+            <a:ext cx="2743200" cy="1981200"/>
           </a:xfrm>
         </p:spPr>
         <p:txBody>
-          <a:bodyPr anchor="b"/>
+          <a:bodyPr anchor="b">
+            <a:noAutofit/>
+          </a:bodyPr>
           <a:lstStyle>
             <a:lvl1pPr algn="l">
-              <a:defRPr sz="2000" b="1"/>
+              <a:buNone/>
+              <a:defRPr sz="2100" b="1">
+                <a:effectLst/>
+              </a:defRPr>
             </a:lvl1pPr>
-          </a:lstStyle>
-          <a:p>
-            <a:r>
+            <a:extLst/>
+          </a:lstStyle>
+          <a:p>
+            <a:r>
+              <a:rPr kumimoji="0" lang="en-US" smtClean="0"/>
+              <a:t>Click to edit Master title style</a:t>
+            </a:r>
+            <a:endParaRPr kumimoji="0" lang="en-US"/>
+          </a:p>
+        </p:txBody>
+      </p:sp>
+      <p:sp>
+        <p:nvSpPr>
+          <p:cNvPr id="5" name="Date Placeholder 4"/>
+          <p:cNvSpPr>
+            <a:spLocks noGrp="1"/>
+          </p:cNvSpPr>
+          <p:nvPr>
+            <p:ph type="dt" sz="half" idx="10"/>
+          </p:nvPr>
+        </p:nvSpPr>
+        <p:spPr/>
+        <p:txBody>
+          <a:bodyPr/>
+          <a:lstStyle>
+            <a:extLst/>
+          </a:lstStyle>
+          <a:p>
+            <a:fld id="{C0EF84CA-B1B6-4021-B8F3-4E3EC0A0C821}" type="datetimeFigureOut">
               <a:rPr lang="en-US" smtClean="0"/>
-              <a:t>Click to edit Master title style</a:t>
-            </a:r>
+              <a:pPr/>
+              <a:t>3/5/2009</a:t>
+            </a:fld>
             <a:endParaRPr lang="en-US"/>
           </a:p>
         </p:txBody>
       </p:sp>
       <p:sp>
         <p:nvSpPr>
-          <p:cNvPr id="3" name="Picture Placeholder 2"/>
-          <p:cNvSpPr>
-            <a:spLocks noGrp="1"/>
-          </p:cNvSpPr>
-          <p:nvPr>
-            <p:ph type="pic" idx="1"/>
-          </p:nvPr>
+          <p:cNvPr id="6" name="Footer Placeholder 5"/>
+          <p:cNvSpPr>
+            <a:spLocks noGrp="1"/>
+          </p:cNvSpPr>
+          <p:nvPr>
+            <p:ph type="ftr" sz="quarter" idx="11"/>
+          </p:nvPr>
+        </p:nvSpPr>
+        <p:spPr/>
+        <p:txBody>
+          <a:bodyPr/>
+          <a:lstStyle>
+            <a:extLst/>
+          </a:lstStyle>
+          <a:p>
+            <a:endParaRPr lang="en-US"/>
+          </a:p>
+        </p:txBody>
+      </p:sp>
+      <p:sp>
+        <p:nvSpPr>
+          <p:cNvPr id="7" name="Slide Number Placeholder 6"/>
+          <p:cNvSpPr>
+            <a:spLocks noGrp="1"/>
+          </p:cNvSpPr>
+          <p:nvPr>
+            <p:ph type="sldNum" sz="quarter" idx="12"/>
+          </p:nvPr>
+        </p:nvSpPr>
+        <p:spPr/>
+        <p:txBody>
+          <a:bodyPr/>
+          <a:lstStyle>
+            <a:extLst/>
+          </a:lstStyle>
+          <a:p>
+            <a:fld id="{CDBD292F-AC1C-46E5-AB85-7D14E9F2F8D3}" type="slidenum">
+              <a:rPr lang="en-US" smtClean="0"/>
+              <a:pPr/>
+              <a:t>‹#›</a:t>
+            </a:fld>
+            <a:endParaRPr lang="en-US"/>
+          </a:p>
+        </p:txBody>
+      </p:sp>
+      <p:sp>
+        <p:nvSpPr>
+          <p:cNvPr id="8" name="Rectangle 7"/>
+          <p:cNvSpPr/>
+          <p:nvPr/>
         </p:nvSpPr>
         <p:spPr>
           <a:xfrm>
-            <a:off x="1792288" y="612775"/>
-            <a:ext cx="5486400" cy="4114800"/>
+            <a:off x="762000" y="1066800"/>
+            <a:ext cx="4572000" cy="4572000"/>
           </a:xfrm>
+          <a:prstGeom prst="rect">
+            <a:avLst/>
+          </a:prstGeom>
+          <a:solidFill>
+            <a:srgbClr val="FFFFFF"/>
+          </a:solidFill>
+          <a:ln w="88900" cap="sq">
+            <a:solidFill>
+              <a:srgbClr val="FFFFFF"/>
+            </a:solidFill>
+            <a:miter lim="800000"/>
+          </a:ln>
+          <a:effectLst>
+            <a:outerShdw blurRad="55500" dist="18500" dir="5400000" algn="tl" rotWithShape="0">
+              <a:srgbClr val="000000">
+                <a:alpha val="35000"/>
+              </a:srgbClr>
+            </a:outerShdw>
+          </a:effectLst>
+          <a:scene3d>
+            <a:camera prst="orthographicFront"/>
+            <a:lightRig rig="twoPt" dir="t">
+              <a:rot lat="0" lon="0" rev="7200000"/>
+            </a:lightRig>
+          </a:scene3d>
+          <a:sp3d contourW="635">
+            <a:bevelT w="25400" h="19050"/>
+            <a:contourClr>
+              <a:srgbClr val="969696"/>
+            </a:contourClr>
+          </a:sp3d>
         </p:spPr>
         <p:txBody>
-          <a:bodyPr/>
-          <a:lstStyle>
-            <a:lvl1pPr marL="0" indent="0">
+          <a:bodyPr lIns="91440" tIns="274320" rtlCol="0" anchor="t">
+            <a:normAutofit/>
+          </a:bodyPr>
+          <a:lstStyle>
+            <a:extLst/>
+          </a:lstStyle>
+          <a:p>
+            <a:pPr marL="0" indent="-283464" algn="l" rtl="0" eaLnBrk="1" latinLnBrk="0" hangingPunct="1">
+              <a:lnSpc>
+                <a:spcPts val="3000"/>
+              </a:lnSpc>
+              <a:spcBef>
+                <a:spcPts val="600"/>
+              </a:spcBef>
+              <a:buClr>
+                <a:schemeClr val="accent1"/>
+              </a:buClr>
+              <a:buSzPct val="80000"/>
+              <a:buFont typeface="Wingdings 2"/>
+              <a:buNone/>
+            </a:pPr>
+            <a:endParaRPr kumimoji="0" lang="en-US" sz="3200" kern="1200">
+              <a:solidFill>
+                <a:schemeClr val="tx1"/>
+              </a:solidFill>
+              <a:latin typeface="+mn-lt"/>
+              <a:ea typeface="+mn-ea"/>
+              <a:cs typeface="+mn-cs"/>
+            </a:endParaRPr>
+          </a:p>
+        </p:txBody>
+      </p:sp>
+      <p:sp>
+        <p:nvSpPr>
+          <p:cNvPr id="3" name="Picture Placeholder 2"/>
+          <p:cNvSpPr>
+            <a:spLocks noGrp="1"/>
+          </p:cNvSpPr>
+          <p:nvPr>
+            <p:ph type="pic" idx="1"/>
+          </p:nvPr>
+        </p:nvSpPr>
+        <p:spPr>
+          <a:xfrm>
+            <a:off x="838200" y="1143003"/>
+            <a:ext cx="4419600" cy="3514531"/>
+          </a:xfrm>
+          <a:prstGeom prst="roundRect">
+            <a:avLst>
+              <a:gd name="adj" fmla="val 783"/>
+            </a:avLst>
+          </a:prstGeom>
+          <a:solidFill>
+            <a:schemeClr val="bg2"/>
+          </a:solidFill>
+          <a:ln w="127000">
+            <a:noFill/>
+            <a:miter lim="800000"/>
+          </a:ln>
+          <a:effectLst/>
+        </p:spPr>
+        <p:txBody>
+          <a:bodyPr lIns="91440" tIns="274320" anchor="t"/>
+          <a:lstStyle>
+            <a:lvl1pPr indent="0">
               <a:buNone/>
               <a:defRPr sz="3200"/>
             </a:lvl1pPr>
-            <a:lvl2pPr marL="457200" indent="0">
-              <a:buNone/>
-              <a:defRPr sz="2800"/>
-            </a:lvl2pPr>
-            <a:lvl3pPr marL="914400" indent="0">
-              <a:buNone/>
-              <a:defRPr sz="2400"/>
-            </a:lvl3pPr>
-            <a:lvl4pPr marL="1371600" indent="0">
-              <a:buNone/>
-              <a:defRPr sz="2000"/>
-            </a:lvl4pPr>
-            <a:lvl5pPr marL="1828800" indent="0">
-              <a:buNone/>
-              <a:defRPr sz="2000"/>
-            </a:lvl5pPr>
-            <a:lvl6pPr marL="2286000" indent="0">
-              <a:buNone/>
-              <a:defRPr sz="2000"/>
-            </a:lvl6pPr>
-            <a:lvl7pPr marL="2743200" indent="0">
-              <a:buNone/>
-              <a:defRPr sz="2000"/>
-            </a:lvl7pPr>
-            <a:lvl8pPr marL="3200400" indent="0">
-              <a:buNone/>
-              <a:defRPr sz="2000"/>
-            </a:lvl8pPr>
-            <a:lvl9pPr marL="3657600" indent="0">
-              <a:buNone/>
-              <a:defRPr sz="2000"/>
-            </a:lvl9pPr>
-          </a:lstStyle>
-          <a:p>
-            <a:endParaRPr lang="en-US"/>
+            <a:extLst/>
+          </a:lstStyle>
+          <a:p>
+            <a:pPr marL="0" algn="l" eaLnBrk="1" latinLnBrk="0" hangingPunct="1"/>
+            <a:r>
+              <a:rPr kumimoji="0" lang="en-US" smtClean="0"/>
+              <a:t>Click icon to add picture</a:t>
+            </a:r>
+            <a:endParaRPr kumimoji="0" lang="en-US" dirty="0"/>
+          </a:p>
+        </p:txBody>
+      </p:sp>
+      <p:sp>
+        <p:nvSpPr>
+          <p:cNvPr id="9" name="Flowchart: Process 8"/>
+          <p:cNvSpPr/>
+          <p:nvPr/>
+        </p:nvSpPr>
+        <p:spPr>
+          <a:xfrm rot="19468671">
+            <a:off x="396725" y="954341"/>
+            <a:ext cx="685800" cy="204310"/>
+          </a:xfrm>
+          <a:prstGeom prst="flowChartProcess">
+            <a:avLst/>
+          </a:prstGeom>
+          <a:solidFill>
+            <a:srgbClr val="FBFBFB">
+              <a:alpha val="45098"/>
+            </a:srgbClr>
+          </a:solidFill>
+          <a:ln w="6350" cap="rnd" cmpd="sng" algn="ctr">
+            <a:solidFill>
+              <a:srgbClr val="FFFFFF">
+                <a:alpha val="100000"/>
+              </a:srgbClr>
+            </a:solidFill>
+            <a:prstDash val="solid"/>
+          </a:ln>
+          <a:effectLst>
+            <a:outerShdw blurRad="25400" dist="25400" dir="3300000" sx="96000" sy="96000" algn="tl" rotWithShape="0">
+              <a:schemeClr val="bg2">
+                <a:shade val="90000"/>
+                <a:satMod val="200000"/>
+                <a:alpha val="40000"/>
+              </a:schemeClr>
+            </a:outerShdw>
+          </a:effectLst>
+        </p:spPr>
+        <p:style>
+          <a:lnRef idx="3">
+            <a:schemeClr val="lt1"/>
+          </a:lnRef>
+          <a:fillRef idx="1">
+            <a:schemeClr val="accent1"/>
+          </a:fillRef>
+          <a:effectRef idx="1">
+            <a:schemeClr val="accent1"/>
+          </a:effectRef>
+          <a:fontRef idx="minor">
+            <a:schemeClr val="lt1"/>
+          </a:fontRef>
+        </p:style>
+        <p:txBody>
+          <a:bodyPr anchor="ctr"/>
+          <a:lstStyle>
+            <a:extLst/>
+          </a:lstStyle>
+          <a:p>
+            <a:pPr algn="ctr" eaLnBrk="1" latinLnBrk="0" hangingPunct="1"/>
+            <a:endParaRPr kumimoji="0" lang="en-US"/>
+          </a:p>
+        </p:txBody>
+      </p:sp>
+      <p:sp>
+        <p:nvSpPr>
+          <p:cNvPr id="10" name="Flowchart: Process 9"/>
+          <p:cNvSpPr/>
+          <p:nvPr/>
+        </p:nvSpPr>
+        <p:spPr>
+          <a:xfrm rot="2103354" flipH="1">
+            <a:off x="5003667" y="936786"/>
+            <a:ext cx="649224" cy="204310"/>
+          </a:xfrm>
+          <a:prstGeom prst="flowChartProcess">
+            <a:avLst/>
+          </a:prstGeom>
+          <a:solidFill>
+            <a:srgbClr val="FBFBFB">
+              <a:alpha val="45098"/>
+            </a:srgbClr>
+          </a:solidFill>
+          <a:ln w="6350" cap="rnd" cmpd="sng" algn="ctr">
+            <a:solidFill>
+              <a:srgbClr val="FFFFFF">
+                <a:alpha val="100000"/>
+              </a:srgbClr>
+            </a:solidFill>
+            <a:prstDash val="solid"/>
+          </a:ln>
+          <a:effectLst>
+            <a:outerShdw blurRad="25400" dist="25400" dir="3300000" sx="96000" sy="96000" algn="tl" rotWithShape="0">
+              <a:schemeClr val="bg2">
+                <a:alpha val="20000"/>
+              </a:schemeClr>
+            </a:outerShdw>
+          </a:effectLst>
+        </p:spPr>
+        <p:style>
+          <a:lnRef idx="3">
+            <a:schemeClr val="lt1"/>
+          </a:lnRef>
+          <a:fillRef idx="1">
+            <a:schemeClr val="accent1"/>
+          </a:fillRef>
+          <a:effectRef idx="1">
+            <a:schemeClr val="accent1"/>
+          </a:effectRef>
+          <a:fontRef idx="minor">
+            <a:schemeClr val="lt1"/>
+          </a:fontRef>
+        </p:style>
+        <p:txBody>
+          <a:bodyPr anchor="ctr"/>
+          <a:lstStyle>
+            <a:extLst/>
+          </a:lstStyle>
+          <a:p>
+            <a:pPr algn="ctr" eaLnBrk="1" latinLnBrk="0" hangingPunct="1"/>
+            <a:endParaRPr kumimoji="0" lang="en-US" dirty="0"/>
           </a:p>
         </p:txBody>
       </p:sp>
@@ -2400,121 +3377,47 @@
         </p:nvSpPr>
         <p:spPr>
           <a:xfrm>
-            <a:off x="1792288" y="5367338"/>
-            <a:ext cx="5486400" cy="804862"/>
+            <a:off x="838200" y="4800600"/>
+            <a:ext cx="4419600" cy="762000"/>
           </a:xfrm>
         </p:spPr>
         <p:txBody>
-          <a:bodyPr/>
-          <a:lstStyle>
-            <a:lvl1pPr marL="0" indent="0">
+          <a:bodyPr anchor="ctr"/>
+          <a:lstStyle>
+            <a:lvl1pPr marL="0" indent="0" algn="l">
+              <a:lnSpc>
+                <a:spcPts val="1600"/>
+              </a:lnSpc>
+              <a:spcBef>
+                <a:spcPts val="0"/>
+              </a:spcBef>
               <a:buNone/>
-              <a:defRPr sz="1400"/>
+              <a:defRPr sz="1400">
+                <a:solidFill>
+                  <a:srgbClr val="777777"/>
+                </a:solidFill>
+              </a:defRPr>
             </a:lvl1pPr>
-            <a:lvl2pPr marL="457200" indent="0">
-              <a:buNone/>
+            <a:lvl2pPr>
               <a:defRPr sz="1200"/>
             </a:lvl2pPr>
-            <a:lvl3pPr marL="914400" indent="0">
-              <a:buNone/>
+            <a:lvl3pPr>
               <a:defRPr sz="1000"/>
             </a:lvl3pPr>
-            <a:lvl4pPr marL="1371600" indent="0">
-              <a:buNone/>
+            <a:lvl4pPr>
               <a:defRPr sz="900"/>
             </a:lvl4pPr>
-            <a:lvl5pPr marL="1828800" indent="0">
-              <a:buNone/>
+            <a:lvl5pPr>
               <a:defRPr sz="900"/>
             </a:lvl5pPr>
-            <a:lvl6pPr marL="2286000" indent="0">
-              <a:buNone/>
-              <a:defRPr sz="900"/>
-            </a:lvl6pPr>
-            <a:lvl7pPr marL="2743200" indent="0">
-              <a:buNone/>
-              <a:defRPr sz="900"/>
-            </a:lvl7pPr>
-            <a:lvl8pPr marL="3200400" indent="0">
-              <a:buNone/>
-              <a:defRPr sz="900"/>
-            </a:lvl8pPr>
-            <a:lvl9pPr marL="3657600" indent="0">
-              <a:buNone/>
-              <a:defRPr sz="900"/>
-            </a:lvl9pPr>
-          </a:lstStyle>
-          <a:p>
-            <a:pPr lvl="0"/>
-            <a:r>
-              <a:rPr lang="en-US" smtClean="0"/>
+            <a:extLst/>
+          </a:lstStyle>
+          <a:p>
+            <a:pPr lvl="0" eaLnBrk="1" latinLnBrk="0" hangingPunct="1"/>
+            <a:r>
+              <a:rPr kumimoji="0" lang="en-US" smtClean="0"/>
               <a:t>Click to edit Master text styles</a:t>
             </a:r>
-          </a:p>
-        </p:txBody>
-      </p:sp>
-      <p:sp>
-        <p:nvSpPr>
-          <p:cNvPr id="5" name="Date Placeholder 4"/>
-          <p:cNvSpPr>
-            <a:spLocks noGrp="1"/>
-          </p:cNvSpPr>
-          <p:nvPr>
-            <p:ph type="dt" sz="half" idx="10"/>
-          </p:nvPr>
-        </p:nvSpPr>
-        <p:spPr/>
-        <p:txBody>
-          <a:bodyPr/>
-          <a:lstStyle/>
-          <a:p>
-            <a:fld id="{C0EF84CA-B1B6-4021-B8F3-4E3EC0A0C821}" type="datetimeFigureOut">
-              <a:rPr lang="en-US" smtClean="0"/>
-              <a:t>3/4/2009</a:t>
-            </a:fld>
-            <a:endParaRPr lang="en-US"/>
-          </a:p>
-        </p:txBody>
-      </p:sp>
-      <p:sp>
-        <p:nvSpPr>
-          <p:cNvPr id="6" name="Footer Placeholder 5"/>
-          <p:cNvSpPr>
-            <a:spLocks noGrp="1"/>
-          </p:cNvSpPr>
-          <p:nvPr>
-            <p:ph type="ftr" sz="quarter" idx="11"/>
-          </p:nvPr>
-        </p:nvSpPr>
-        <p:spPr/>
-        <p:txBody>
-          <a:bodyPr/>
-          <a:lstStyle/>
-          <a:p>
-            <a:endParaRPr lang="en-US"/>
-          </a:p>
-        </p:txBody>
-      </p:sp>
-      <p:sp>
-        <p:nvSpPr>
-          <p:cNvPr id="7" name="Slide Number Placeholder 6"/>
-          <p:cNvSpPr>
-            <a:spLocks noGrp="1"/>
-          </p:cNvSpPr>
-          <p:nvPr>
-            <p:ph type="sldNum" sz="quarter" idx="12"/>
-          </p:nvPr>
-        </p:nvSpPr>
-        <p:spPr/>
-        <p:txBody>
-          <a:bodyPr/>
-          <a:lstStyle/>
-          <a:p>
-            <a:fld id="{CDBD292F-AC1C-46E5-AB85-7D14E9F2F8D3}" type="slidenum">
-              <a:rPr lang="en-US" smtClean="0"/>
-              <a:t>‹#›</a:t>
-            </a:fld>
-            <a:endParaRPr lang="en-US"/>
           </a:p>
         </p:txBody>
       </p:sp>
@@ -2530,8 +3433,8 @@
 <p:sldMaster xmlns:a="http://schemas.openxmlformats.org/drawingml/2006/main" xmlns:r="http://schemas.openxmlformats.org/officeDocument/2006/relationships" xmlns:p="http://schemas.openxmlformats.org/presentationml/2006/main">
   <p:cSld>
     <p:bg>
-      <p:bgRef idx="1001">
-        <a:schemeClr val="bg1"/>
+      <p:bgRef idx="1003">
+        <a:schemeClr val="bg2"/>
       </p:bgRef>
     </p:bg>
     <p:spTree>
@@ -2550,40 +3453,303 @@
       </p:grpSpPr>
       <p:sp>
         <p:nvSpPr>
-          <p:cNvPr id="2" name="Title Placeholder 1"/>
-          <p:cNvSpPr>
-            <a:spLocks noGrp="1"/>
-          </p:cNvSpPr>
-          <p:nvPr>
-            <p:ph type="title"/>
-          </p:nvPr>
+          <p:cNvPr id="7" name="Pie 6"/>
+          <p:cNvSpPr/>
+          <p:nvPr/>
         </p:nvSpPr>
         <p:spPr>
           <a:xfrm>
-            <a:off x="457200" y="274638"/>
-            <a:ext cx="8229600" cy="1143000"/>
+            <a:off x="-815927" y="-815922"/>
+            <a:ext cx="1638887" cy="1638887"/>
+          </a:xfrm>
+          <a:prstGeom prst="pie">
+            <a:avLst>
+              <a:gd name="adj1" fmla="val 0"/>
+              <a:gd name="adj2" fmla="val 5402120"/>
+            </a:avLst>
+          </a:prstGeom>
+          <a:solidFill>
+            <a:schemeClr val="bg2">
+              <a:tint val="18000"/>
+              <a:satMod val="220000"/>
+              <a:alpha val="33000"/>
+            </a:schemeClr>
+          </a:solidFill>
+          <a:ln w="3175" cap="rnd" cmpd="sng" algn="ctr">
+            <a:solidFill>
+              <a:schemeClr val="bg2">
+                <a:shade val="70000"/>
+                <a:satMod val="200000"/>
+                <a:alpha val="100000"/>
+              </a:schemeClr>
+            </a:solidFill>
+            <a:prstDash val="solid"/>
+          </a:ln>
+          <a:effectLst/>
+        </p:spPr>
+        <p:style>
+          <a:lnRef idx="3">
+            <a:schemeClr val="lt1"/>
+          </a:lnRef>
+          <a:fillRef idx="1">
+            <a:schemeClr val="accent1"/>
+          </a:fillRef>
+          <a:effectRef idx="1">
+            <a:schemeClr val="accent1"/>
+          </a:effectRef>
+          <a:fontRef idx="minor">
+            <a:schemeClr val="lt1"/>
+          </a:fontRef>
+        </p:style>
+        <p:txBody>
+          <a:bodyPr anchor="ctr"/>
+          <a:lstStyle>
+            <a:extLst/>
+          </a:lstStyle>
+          <a:p>
+            <a:pPr algn="ctr" eaLnBrk="1" latinLnBrk="0" hangingPunct="1"/>
+            <a:endParaRPr kumimoji="0" lang="en-US"/>
+          </a:p>
+        </p:txBody>
+      </p:sp>
+      <p:sp>
+        <p:nvSpPr>
+          <p:cNvPr id="8" name="Oval 7"/>
+          <p:cNvSpPr/>
+          <p:nvPr/>
+        </p:nvSpPr>
+        <p:spPr>
+          <a:xfrm>
+            <a:off x="168816" y="21102"/>
+            <a:ext cx="1702191" cy="1702191"/>
+          </a:xfrm>
+          <a:prstGeom prst="ellipse">
+            <a:avLst/>
+          </a:prstGeom>
+          <a:noFill/>
+          <a:ln w="27305" cap="rnd" cmpd="sng" algn="ctr">
+            <a:solidFill>
+              <a:schemeClr val="bg2">
+                <a:tint val="45000"/>
+                <a:satMod val="325000"/>
+                <a:alpha val="100000"/>
+              </a:schemeClr>
+            </a:solidFill>
+            <a:prstDash val="solid"/>
+          </a:ln>
+          <a:effectLst>
+            <a:outerShdw blurRad="25400" dist="25400" dir="5400000" algn="tl" rotWithShape="0">
+              <a:schemeClr val="bg2">
+                <a:shade val="50000"/>
+                <a:satMod val="150000"/>
+                <a:alpha val="85000"/>
+              </a:schemeClr>
+            </a:outerShdw>
+          </a:effectLst>
+        </p:spPr>
+        <p:style>
+          <a:lnRef idx="3">
+            <a:schemeClr val="lt1"/>
+          </a:lnRef>
+          <a:fillRef idx="1">
+            <a:schemeClr val="accent1"/>
+          </a:fillRef>
+          <a:effectRef idx="1">
+            <a:schemeClr val="accent1"/>
+          </a:effectRef>
+          <a:fontRef idx="minor">
+            <a:schemeClr val="lt1"/>
+          </a:fontRef>
+        </p:style>
+        <p:txBody>
+          <a:bodyPr anchor="ctr"/>
+          <a:lstStyle>
+            <a:extLst/>
+          </a:lstStyle>
+          <a:p>
+            <a:pPr algn="ctr" eaLnBrk="1" latinLnBrk="0" hangingPunct="1"/>
+            <a:endParaRPr kumimoji="0" lang="en-US"/>
+          </a:p>
+        </p:txBody>
+      </p:sp>
+      <p:sp>
+        <p:nvSpPr>
+          <p:cNvPr id="11" name="Donut 10"/>
+          <p:cNvSpPr/>
+          <p:nvPr/>
+        </p:nvSpPr>
+        <p:spPr>
+          <a:xfrm rot="2315675">
+            <a:off x="182881" y="1055077"/>
+            <a:ext cx="1125717" cy="1102624"/>
+          </a:xfrm>
+          <a:prstGeom prst="donut">
+            <a:avLst>
+              <a:gd name="adj" fmla="val 11833"/>
+            </a:avLst>
+          </a:prstGeom>
+          <a:gradFill rotWithShape="1">
+            <a:gsLst>
+              <a:gs pos="0">
+                <a:schemeClr val="bg2">
+                  <a:tint val="10000"/>
+                  <a:shade val="99000"/>
+                  <a:satMod val="355000"/>
+                  <a:alpha val="70000"/>
+                </a:schemeClr>
+              </a:gs>
+              <a:gs pos="70000">
+                <a:schemeClr val="bg2">
+                  <a:tint val="6000"/>
+                  <a:shade val="100000"/>
+                  <a:satMod val="400000"/>
+                  <a:alpha val="55000"/>
+                </a:schemeClr>
+              </a:gs>
+              <a:gs pos="100000">
+                <a:schemeClr val="bg2">
+                  <a:tint val="100000"/>
+                  <a:shade val="75000"/>
+                  <a:satMod val="370000"/>
+                  <a:alpha val="60000"/>
+                </a:schemeClr>
+              </a:gs>
+            </a:gsLst>
+            <a:path path="circle">
+              <a:fillToRect l="-407500" t="-50000" r="507500" b="150000"/>
+            </a:path>
+          </a:gradFill>
+          <a:ln w="7350" cap="rnd" cmpd="sng" algn="ctr">
+            <a:solidFill>
+              <a:schemeClr val="bg2">
+                <a:shade val="60000"/>
+                <a:satMod val="220000"/>
+                <a:alpha val="100000"/>
+              </a:schemeClr>
+            </a:solidFill>
+            <a:prstDash val="solid"/>
+          </a:ln>
+          <a:effectLst>
+            <a:outerShdw blurRad="12700" dist="15000" dir="4500000" algn="tl" rotWithShape="0">
+              <a:schemeClr val="bg2">
+                <a:shade val="10000"/>
+                <a:satMod val="200000"/>
+                <a:alpha val="35000"/>
+              </a:schemeClr>
+            </a:outerShdw>
+          </a:effectLst>
+        </p:spPr>
+        <p:style>
+          <a:lnRef idx="3">
+            <a:schemeClr val="lt1"/>
+          </a:lnRef>
+          <a:fillRef idx="1">
+            <a:schemeClr val="accent1"/>
+          </a:fillRef>
+          <a:effectRef idx="1">
+            <a:schemeClr val="accent1"/>
+          </a:effectRef>
+          <a:fontRef idx="minor">
+            <a:schemeClr val="lt1"/>
+          </a:fontRef>
+        </p:style>
+        <p:txBody>
+          <a:bodyPr anchor="ctr"/>
+          <a:lstStyle>
+            <a:extLst/>
+          </a:lstStyle>
+          <a:p>
+            <a:pPr algn="ctr" eaLnBrk="1" latinLnBrk="0" hangingPunct="1"/>
+            <a:endParaRPr kumimoji="0" lang="en-US"/>
+          </a:p>
+        </p:txBody>
+      </p:sp>
+      <p:sp>
+        <p:nvSpPr>
+          <p:cNvPr id="12" name="Rectangle 11"/>
+          <p:cNvSpPr/>
+          <p:nvPr/>
+        </p:nvSpPr>
+        <p:spPr>
+          <a:xfrm>
+            <a:off x="1012873" y="-54"/>
+            <a:ext cx="8131127" cy="6858054"/>
+          </a:xfrm>
+          <a:prstGeom prst="rect">
+            <a:avLst/>
+          </a:prstGeom>
+          <a:solidFill>
+            <a:schemeClr val="bg1"/>
+          </a:solidFill>
+          <a:ln w="25400" cap="rnd" cmpd="sng" algn="ctr">
+            <a:noFill/>
+            <a:prstDash val="solid"/>
+          </a:ln>
+          <a:effectLst/>
+        </p:spPr>
+        <p:style>
+          <a:lnRef idx="3">
+            <a:schemeClr val="lt1"/>
+          </a:lnRef>
+          <a:fillRef idx="1">
+            <a:schemeClr val="accent1"/>
+          </a:fillRef>
+          <a:effectRef idx="1">
+            <a:schemeClr val="accent1"/>
+          </a:effectRef>
+          <a:fontRef idx="minor">
+            <a:schemeClr val="lt1"/>
+          </a:fontRef>
+        </p:style>
+        <p:txBody>
+          <a:bodyPr anchor="ctr"/>
+          <a:lstStyle>
+            <a:extLst/>
+          </a:lstStyle>
+          <a:p>
+            <a:pPr algn="ctr" eaLnBrk="1" latinLnBrk="0" hangingPunct="1"/>
+            <a:endParaRPr kumimoji="0" lang="en-US"/>
+          </a:p>
+        </p:txBody>
+      </p:sp>
+      <p:sp>
+        <p:nvSpPr>
+          <p:cNvPr id="5" name="Title Placeholder 4"/>
+          <p:cNvSpPr>
+            <a:spLocks noGrp="1"/>
+          </p:cNvSpPr>
+          <p:nvPr>
+            <p:ph type="title"/>
+          </p:nvPr>
+        </p:nvSpPr>
+        <p:spPr>
+          <a:xfrm>
+            <a:off x="1435608" y="274638"/>
+            <a:ext cx="7498080" cy="1143000"/>
           </a:xfrm>
           <a:prstGeom prst="rect">
             <a:avLst/>
           </a:prstGeom>
         </p:spPr>
         <p:txBody>
-          <a:bodyPr vert="horz" lIns="91440" tIns="45720" rIns="91440" bIns="45720" rtlCol="0" anchor="ctr">
+          <a:bodyPr anchor="ctr">
             <a:normAutofit/>
           </a:bodyPr>
-          <a:lstStyle/>
-          <a:p>
-            <a:r>
-              <a:rPr lang="en-US" smtClean="0"/>
+          <a:lstStyle>
+            <a:extLst/>
+          </a:lstStyle>
+          <a:p>
+            <a:r>
+              <a:rPr kumimoji="0" lang="en-US" smtClean="0"/>
               <a:t>Click to edit Master title style</a:t>
             </a:r>
-            <a:endParaRPr lang="en-US"/>
-          </a:p>
-        </p:txBody>
-      </p:sp>
-      <p:sp>
-        <p:nvSpPr>
-          <p:cNvPr id="3" name="Text Placeholder 2"/>
+            <a:endParaRPr kumimoji="0" lang="en-US"/>
+          </a:p>
+        </p:txBody>
+      </p:sp>
+      <p:sp>
+        <p:nvSpPr>
+          <p:cNvPr id="9" name="Text Placeholder 8"/>
           <p:cNvSpPr>
             <a:spLocks noGrp="1"/>
           </p:cNvSpPr>
@@ -2593,59 +3759,61 @@
         </p:nvSpPr>
         <p:spPr>
           <a:xfrm>
-            <a:off x="457200" y="1600200"/>
-            <a:ext cx="8229600" cy="4525963"/>
+            <a:off x="1435608" y="1447800"/>
+            <a:ext cx="7498080" cy="4800600"/>
           </a:xfrm>
           <a:prstGeom prst="rect">
             <a:avLst/>
           </a:prstGeom>
         </p:spPr>
         <p:txBody>
-          <a:bodyPr vert="horz" lIns="91440" tIns="45720" rIns="91440" bIns="45720" rtlCol="0">
+          <a:bodyPr>
             <a:normAutofit/>
           </a:bodyPr>
-          <a:lstStyle/>
-          <a:p>
-            <a:pPr lvl="0"/>
-            <a:r>
-              <a:rPr lang="en-US" smtClean="0"/>
+          <a:lstStyle>
+            <a:extLst/>
+          </a:lstStyle>
+          <a:p>
+            <a:pPr lvl="0" eaLnBrk="1" latinLnBrk="0" hangingPunct="1"/>
+            <a:r>
+              <a:rPr kumimoji="0" lang="en-US" smtClean="0"/>
               <a:t>Click to edit Master text styles</a:t>
             </a:r>
           </a:p>
           <a:p>
-            <a:pPr lvl="1"/>
-            <a:r>
-              <a:rPr lang="en-US" smtClean="0"/>
+            <a:pPr lvl="1" eaLnBrk="1" latinLnBrk="0" hangingPunct="1"/>
+            <a:r>
+              <a:rPr kumimoji="0" lang="en-US" smtClean="0"/>
               <a:t>Second level</a:t>
             </a:r>
           </a:p>
           <a:p>
-            <a:pPr lvl="2"/>
-            <a:r>
-              <a:rPr lang="en-US" smtClean="0"/>
+            <a:pPr lvl="2" eaLnBrk="1" latinLnBrk="0" hangingPunct="1"/>
+            <a:r>
+              <a:rPr kumimoji="0" lang="en-US" smtClean="0"/>
               <a:t>Third level</a:t>
             </a:r>
           </a:p>
           <a:p>
-            <a:pPr lvl="3"/>
-            <a:r>
-              <a:rPr lang="en-US" smtClean="0"/>
+            <a:pPr lvl="3" eaLnBrk="1" latinLnBrk="0" hangingPunct="1"/>
+            <a:r>
+              <a:rPr kumimoji="0" lang="en-US" smtClean="0"/>
               <a:t>Fourth level</a:t>
             </a:r>
           </a:p>
           <a:p>
-            <a:pPr lvl="4"/>
-            <a:r>
-              <a:rPr lang="en-US" smtClean="0"/>
+            <a:pPr lvl="4" eaLnBrk="1" latinLnBrk="0" hangingPunct="1"/>
+            <a:r>
+              <a:rPr kumimoji="0" lang="en-US" smtClean="0"/>
               <a:t>Fifth level</a:t>
             </a:r>
-            <a:endParaRPr lang="en-US"/>
-          </a:p>
-        </p:txBody>
-      </p:sp>
-      <p:sp>
-        <p:nvSpPr>
-          <p:cNvPr id="4" name="Date Placeholder 3"/>
+            <a:endParaRPr kumimoji="0" lang="en-US"/>
+          </a:p>
+        </p:txBody>
+      </p:sp>
+      <p:sp>
+        <p:nvSpPr>
+          <p:cNvPr id="24" name="Date Placeholder 23"/>
           <p:cNvSpPr>
             <a:spLocks noGrp="1"/>
           </p:cNvSpPr>
@@ -2655,30 +3823,33 @@
         </p:nvSpPr>
         <p:spPr>
           <a:xfrm>
-            <a:off x="457200" y="6356350"/>
-            <a:ext cx="2133600" cy="365125"/>
+            <a:off x="3581400" y="6305550"/>
+            <a:ext cx="2133600" cy="476250"/>
           </a:xfrm>
           <a:prstGeom prst="rect">
             <a:avLst/>
           </a:prstGeom>
         </p:spPr>
         <p:txBody>
-          <a:bodyPr vert="horz" lIns="91440" tIns="45720" rIns="91440" bIns="45720" rtlCol="0" anchor="ctr"/>
-          <a:lstStyle>
-            <a:lvl1pPr algn="l">
-              <a:defRPr sz="1200">
+          <a:bodyPr anchor="b"/>
+          <a:lstStyle>
+            <a:lvl1pPr algn="r" eaLnBrk="1" latinLnBrk="0" hangingPunct="1">
+              <a:defRPr kumimoji="0" sz="1200">
                 <a:solidFill>
-                  <a:schemeClr val="tx1">
-                    <a:tint val="75000"/>
+                  <a:schemeClr val="bg2">
+                    <a:shade val="50000"/>
+                    <a:satMod val="200000"/>
                   </a:schemeClr>
                 </a:solidFill>
               </a:defRPr>
             </a:lvl1pPr>
+            <a:extLst/>
           </a:lstStyle>
           <a:p>
             <a:fld id="{C0EF84CA-B1B6-4021-B8F3-4E3EC0A0C821}" type="datetimeFigureOut">
               <a:rPr lang="en-US" smtClean="0"/>
-              <a:t>3/4/2009</a:t>
+              <a:pPr/>
+              <a:t>3/5/2009</a:t>
             </a:fld>
             <a:endParaRPr lang="en-US"/>
           </a:p>
@@ -2686,7 +3857,7 @@
       </p:sp>
       <p:sp>
         <p:nvSpPr>
-          <p:cNvPr id="5" name="Footer Placeholder 4"/>
+          <p:cNvPr id="10" name="Footer Placeholder 9"/>
           <p:cNvSpPr>
             <a:spLocks noGrp="1"/>
           </p:cNvSpPr>
@@ -2696,25 +3867,28 @@
         </p:nvSpPr>
         <p:spPr>
           <a:xfrm>
-            <a:off x="3124200" y="6356350"/>
-            <a:ext cx="2895600" cy="365125"/>
+            <a:off x="5715000" y="6305550"/>
+            <a:ext cx="2895600" cy="476250"/>
           </a:xfrm>
           <a:prstGeom prst="rect">
             <a:avLst/>
           </a:prstGeom>
         </p:spPr>
         <p:txBody>
-          <a:bodyPr vert="horz" lIns="91440" tIns="45720" rIns="91440" bIns="45720" rtlCol="0" anchor="ctr"/>
-          <a:lstStyle>
-            <a:lvl1pPr algn="ctr">
-              <a:defRPr sz="1200">
+          <a:bodyPr anchor="b"/>
+          <a:lstStyle>
+            <a:lvl1pPr eaLnBrk="1" latinLnBrk="0" hangingPunct="1">
+              <a:defRPr kumimoji="0" sz="1200">
                 <a:solidFill>
-                  <a:schemeClr val="tx1">
-                    <a:tint val="75000"/>
+                  <a:schemeClr val="bg2">
+                    <a:shade val="50000"/>
+                    <a:satMod val="200000"/>
                   </a:schemeClr>
                 </a:solidFill>
+                <a:effectLst/>
               </a:defRPr>
             </a:lvl1pPr>
+            <a:extLst/>
           </a:lstStyle>
           <a:p>
             <a:endParaRPr lang="en-US"/>
@@ -2723,7 +3897,7 @@
       </p:sp>
       <p:sp>
         <p:nvSpPr>
-          <p:cNvPr id="6" name="Slide Number Placeholder 5"/>
+          <p:cNvPr id="22" name="Slide Number Placeholder 21"/>
           <p:cNvSpPr>
             <a:spLocks noGrp="1"/>
           </p:cNvSpPr>
@@ -2733,32 +3907,92 @@
         </p:nvSpPr>
         <p:spPr>
           <a:xfrm>
-            <a:off x="6553200" y="6356350"/>
-            <a:ext cx="2133600" cy="365125"/>
+            <a:off x="8613648" y="6305550"/>
+            <a:ext cx="457200" cy="476250"/>
           </a:xfrm>
           <a:prstGeom prst="rect">
             <a:avLst/>
           </a:prstGeom>
         </p:spPr>
         <p:txBody>
-          <a:bodyPr vert="horz" lIns="91440" tIns="45720" rIns="91440" bIns="45720" rtlCol="0" anchor="ctr"/>
-          <a:lstStyle>
-            <a:lvl1pPr algn="r">
-              <a:defRPr sz="1200">
+          <a:bodyPr anchor="b"/>
+          <a:lstStyle>
+            <a:lvl1pPr algn="ctr" eaLnBrk="1" latinLnBrk="0" hangingPunct="1">
+              <a:defRPr kumimoji="0" sz="1200">
                 <a:solidFill>
-                  <a:schemeClr val="tx1">
-                    <a:tint val="75000"/>
+                  <a:schemeClr val="bg2">
+                    <a:shade val="50000"/>
+                    <a:satMod val="200000"/>
                   </a:schemeClr>
                 </a:solidFill>
+                <a:effectLst/>
               </a:defRPr>
             </a:lvl1pPr>
+            <a:extLst/>
           </a:lstStyle>
           <a:p>
             <a:fld id="{CDBD292F-AC1C-46E5-AB85-7D14E9F2F8D3}" type="slidenum">
               <a:rPr lang="en-US" smtClean="0"/>
+              <a:pPr/>
               <a:t>‹#›</a:t>
             </a:fld>
             <a:endParaRPr lang="en-US"/>
+          </a:p>
+        </p:txBody>
+      </p:sp>
+      <p:sp>
+        <p:nvSpPr>
+          <p:cNvPr id="15" name="Rectangle 14"/>
+          <p:cNvSpPr/>
+          <p:nvPr/>
+        </p:nvSpPr>
+        <p:spPr bwMode="invGray">
+          <a:xfrm>
+            <a:off x="1014984" y="-54"/>
+            <a:ext cx="73152" cy="6858054"/>
+          </a:xfrm>
+          <a:prstGeom prst="rect">
+            <a:avLst/>
+          </a:prstGeom>
+          <a:solidFill>
+            <a:schemeClr val="bg1"/>
+          </a:solidFill>
+          <a:ln w="25400" cap="rnd" cmpd="sng" algn="ctr">
+            <a:noFill/>
+            <a:prstDash val="solid"/>
+          </a:ln>
+          <a:effectLst>
+            <a:outerShdw blurRad="38550" dist="38000" dir="10800000" algn="tl" rotWithShape="0">
+              <a:schemeClr val="bg2">
+                <a:shade val="20000"/>
+                <a:satMod val="110000"/>
+                <a:alpha val="25000"/>
+              </a:schemeClr>
+            </a:outerShdw>
+          </a:effectLst>
+        </p:spPr>
+        <p:style>
+          <a:lnRef idx="3">
+            <a:schemeClr val="lt1"/>
+          </a:lnRef>
+          <a:fillRef idx="1">
+            <a:schemeClr val="accent1"/>
+          </a:fillRef>
+          <a:effectRef idx="1">
+            <a:schemeClr val="accent1"/>
+          </a:effectRef>
+          <a:fontRef idx="minor">
+            <a:schemeClr val="lt1"/>
+          </a:fontRef>
+        </p:style>
+        <p:txBody>
+          <a:bodyPr anchor="ctr"/>
+          <a:lstStyle>
+            <a:extLst/>
+          </a:lstStyle>
+          <a:p>
+            <a:pPr algn="ctr" eaLnBrk="1" latinLnBrk="0" hangingPunct="1"/>
+            <a:endParaRPr kumimoji="0" lang="en-US"/>
           </a:p>
         </p:txBody>
       </p:sp>
@@ -2766,43 +4000,60 @@
   </p:cSld>
   <p:clrMap bg1="lt1" tx1="dk1" bg2="lt2" tx2="dk2" accent1="accent1" accent2="accent2" accent3="accent3" accent4="accent4" accent5="accent5" accent6="accent6" hlink="hlink" folHlink="folHlink"/>
   <p:sldLayoutIdLst>
-    <p:sldLayoutId id="2147483649" r:id="rId1"/>
-    <p:sldLayoutId id="2147483650" r:id="rId2"/>
-    <p:sldLayoutId id="2147483651" r:id="rId3"/>
-    <p:sldLayoutId id="2147483652" r:id="rId4"/>
-    <p:sldLayoutId id="2147483653" r:id="rId5"/>
-    <p:sldLayoutId id="2147483654" r:id="rId6"/>
-    <p:sldLayoutId id="2147483655" r:id="rId7"/>
-    <p:sldLayoutId id="2147483656" r:id="rId8"/>
-    <p:sldLayoutId id="2147483657" r:id="rId9"/>
-    <p:sldLayoutId id="2147483658" r:id="rId10"/>
-    <p:sldLayoutId id="2147483659" r:id="rId11"/>
+    <p:sldLayoutId id="2147483661" r:id="rId1"/>
+    <p:sldLayoutId id="2147483662" r:id="rId2"/>
+    <p:sldLayoutId id="2147483663" r:id="rId3"/>
+    <p:sldLayoutId id="2147483664" r:id="rId4"/>
+    <p:sldLayoutId id="2147483665" r:id="rId5"/>
+    <p:sldLayoutId id="2147483666" r:id="rId6"/>
+    <p:sldLayoutId id="2147483667" r:id="rId7"/>
+    <p:sldLayoutId id="2147483668" r:id="rId8"/>
+    <p:sldLayoutId id="2147483669" r:id="rId9"/>
+    <p:sldLayoutId id="2147483670" r:id="rId10"/>
+    <p:sldLayoutId id="2147483671" r:id="rId11"/>
   </p:sldLayoutIdLst>
   <p:txStyles>
     <p:titleStyle>
-      <a:lvl1pPr algn="ctr" defTabSz="914400" rtl="0" eaLnBrk="1" latinLnBrk="0" hangingPunct="1">
+      <a:lvl1pPr algn="l" rtl="0" eaLnBrk="1" latinLnBrk="0" hangingPunct="1">
         <a:spcBef>
           <a:spcPct val="0"/>
         </a:spcBef>
         <a:buNone/>
-        <a:defRPr sz="4400" kern="1200">
+        <a:defRPr kumimoji="0" sz="4300" kern="1200">
           <a:solidFill>
-            <a:schemeClr val="tx1"/>
+            <a:schemeClr val="tx2">
+              <a:satMod val="130000"/>
+            </a:schemeClr>
           </a:solidFill>
+          <a:effectLst>
+            <a:outerShdw blurRad="50000" dist="30000" dir="5400000" algn="tl" rotWithShape="0">
+              <a:srgbClr val="000000">
+                <a:alpha val="30000"/>
+              </a:srgbClr>
+            </a:outerShdw>
+          </a:effectLst>
           <a:latin typeface="+mj-lt"/>
           <a:ea typeface="+mj-ea"/>
           <a:cs typeface="+mj-cs"/>
         </a:defRPr>
       </a:lvl1pPr>
+      <a:extLst/>
     </p:titleStyle>
     <p:bodyStyle>
-      <a:lvl1pPr marL="342900" indent="-342900" algn="l" defTabSz="914400" rtl="0" eaLnBrk="1" latinLnBrk="0" hangingPunct="1">
+      <a:lvl1pPr marL="365760" indent="-283464" algn="l" rtl="0" eaLnBrk="1" latinLnBrk="0" hangingPunct="1">
+        <a:lnSpc>
+          <a:spcPct val="100000"/>
+        </a:lnSpc>
         <a:spcBef>
-          <a:spcPct val="20000"/>
+          <a:spcPts val="600"/>
         </a:spcBef>
-        <a:buFont typeface="Arial" pitchFamily="34" charset="0"/>
-        <a:buChar char="•"/>
-        <a:defRPr sz="3200" kern="1200">
+        <a:buClr>
+          <a:schemeClr val="accent1"/>
+        </a:buClr>
+        <a:buSzPct val="80000"/>
+        <a:buFont typeface="Wingdings 2"/>
+        <a:buChar char=""/>
+        <a:defRPr kumimoji="0" sz="3200" kern="1200">
           <a:solidFill>
             <a:schemeClr val="tx1"/>
           </a:solidFill>
@@ -2811,13 +4062,19 @@
           <a:cs typeface="+mn-cs"/>
         </a:defRPr>
       </a:lvl1pPr>
-      <a:lvl2pPr marL="742950" indent="-285750" algn="l" defTabSz="914400" rtl="0" eaLnBrk="1" latinLnBrk="0" hangingPunct="1">
+      <a:lvl2pPr marL="640080" indent="-237744" algn="l" rtl="0" eaLnBrk="1" latinLnBrk="0" hangingPunct="1">
+        <a:lnSpc>
+          <a:spcPct val="100000"/>
+        </a:lnSpc>
         <a:spcBef>
-          <a:spcPct val="20000"/>
+          <a:spcPts val="550"/>
         </a:spcBef>
-        <a:buFont typeface="Arial" pitchFamily="34" charset="0"/>
-        <a:buChar char="–"/>
-        <a:defRPr sz="2800" kern="1200">
+        <a:buClr>
+          <a:schemeClr val="accent1"/>
+        </a:buClr>
+        <a:buFont typeface="Verdana"/>
+        <a:buChar char="◦"/>
+        <a:defRPr kumimoji="0" sz="2800" kern="1200">
           <a:solidFill>
             <a:schemeClr val="tx1"/>
           </a:solidFill>
@@ -2826,13 +4083,19 @@
           <a:cs typeface="+mn-cs"/>
         </a:defRPr>
       </a:lvl2pPr>
-      <a:lvl3pPr marL="1143000" indent="-228600" algn="l" defTabSz="914400" rtl="0" eaLnBrk="1" latinLnBrk="0" hangingPunct="1">
+      <a:lvl3pPr marL="886968" indent="-228600" algn="l" rtl="0" eaLnBrk="1" latinLnBrk="0" hangingPunct="1">
+        <a:lnSpc>
+          <a:spcPct val="100000"/>
+        </a:lnSpc>
         <a:spcBef>
           <a:spcPct val="20000"/>
         </a:spcBef>
-        <a:buFont typeface="Arial" pitchFamily="34" charset="0"/>
-        <a:buChar char="•"/>
-        <a:defRPr sz="2400" kern="1200">
+        <a:buClr>
+          <a:schemeClr val="accent2"/>
+        </a:buClr>
+        <a:buFont typeface="Wingdings 2"/>
+        <a:buChar char=""/>
+        <a:defRPr kumimoji="0" sz="2400" kern="1200">
           <a:solidFill>
             <a:schemeClr val="tx1"/>
           </a:solidFill>
@@ -2841,13 +4104,19 @@
           <a:cs typeface="+mn-cs"/>
         </a:defRPr>
       </a:lvl3pPr>
-      <a:lvl4pPr marL="1600200" indent="-228600" algn="l" defTabSz="914400" rtl="0" eaLnBrk="1" latinLnBrk="0" hangingPunct="1">
+      <a:lvl4pPr marL="1097280" indent="-173736" algn="l" rtl="0" eaLnBrk="1" latinLnBrk="0" hangingPunct="1">
+        <a:lnSpc>
+          <a:spcPct val="100000"/>
+        </a:lnSpc>
         <a:spcBef>
           <a:spcPct val="20000"/>
         </a:spcBef>
-        <a:buFont typeface="Arial" pitchFamily="34" charset="0"/>
-        <a:buChar char="–"/>
-        <a:defRPr sz="2000" kern="1200">
+        <a:buClr>
+          <a:schemeClr val="accent3"/>
+        </a:buClr>
+        <a:buFont typeface="Wingdings 2"/>
+        <a:buChar char=""/>
+        <a:defRPr kumimoji="0" sz="2000" kern="1200">
           <a:solidFill>
             <a:schemeClr val="tx1"/>
           </a:solidFill>
@@ -2856,13 +4125,19 @@
           <a:cs typeface="+mn-cs"/>
         </a:defRPr>
       </a:lvl4pPr>
-      <a:lvl5pPr marL="2057400" indent="-228600" algn="l" defTabSz="914400" rtl="0" eaLnBrk="1" latinLnBrk="0" hangingPunct="1">
+      <a:lvl5pPr marL="1298448" indent="-182880" algn="l" rtl="0" eaLnBrk="1" latinLnBrk="0" hangingPunct="1">
+        <a:lnSpc>
+          <a:spcPct val="100000"/>
+        </a:lnSpc>
         <a:spcBef>
           <a:spcPct val="20000"/>
         </a:spcBef>
-        <a:buFont typeface="Arial" pitchFamily="34" charset="0"/>
-        <a:buChar char="»"/>
-        <a:defRPr sz="2000" kern="1200">
+        <a:buClr>
+          <a:schemeClr val="accent4"/>
+        </a:buClr>
+        <a:buFont typeface="Wingdings 2"/>
+        <a:buChar char=""/>
+        <a:defRPr kumimoji="0" sz="2000" kern="1200">
           <a:solidFill>
             <a:schemeClr val="tx1"/>
           </a:solidFill>
@@ -2871,13 +4146,19 @@
           <a:cs typeface="+mn-cs"/>
         </a:defRPr>
       </a:lvl5pPr>
-      <a:lvl6pPr marL="2514600" indent="-228600" algn="l" defTabSz="914400" rtl="0" eaLnBrk="1" latinLnBrk="0" hangingPunct="1">
+      <a:lvl6pPr marL="1508760" indent="-182880" algn="l" rtl="0" eaLnBrk="1" latinLnBrk="0" hangingPunct="1">
+        <a:lnSpc>
+          <a:spcPct val="100000"/>
+        </a:lnSpc>
         <a:spcBef>
           <a:spcPct val="20000"/>
         </a:spcBef>
-        <a:buFont typeface="Arial" pitchFamily="34" charset="0"/>
-        <a:buChar char="•"/>
-        <a:defRPr sz="2000" kern="1200">
+        <a:buClr>
+          <a:schemeClr val="accent5"/>
+        </a:buClr>
+        <a:buFont typeface="Wingdings 2"/>
+        <a:buChar char=""/>
+        <a:defRPr kumimoji="0" sz="2000" kern="1200">
           <a:solidFill>
             <a:schemeClr val="tx1"/>
           </a:solidFill>
@@ -2886,13 +4167,19 @@
           <a:cs typeface="+mn-cs"/>
         </a:defRPr>
       </a:lvl6pPr>
-      <a:lvl7pPr marL="2971800" indent="-228600" algn="l" defTabSz="914400" rtl="0" eaLnBrk="1" latinLnBrk="0" hangingPunct="1">
+      <a:lvl7pPr marL="1719072" indent="-182880" algn="l" rtl="0" eaLnBrk="1" latinLnBrk="0" hangingPunct="1">
+        <a:lnSpc>
+          <a:spcPct val="100000"/>
+        </a:lnSpc>
         <a:spcBef>
           <a:spcPct val="20000"/>
         </a:spcBef>
-        <a:buFont typeface="Arial" pitchFamily="34" charset="0"/>
-        <a:buChar char="•"/>
-        <a:defRPr sz="2000" kern="1200">
+        <a:buClr>
+          <a:schemeClr val="accent6"/>
+        </a:buClr>
+        <a:buFont typeface="Wingdings 2"/>
+        <a:buChar char=""/>
+        <a:defRPr kumimoji="0" sz="2000" kern="1200">
           <a:solidFill>
             <a:schemeClr val="tx1"/>
           </a:solidFill>
@@ -2901,13 +4188,19 @@
           <a:cs typeface="+mn-cs"/>
         </a:defRPr>
       </a:lvl7pPr>
-      <a:lvl8pPr marL="3429000" indent="-228600" algn="l" defTabSz="914400" rtl="0" eaLnBrk="1" latinLnBrk="0" hangingPunct="1">
+      <a:lvl8pPr marL="1920240" indent="-182880" algn="l" rtl="0" eaLnBrk="1" latinLnBrk="0" hangingPunct="1">
+        <a:lnSpc>
+          <a:spcPct val="100000"/>
+        </a:lnSpc>
         <a:spcBef>
           <a:spcPct val="20000"/>
         </a:spcBef>
-        <a:buFont typeface="Arial" pitchFamily="34" charset="0"/>
-        <a:buChar char="•"/>
-        <a:defRPr sz="2000" kern="1200">
+        <a:buClr>
+          <a:schemeClr val="accent6"/>
+        </a:buClr>
+        <a:buFont typeface="Wingdings 2"/>
+        <a:buChar char=""/>
+        <a:defRPr kumimoji="0" sz="2000" kern="1200">
           <a:solidFill>
             <a:schemeClr val="tx1"/>
           </a:solidFill>
@@ -2916,13 +4209,19 @@
           <a:cs typeface="+mn-cs"/>
         </a:defRPr>
       </a:lvl8pPr>
-      <a:lvl9pPr marL="3886200" indent="-228600" algn="l" defTabSz="914400" rtl="0" eaLnBrk="1" latinLnBrk="0" hangingPunct="1">
+      <a:lvl9pPr marL="2130552" indent="-182880" algn="l" rtl="0" eaLnBrk="1" latinLnBrk="0" hangingPunct="1">
+        <a:lnSpc>
+          <a:spcPct val="100000"/>
+        </a:lnSpc>
         <a:spcBef>
           <a:spcPct val="20000"/>
         </a:spcBef>
-        <a:buFont typeface="Arial" pitchFamily="34" charset="0"/>
-        <a:buChar char="•"/>
-        <a:defRPr sz="2000" kern="1200">
+        <a:buClr>
+          <a:schemeClr val="accent6"/>
+        </a:buClr>
+        <a:buFont typeface="Wingdings 2"/>
+        <a:buChar char=""/>
+        <a:defRPr kumimoji="0" sz="2000" kern="1200">
           <a:solidFill>
             <a:schemeClr val="tx1"/>
           </a:solidFill>
@@ -2931,13 +4230,11 @@
           <a:cs typeface="+mn-cs"/>
         </a:defRPr>
       </a:lvl9pPr>
+      <a:extLst/>
     </p:bodyStyle>
     <p:otherStyle>
-      <a:defPPr>
-        <a:defRPr lang="en-US"/>
-      </a:defPPr>
-      <a:lvl1pPr marL="0" algn="l" defTabSz="914400" rtl="0" eaLnBrk="1" latinLnBrk="0" hangingPunct="1">
-        <a:defRPr sz="1800" kern="1200">
+      <a:lvl1pPr marL="0" algn="l" rtl="0" eaLnBrk="1" latinLnBrk="0" hangingPunct="1">
+        <a:defRPr kumimoji="0" kern="1200">
           <a:solidFill>
             <a:schemeClr val="tx1"/>
           </a:solidFill>
@@ -2946,8 +4243,8 @@
           <a:cs typeface="+mn-cs"/>
         </a:defRPr>
       </a:lvl1pPr>
-      <a:lvl2pPr marL="457200" algn="l" defTabSz="914400" rtl="0" eaLnBrk="1" latinLnBrk="0" hangingPunct="1">
-        <a:defRPr sz="1800" kern="1200">
+      <a:lvl2pPr marL="457200" algn="l" rtl="0" eaLnBrk="1" latinLnBrk="0" hangingPunct="1">
+        <a:defRPr kumimoji="0" kern="1200">
           <a:solidFill>
             <a:schemeClr val="tx1"/>
           </a:solidFill>
@@ -2956,8 +4253,8 @@
           <a:cs typeface="+mn-cs"/>
         </a:defRPr>
       </a:lvl2pPr>
-      <a:lvl3pPr marL="914400" algn="l" defTabSz="914400" rtl="0" eaLnBrk="1" latinLnBrk="0" hangingPunct="1">
-        <a:defRPr sz="1800" kern="1200">
+      <a:lvl3pPr marL="914400" algn="l" rtl="0" eaLnBrk="1" latinLnBrk="0" hangingPunct="1">
+        <a:defRPr kumimoji="0" kern="1200">
           <a:solidFill>
             <a:schemeClr val="tx1"/>
           </a:solidFill>
@@ -2966,8 +4263,8 @@
           <a:cs typeface="+mn-cs"/>
         </a:defRPr>
       </a:lvl3pPr>
-      <a:lvl4pPr marL="1371600" algn="l" defTabSz="914400" rtl="0" eaLnBrk="1" latinLnBrk="0" hangingPunct="1">
-        <a:defRPr sz="1800" kern="1200">
+      <a:lvl4pPr marL="1371600" algn="l" rtl="0" eaLnBrk="1" latinLnBrk="0" hangingPunct="1">
+        <a:defRPr kumimoji="0" kern="1200">
           <a:solidFill>
             <a:schemeClr val="tx1"/>
           </a:solidFill>
@@ -2976,8 +4273,8 @@
           <a:cs typeface="+mn-cs"/>
         </a:defRPr>
       </a:lvl4pPr>
-      <a:lvl5pPr marL="1828800" algn="l" defTabSz="914400" rtl="0" eaLnBrk="1" latinLnBrk="0" hangingPunct="1">
-        <a:defRPr sz="1800" kern="1200">
+      <a:lvl5pPr marL="1828800" algn="l" rtl="0" eaLnBrk="1" latinLnBrk="0" hangingPunct="1">
+        <a:defRPr kumimoji="0" kern="1200">
           <a:solidFill>
             <a:schemeClr val="tx1"/>
           </a:solidFill>
@@ -2986,8 +4283,8 @@
           <a:cs typeface="+mn-cs"/>
         </a:defRPr>
       </a:lvl5pPr>
-      <a:lvl6pPr marL="2286000" algn="l" defTabSz="914400" rtl="0" eaLnBrk="1" latinLnBrk="0" hangingPunct="1">
-        <a:defRPr sz="1800" kern="1200">
+      <a:lvl6pPr marL="2286000" algn="l" rtl="0" eaLnBrk="1" latinLnBrk="0" hangingPunct="1">
+        <a:defRPr kumimoji="0" kern="1200">
           <a:solidFill>
             <a:schemeClr val="tx1"/>
           </a:solidFill>
@@ -2996,8 +4293,8 @@
           <a:cs typeface="+mn-cs"/>
         </a:defRPr>
       </a:lvl6pPr>
-      <a:lvl7pPr marL="2743200" algn="l" defTabSz="914400" rtl="0" eaLnBrk="1" latinLnBrk="0" hangingPunct="1">
-        <a:defRPr sz="1800" kern="1200">
+      <a:lvl7pPr marL="2743200" algn="l" rtl="0" eaLnBrk="1" latinLnBrk="0" hangingPunct="1">
+        <a:defRPr kumimoji="0" kern="1200">
           <a:solidFill>
             <a:schemeClr val="tx1"/>
           </a:solidFill>
@@ -3006,8 +4303,8 @@
           <a:cs typeface="+mn-cs"/>
         </a:defRPr>
       </a:lvl7pPr>
-      <a:lvl8pPr marL="3200400" algn="l" defTabSz="914400" rtl="0" eaLnBrk="1" latinLnBrk="0" hangingPunct="1">
-        <a:defRPr sz="1800" kern="1200">
+      <a:lvl8pPr marL="3200400" algn="l" rtl="0" eaLnBrk="1" latinLnBrk="0" hangingPunct="1">
+        <a:defRPr kumimoji="0" kern="1200">
           <a:solidFill>
             <a:schemeClr val="tx1"/>
           </a:solidFill>
@@ -3016,8 +4313,8 @@
           <a:cs typeface="+mn-cs"/>
         </a:defRPr>
       </a:lvl8pPr>
-      <a:lvl9pPr marL="3657600" algn="l" defTabSz="914400" rtl="0" eaLnBrk="1" latinLnBrk="0" hangingPunct="1">
-        <a:defRPr sz="1800" kern="1200">
+      <a:lvl9pPr marL="3657600" algn="l" rtl="0" eaLnBrk="1" latinLnBrk="0" hangingPunct="1">
+        <a:defRPr kumimoji="0" kern="1200">
           <a:solidFill>
             <a:schemeClr val="tx1"/>
           </a:solidFill>
@@ -3026,6 +4323,7 @@
           <a:cs typeface="+mn-cs"/>
         </a:defRPr>
       </a:lvl9pPr>
+      <a:extLst/>
     </p:otherStyle>
   </p:txStyles>
 </p:sldMaster>
@@ -3158,8 +4456,12 @@
           <a:lstStyle/>
           <a:p>
             <a:r>
-              <a:rPr lang="en-US" dirty="0" smtClean="0"/>
-              <a:t>thoughts from a gamer</a:t>
+              <a:rPr lang="en-US" dirty="0" err="1" smtClean="0"/>
+              <a:t>tierra</a:t>
+            </a:r>
+            <a:r>
+              <a:rPr lang="en-US" dirty="0" smtClean="0"/>
+              <a:t> analysis</a:t>
             </a:r>
             <a:endParaRPr lang="en-US" dirty="0"/>
           </a:p>
@@ -3183,59 +4485,40 @@
           <a:lstStyle/>
           <a:p>
             <a:r>
-              <a:rPr lang="en-US" sz="1800" dirty="0" err="1" smtClean="0"/>
-              <a:t>Corewars</a:t>
-            </a:r>
-            <a:r>
-              <a:rPr lang="en-US" sz="1800" dirty="0" smtClean="0"/>
-              <a:t> has rock-paper-scissors </a:t>
-            </a:r>
-            <a:r>
-              <a:rPr lang="en-US" sz="1800" dirty="0" err="1" smtClean="0"/>
-              <a:t>gameplay</a:t>
-            </a:r>
-            <a:r>
-              <a:rPr lang="en-US" sz="1800" dirty="0" smtClean="0"/>
-              <a:t>; every warrior-program has a counter-program that beats it</a:t>
-            </a:r>
-          </a:p>
-          <a:p>
-            <a:endParaRPr lang="en-US" sz="1800" dirty="0" smtClean="0"/>
-          </a:p>
-          <a:p>
-            <a:r>
-              <a:rPr lang="en-US" sz="1800" dirty="0" smtClean="0"/>
-              <a:t>Time-tested common knowledge: In mostly-fair RTS games, the *best* strategy is to create heterogeneous groups</a:t>
-            </a:r>
-          </a:p>
-          <a:p>
-            <a:endParaRPr lang="en-US" sz="1800" dirty="0"/>
-          </a:p>
-          <a:p>
-            <a:r>
-              <a:rPr lang="en-US" sz="1800" dirty="0" smtClean="0"/>
-              <a:t>We see in Tierra, others, that small stupid parasites are the most successful</a:t>
-            </a:r>
-          </a:p>
-          <a:p>
-            <a:endParaRPr lang="en-US" sz="1800" dirty="0"/>
-          </a:p>
-          <a:p>
-            <a:r>
-              <a:rPr lang="en-US" sz="1800" dirty="0" smtClean="0"/>
-              <a:t>Yet these have counters, the counters have counters, etc</a:t>
-            </a:r>
-            <a:endParaRPr lang="en-US" sz="1800" dirty="0"/>
-          </a:p>
-          <a:p>
-            <a:endParaRPr lang="en-US" sz="1800" dirty="0" smtClean="0"/>
-          </a:p>
-          <a:p>
-            <a:r>
-              <a:rPr lang="en-US" sz="1800" dirty="0" smtClean="0"/>
-              <a:t>Let’s apply gaming wisdom</a:t>
-            </a:r>
-            <a:endParaRPr lang="en-US" sz="1800" dirty="0"/>
+              <a:rPr lang="en-US" dirty="0" err="1" smtClean="0"/>
+              <a:t>Russel</a:t>
+            </a:r>
+            <a:r>
+              <a:rPr lang="en-US" dirty="0" smtClean="0"/>
+              <a:t> K Standish made an attempt to calculate information-theoretic complexity of Tierra “creatures”</a:t>
+            </a:r>
+          </a:p>
+          <a:p>
+            <a:r>
+              <a:rPr lang="en-US" dirty="0" smtClean="0"/>
+              <a:t>Method: Phenotype matching, coding theory</a:t>
+            </a:r>
+          </a:p>
+          <a:p>
+            <a:r>
+              <a:rPr lang="en-US" dirty="0" smtClean="0"/>
+              <a:t>Standish Verdict</a:t>
+            </a:r>
+          </a:p>
+          <a:p>
+            <a:pPr lvl="1"/>
+            <a:r>
+              <a:rPr lang="en-US" dirty="0" smtClean="0"/>
+              <a:t>Not open-ended</a:t>
+            </a:r>
+          </a:p>
+          <a:p>
+            <a:pPr lvl="1"/>
+            <a:r>
+              <a:rPr lang="en-US" dirty="0" smtClean="0"/>
+              <a:t>Cool but ultimately needs improvement before it can be a proof-by-construction</a:t>
+            </a:r>
+            <a:endParaRPr lang="en-US" dirty="0" smtClean="0"/>
           </a:p>
         </p:txBody>
       </p:sp>
@@ -3281,7 +4564,7 @@
           <a:p>
             <a:r>
               <a:rPr lang="en-US" dirty="0" smtClean="0"/>
-              <a:t>...</a:t>
+              <a:t>analysis of the analysis</a:t>
             </a:r>
             <a:endParaRPr lang="en-US" dirty="0"/>
           </a:p>
@@ -3300,13 +4583,27 @@
         <p:spPr/>
         <p:txBody>
           <a:bodyPr>
-            <a:normAutofit/>
+            <a:normAutofit fontScale="55000" lnSpcReduction="20000"/>
           </a:bodyPr>
           <a:lstStyle/>
           <a:p>
             <a:r>
               <a:rPr lang="en-US" dirty="0" smtClean="0"/>
-              <a:t>Claim: The only overwhelmingly probably way for complex life-forms to evolve is by symbiosis of lesser life-forms.</a:t>
+              <a:t>The phenotypes were calculated by engaging *every* new program with every other known program</a:t>
+            </a:r>
+          </a:p>
+          <a:p>
+            <a:pPr lvl="1"/>
+            <a:r>
+              <a:rPr lang="en-US" dirty="0" smtClean="0"/>
+              <a:t>Thorough, but stupendously computationally prohibitive</a:t>
+            </a:r>
+          </a:p>
+          <a:p>
+            <a:pPr lvl="1"/>
+            <a:r>
+              <a:rPr lang="en-US" dirty="0" smtClean="0"/>
+              <a:t>Too divisive; need a better way to determine if “mostly similar” </a:t>
             </a:r>
           </a:p>
           <a:p>
@@ -3315,12 +4612,61 @@
           <a:p>
             <a:r>
               <a:rPr lang="en-US" dirty="0" smtClean="0"/>
-              <a:t>Corollary claim: Complex life is inseparable from symbiosis.</a:t>
-            </a:r>
+              <a:t>We need a more implicit way to calculate the complexity in the system at any given point</a:t>
+            </a:r>
+          </a:p>
+          <a:p>
+            <a:pPr lvl="1"/>
+            <a:r>
+              <a:rPr lang="en-US" dirty="0" smtClean="0"/>
+              <a:t>Introduce the concept of energy into the simulation?</a:t>
+            </a:r>
+          </a:p>
+          <a:p>
+            <a:pPr lvl="1"/>
+            <a:r>
+              <a:rPr lang="en-US" dirty="0" smtClean="0"/>
+              <a:t>The echo model may provide guidance here</a:t>
+            </a:r>
+          </a:p>
+          <a:p>
             <a:endParaRPr lang="en-US" dirty="0" smtClean="0"/>
           </a:p>
           <a:p>
-            <a:endParaRPr lang="en-US" dirty="0"/>
+            <a:r>
+              <a:rPr lang="en-US" dirty="0" smtClean="0"/>
+              <a:t>Can’t easily account for the digital analogue of symbiotically-driven, multi-cellular organisms</a:t>
+            </a:r>
+          </a:p>
+          <a:p>
+            <a:pPr lvl="1"/>
+            <a:r>
+              <a:rPr lang="en-US" dirty="0" smtClean="0"/>
+              <a:t>Especially considering the more novel kinds of symbiosis that can occur</a:t>
+            </a:r>
+          </a:p>
+          <a:p>
+            <a:pPr lvl="1"/>
+            <a:r>
+              <a:rPr lang="en-US" dirty="0" smtClean="0"/>
+              <a:t>Especially considering the more novel kinds of symbiosis which, according to our understanding of evolution, were necessary for our existence</a:t>
+            </a:r>
+          </a:p>
+          <a:p>
+            <a:pPr lvl="1">
+              <a:buNone/>
+            </a:pPr>
+            <a:endParaRPr lang="en-US" dirty="0" smtClean="0"/>
+          </a:p>
+          <a:p>
+            <a:r>
+              <a:rPr lang="en-US" dirty="0" smtClean="0"/>
+              <a:t>The whole experiment is very, very slow</a:t>
+            </a:r>
+          </a:p>
+          <a:p>
+            <a:pPr lvl="1"/>
+            <a:endParaRPr lang="en-US" dirty="0" smtClean="0"/>
           </a:p>
         </p:txBody>
       </p:sp>
@@ -3361,14 +4707,12 @@
         </p:nvSpPr>
         <p:spPr/>
         <p:txBody>
-          <a:bodyPr>
-            <a:normAutofit/>
-          </a:bodyPr>
+          <a:bodyPr/>
           <a:lstStyle/>
           <a:p>
             <a:r>
               <a:rPr lang="en-US" dirty="0" smtClean="0"/>
-              <a:t>How RTS Competition Evolves</a:t>
+              <a:t>analysis of the analysis continued</a:t>
             </a:r>
             <a:endParaRPr lang="en-US" dirty="0"/>
           </a:p>
@@ -3386,90 +4730,27 @@
         </p:nvSpPr>
         <p:spPr/>
         <p:txBody>
-          <a:bodyPr>
-            <a:normAutofit fontScale="70000" lnSpcReduction="20000"/>
-          </a:bodyPr>
+          <a:bodyPr/>
           <a:lstStyle/>
           <a:p>
-            <a:pPr marL="514350" indent="-514350">
-              <a:buFont typeface="+mj-lt"/>
-              <a:buAutoNum type="arabicPeriod"/>
-            </a:pPr>
-            <a:r>
-              <a:rPr lang="en-US" dirty="0" smtClean="0"/>
-              <a:t>Players find the strengths and weaknesses of small homogenous masses – perfected quickly</a:t>
-            </a:r>
-            <a:endParaRPr lang="en-US" dirty="0" smtClean="0"/>
-          </a:p>
-          <a:p>
-            <a:pPr marL="514350" indent="-514350">
-              <a:buFont typeface="+mj-lt"/>
-              <a:buAutoNum type="arabicPeriod"/>
-            </a:pPr>
-            <a:endParaRPr lang="en-US" dirty="0" smtClean="0"/>
-          </a:p>
-          <a:p>
-            <a:pPr marL="514350" indent="-514350">
-              <a:buFont typeface="+mj-lt"/>
-              <a:buAutoNum type="arabicPeriod"/>
-            </a:pPr>
-            <a:r>
-              <a:rPr lang="en-US" dirty="0" smtClean="0"/>
-              <a:t>Players discover/create mixed groups to beat homogeneous groups – perfected in the medium term</a:t>
-            </a:r>
-          </a:p>
-          <a:p>
-            <a:pPr marL="514350" indent="-514350">
-              <a:buFont typeface="+mj-lt"/>
-              <a:buAutoNum type="arabicPeriod"/>
-            </a:pPr>
-            <a:endParaRPr lang="en-US" dirty="0" smtClean="0"/>
-          </a:p>
-          <a:p>
-            <a:pPr marL="514350" indent="-514350">
-              <a:buFont typeface="+mj-lt"/>
-              <a:buAutoNum type="arabicPeriod"/>
-            </a:pPr>
-            <a:r>
-              <a:rPr lang="en-US" dirty="0" smtClean="0"/>
-              <a:t>Players find weaknesses of larger mixed groups against each other, and how those groups should change – this takes a long time. </a:t>
-            </a:r>
-            <a:r>
-              <a:rPr lang="en-US" dirty="0" smtClean="0"/>
-              <a:t>Never perfected, but good enough to win.</a:t>
-            </a:r>
-            <a:endParaRPr lang="en-US" dirty="0" smtClean="0"/>
-          </a:p>
-          <a:p>
-            <a:pPr marL="514350" indent="-514350">
-              <a:buFont typeface="+mj-lt"/>
-              <a:buAutoNum type="arabicPeriod"/>
-            </a:pPr>
-            <a:endParaRPr lang="en-US" dirty="0" smtClean="0"/>
-          </a:p>
-          <a:p>
-            <a:pPr marL="514350" indent="-514350">
-              <a:buFont typeface="+mj-lt"/>
-              <a:buAutoNum type="arabicPeriod"/>
-            </a:pPr>
-            <a:r>
-              <a:rPr lang="en-US" dirty="0" smtClean="0"/>
-              <a:t>Over long periods of time in good games, optimal strategies are discovered (probably near the theoretical limit) and overall advancement slows to a halt.</a:t>
-            </a:r>
-          </a:p>
-          <a:p>
-            <a:pPr marL="514350" indent="-514350">
-              <a:buFont typeface="+mj-lt"/>
-              <a:buAutoNum type="arabicPeriod"/>
-            </a:pPr>
-            <a:endParaRPr lang="en-US" dirty="0" smtClean="0"/>
-          </a:p>
-          <a:p>
-            <a:pPr marL="514350" indent="-514350">
-              <a:buFont typeface="+mj-lt"/>
-              <a:buAutoNum type="arabicPeriod"/>
-            </a:pPr>
-            <a:endParaRPr lang="en-US" dirty="0"/>
+            <a:r>
+              <a:rPr lang="en-US" dirty="0" smtClean="0"/>
+              <a:t>No local influence constraints</a:t>
+            </a:r>
+          </a:p>
+          <a:p>
+            <a:pPr lvl="1"/>
+            <a:r>
+              <a:rPr lang="en-US" dirty="0" smtClean="0"/>
+              <a:t>Programs can be scattered across the whole memory space, or address any arbitrary space</a:t>
+            </a:r>
+          </a:p>
+          <a:p>
+            <a:pPr lvl="1"/>
+            <a:r>
+              <a:rPr lang="en-US" dirty="0" smtClean="0"/>
+              <a:t>Distributed optimization algorithms hate this</a:t>
+            </a:r>
           </a:p>
         </p:txBody>
       </p:sp>
@@ -3515,7 +4796,7 @@
           <a:p>
             <a:r>
               <a:rPr lang="en-US" dirty="0" smtClean="0"/>
-              <a:t>Meta-Gaming</a:t>
+              <a:t>why this matters</a:t>
             </a:r>
             <a:endParaRPr lang="en-US" dirty="0"/>
           </a:p>
@@ -3534,35 +4815,70 @@
         <p:spPr/>
         <p:txBody>
           <a:bodyPr>
-            <a:normAutofit fontScale="92500" lnSpcReduction="10000"/>
+            <a:normAutofit/>
           </a:bodyPr>
           <a:lstStyle/>
           <a:p>
             <a:r>
               <a:rPr lang="en-US" dirty="0" smtClean="0"/>
-              <a:t>Players automatically create hierarchies, modules, groups, rules – all without realizing it</a:t>
+              <a:t>Life </a:t>
+            </a:r>
+            <a:r>
+              <a:rPr lang="en-US" dirty="0" smtClean="0"/>
+              <a:t>is an arms race</a:t>
+            </a:r>
+          </a:p>
+          <a:p>
+            <a:r>
+              <a:rPr lang="en-US" dirty="0" smtClean="0"/>
+              <a:t>Life is a game</a:t>
+            </a:r>
+          </a:p>
+          <a:p>
+            <a:r>
+              <a:rPr lang="en-US" dirty="0" smtClean="0"/>
+              <a:t>Simulate </a:t>
+            </a:r>
+            <a:r>
+              <a:rPr lang="en-US" dirty="0" smtClean="0"/>
+              <a:t>it, and well</a:t>
+            </a:r>
+          </a:p>
+          <a:p>
+            <a:r>
+              <a:rPr lang="en-US" dirty="0" smtClean="0"/>
+              <a:t>But more importantly, we have to understand what we’re simulating on all levels</a:t>
+            </a:r>
+          </a:p>
+          <a:p>
+            <a:r>
+              <a:rPr lang="en-US" dirty="0" smtClean="0"/>
+              <a:t>We also have to make sure we have a simulation worth studying</a:t>
+            </a:r>
+          </a:p>
+          <a:p>
+            <a:pPr lvl="1"/>
+            <a:r>
+              <a:rPr lang="en-US" dirty="0" smtClean="0"/>
+              <a:t>Mitochondria, </a:t>
+            </a:r>
+            <a:r>
+              <a:rPr lang="en-US" dirty="0" err="1" smtClean="0"/>
+              <a:t>e.coli</a:t>
+            </a:r>
+            <a:r>
+              <a:rPr lang="en-US" dirty="0" smtClean="0"/>
+              <a:t>, et al – symbiosis matters</a:t>
             </a:r>
           </a:p>
           <a:p>
             <a:endParaRPr lang="en-US" dirty="0" smtClean="0"/>
           </a:p>
           <a:p>
-            <a:r>
-              <a:rPr lang="en-US" dirty="0" smtClean="0"/>
-              <a:t>Play with friends, play with enemies, get better, build on known good strategies</a:t>
-            </a:r>
-          </a:p>
-          <a:p>
             <a:endParaRPr lang="en-US" dirty="0" smtClean="0"/>
           </a:p>
           <a:p>
-            <a:r>
-              <a:rPr lang="en-US" dirty="0" smtClean="0"/>
-              <a:t>It’s a meta-gaming arms race – evolution of a game’s known optimal strategy over its lifetime is extremely interesting</a:t>
-            </a:r>
-          </a:p>
-          <a:p>
-            <a:endParaRPr lang="en-US" dirty="0" smtClean="0"/>
+            <a:endParaRPr lang="en-US" dirty="0"/>
           </a:p>
         </p:txBody>
       </p:sp>
@@ -3608,7 +4924,7 @@
           <a:p>
             <a:r>
               <a:rPr lang="en-US" dirty="0" smtClean="0"/>
-              <a:t>why this matters</a:t>
+              <a:t>pie meet sky</a:t>
             </a:r>
             <a:endParaRPr lang="en-US" dirty="0"/>
           </a:p>
@@ -3622,6 +4938,219 @@
           </p:cNvSpPr>
           <p:nvPr>
             <p:ph idx="1"/>
+          </p:nvPr>
+        </p:nvSpPr>
+        <p:spPr/>
+        <p:txBody>
+          <a:bodyPr>
+            <a:normAutofit/>
+          </a:bodyPr>
+          <a:lstStyle/>
+          <a:p>
+            <a:r>
+              <a:rPr lang="en-US" dirty="0" smtClean="0"/>
+              <a:t>Claim: The only overwhelmingly </a:t>
+            </a:r>
+            <a:r>
+              <a:rPr lang="en-US" dirty="0" smtClean="0"/>
+              <a:t>probable way </a:t>
+            </a:r>
+            <a:r>
+              <a:rPr lang="en-US" dirty="0" smtClean="0"/>
+              <a:t>for complex life-forms to evolve is </a:t>
+            </a:r>
+            <a:r>
+              <a:rPr lang="en-US" dirty="0" smtClean="0"/>
+              <a:t>through  a </a:t>
+            </a:r>
+            <a:r>
+              <a:rPr lang="en-US" dirty="0" smtClean="0"/>
+              <a:t>symbiosis </a:t>
+            </a:r>
+            <a:r>
+              <a:rPr lang="en-US" dirty="0" smtClean="0"/>
+              <a:t>of lesser life-forms.</a:t>
+            </a:r>
+          </a:p>
+          <a:p>
+            <a:endParaRPr lang="en-US" dirty="0" smtClean="0"/>
+          </a:p>
+          <a:p>
+            <a:r>
+              <a:rPr lang="en-US" dirty="0" smtClean="0"/>
+              <a:t>Corollary: </a:t>
+            </a:r>
+            <a:r>
+              <a:rPr lang="en-US" dirty="0" smtClean="0"/>
+              <a:t>Complex life is inseparable from symbiosis.</a:t>
+            </a:r>
+          </a:p>
+          <a:p>
+            <a:endParaRPr lang="en-US" dirty="0"/>
+          </a:p>
+        </p:txBody>
+      </p:sp>
+    </p:spTree>
+  </p:cSld>
+  <p:clrMapOvr>
+    <a:masterClrMapping/>
+  </p:clrMapOvr>
+</p:sld>
+</file>
+
+<file path=ppt/slides/slide15.xml><?xml version="1.0" encoding="utf-8"?>
+<p:sld xmlns:a="http://schemas.openxmlformats.org/drawingml/2006/main" xmlns:r="http://schemas.openxmlformats.org/officeDocument/2006/relationships" xmlns:p="http://schemas.openxmlformats.org/presentationml/2006/main">
+  <p:cSld>
+    <p:spTree>
+      <p:nvGrpSpPr>
+        <p:cNvPr id="1" name=""/>
+        <p:cNvGrpSpPr/>
+        <p:nvPr/>
+      </p:nvGrpSpPr>
+      <p:grpSpPr>
+        <a:xfrm>
+          <a:off x="0" y="0"/>
+          <a:ext cx="0" cy="0"/>
+          <a:chOff x="0" y="0"/>
+          <a:chExt cx="0" cy="0"/>
+        </a:xfrm>
+      </p:grpSpPr>
+      <p:sp>
+        <p:nvSpPr>
+          <p:cNvPr id="2" name="Title 1"/>
+          <p:cNvSpPr>
+            <a:spLocks noGrp="1"/>
+          </p:cNvSpPr>
+          <p:nvPr>
+            <p:ph type="title"/>
+          </p:nvPr>
+        </p:nvSpPr>
+        <p:spPr/>
+        <p:txBody>
+          <a:bodyPr>
+            <a:normAutofit fontScale="90000"/>
+          </a:bodyPr>
+          <a:lstStyle/>
+          <a:p>
+            <a:r>
+              <a:rPr lang="en-US" dirty="0" smtClean="0"/>
+              <a:t>why this might make general sense (pie in the sky)</a:t>
+            </a:r>
+            <a:endParaRPr lang="en-US" dirty="0"/>
+          </a:p>
+        </p:txBody>
+      </p:sp>
+      <p:sp>
+        <p:nvSpPr>
+          <p:cNvPr id="3" name="Content Placeholder 2"/>
+          <p:cNvSpPr>
+            <a:spLocks noGrp="1"/>
+          </p:cNvSpPr>
+          <p:nvPr>
+            <p:ph idx="1"/>
+          </p:nvPr>
+        </p:nvSpPr>
+        <p:spPr/>
+        <p:txBody>
+          <a:bodyPr>
+            <a:normAutofit fontScale="85000" lnSpcReduction="20000"/>
+          </a:bodyPr>
+          <a:lstStyle/>
+          <a:p>
+            <a:r>
+              <a:rPr lang="en-US" dirty="0" smtClean="0"/>
+              <a:t>When unique agents co-evolve in a stable ecosystem, their advantages tend to cancel out in an R-P-S fashion</a:t>
+            </a:r>
+          </a:p>
+          <a:p>
+            <a:pPr lvl="1"/>
+            <a:r>
+              <a:rPr lang="en-US" dirty="0" smtClean="0"/>
+              <a:t>Suddenly they can </a:t>
+            </a:r>
+            <a:r>
+              <a:rPr lang="en-US" i="1" dirty="0" smtClean="0"/>
+              <a:t>survive</a:t>
+            </a:r>
+            <a:r>
+              <a:rPr lang="en-US" dirty="0" smtClean="0"/>
+              <a:t> without major modification, partially reducing selection pressure</a:t>
+            </a:r>
+          </a:p>
+          <a:p>
+            <a:r>
+              <a:rPr lang="en-US" dirty="0" smtClean="0"/>
+              <a:t>Agents by chance and experiment form heterogeneous groups with other organisms at their level of evolution and below it. </a:t>
+            </a:r>
+          </a:p>
+          <a:p>
+            <a:r>
+              <a:rPr lang="en-US" dirty="0" smtClean="0"/>
+              <a:t>Sometimes, perhaps rarely, </a:t>
+            </a:r>
+            <a:r>
+              <a:rPr lang="en-US" dirty="0" smtClean="0"/>
+              <a:t>a particular mixture </a:t>
+            </a:r>
+            <a:r>
+              <a:rPr lang="en-US" dirty="0" smtClean="0"/>
+              <a:t>yields a workable strategy for gaining a new </a:t>
+            </a:r>
+            <a:r>
+              <a:rPr lang="en-US" i="1" dirty="0" smtClean="0"/>
+              <a:t>advantage</a:t>
+            </a:r>
+            <a:r>
+              <a:rPr lang="en-US" dirty="0" smtClean="0"/>
+              <a:t> </a:t>
+            </a:r>
+          </a:p>
+          <a:p>
+            <a:pPr lvl="1"/>
+            <a:r>
+              <a:rPr lang="en-US" dirty="0" smtClean="0"/>
+              <a:t>But it should only need to happen once for it to persist in the system</a:t>
+            </a:r>
+            <a:endParaRPr lang="en-US" dirty="0" smtClean="0"/>
+          </a:p>
+          <a:p>
+            <a:endParaRPr lang="en-US" dirty="0"/>
+          </a:p>
+        </p:txBody>
+      </p:sp>
+    </p:spTree>
+  </p:cSld>
+  <p:clrMapOvr>
+    <a:masterClrMapping/>
+  </p:clrMapOvr>
+</p:sld>
+</file>
+
+<file path=ppt/slides/slide16.xml><?xml version="1.0" encoding="utf-8"?>
+<p:sld xmlns:a="http://schemas.openxmlformats.org/drawingml/2006/main" xmlns:r="http://schemas.openxmlformats.org/officeDocument/2006/relationships" xmlns:p="http://schemas.openxmlformats.org/presentationml/2006/main">
+  <p:cSld>
+    <p:spTree>
+      <p:nvGrpSpPr>
+        <p:cNvPr id="1" name=""/>
+        <p:cNvGrpSpPr/>
+        <p:nvPr/>
+      </p:nvGrpSpPr>
+      <p:grpSpPr>
+        <a:xfrm>
+          <a:off x="0" y="0"/>
+          <a:ext cx="0" cy="0"/>
+          <a:chOff x="0" y="0"/>
+          <a:chExt cx="0" cy="0"/>
+        </a:xfrm>
+      </p:grpSpPr>
+      <p:sp>
+        <p:nvSpPr>
+          <p:cNvPr id="2" name="Title 1"/>
+          <p:cNvSpPr>
+            <a:spLocks noGrp="1"/>
+          </p:cNvSpPr>
+          <p:nvPr>
+            <p:ph type="title"/>
           </p:nvPr>
         </p:nvSpPr>
         <p:spPr/>
@@ -3631,36 +5160,277 @@
           <a:p>
             <a:r>
               <a:rPr lang="en-US" dirty="0" smtClean="0"/>
-              <a:t>Mitochondria, immune systems, </a:t>
-            </a:r>
-            <a:r>
-              <a:rPr lang="en-US" dirty="0" err="1" smtClean="0"/>
-              <a:t>e.coli</a:t>
-            </a:r>
-            <a:r>
-              <a:rPr lang="en-US" dirty="0" smtClean="0"/>
-              <a:t>…</a:t>
-            </a:r>
-          </a:p>
-          <a:p>
-            <a:r>
-              <a:rPr lang="en-US" dirty="0" smtClean="0"/>
-              <a:t>Life is an arms race</a:t>
-            </a:r>
-          </a:p>
-          <a:p>
-            <a:r>
-              <a:rPr lang="en-US" dirty="0" smtClean="0"/>
-              <a:t>Life is a game</a:t>
-            </a:r>
-          </a:p>
-          <a:p>
-            <a:r>
-              <a:rPr lang="en-US" dirty="0" smtClean="0"/>
-              <a:t>Simulate it, understand it</a:t>
-            </a:r>
-          </a:p>
-          <a:p>
+              <a:t>meta-game</a:t>
+            </a:r>
+            <a:endParaRPr lang="en-US" dirty="0"/>
+          </a:p>
+        </p:txBody>
+      </p:sp>
+      <p:sp>
+        <p:nvSpPr>
+          <p:cNvPr id="3" name="Content Placeholder 2"/>
+          <p:cNvSpPr>
+            <a:spLocks noGrp="1"/>
+          </p:cNvSpPr>
+          <p:nvPr>
+            <p:ph idx="1"/>
+          </p:nvPr>
+        </p:nvSpPr>
+        <p:spPr/>
+        <p:txBody>
+          <a:bodyPr>
+            <a:normAutofit/>
+          </a:bodyPr>
+          <a:lstStyle/>
+          <a:p>
+            <a:r>
+              <a:rPr lang="en-US" dirty="0" smtClean="0"/>
+              <a:t>More interestingly, this evolution seems to </a:t>
+            </a:r>
+            <a:r>
+              <a:rPr lang="en-US" dirty="0" smtClean="0"/>
+              <a:t>correspond with </a:t>
+            </a:r>
+            <a:r>
+              <a:rPr lang="en-US" dirty="0" smtClean="0"/>
+              <a:t>the results </a:t>
+            </a:r>
+            <a:r>
+              <a:rPr lang="en-US" dirty="0" smtClean="0"/>
+              <a:t>that </a:t>
+            </a:r>
+            <a:r>
+              <a:rPr lang="en-US" dirty="0" smtClean="0"/>
+              <a:t>Echo produced with markets and other fun systems; namely, that very efficient (perhaps the most efficient) mechanisms arise from composed or symbiosis-backed metazoan agents of various complexities.</a:t>
+            </a:r>
+          </a:p>
+          <a:p>
+            <a:pPr lvl="1"/>
+            <a:r>
+              <a:rPr lang="en-US" dirty="0" smtClean="0"/>
+              <a:t>(</a:t>
+            </a:r>
+            <a:r>
+              <a:rPr lang="en-US" b="1" dirty="0" smtClean="0">
+                <a:hlinkClick r:id="rId2"/>
+              </a:rPr>
+              <a:t>http</a:t>
+            </a:r>
+            <a:r>
+              <a:rPr lang="en-US" b="1" dirty="0" smtClean="0">
+                <a:hlinkClick r:id="rId2"/>
+              </a:rPr>
+              <a:t>://</a:t>
+            </a:r>
+            <a:r>
+              <a:rPr lang="en-US" b="1" dirty="0" smtClean="0">
+                <a:hlinkClick r:id="rId2"/>
+              </a:rPr>
+              <a:t>tinyurl.com/bd4ney</a:t>
+            </a:r>
+            <a:r>
+              <a:rPr lang="en-US" dirty="0" smtClean="0"/>
+              <a:t>)</a:t>
+            </a:r>
+            <a:endParaRPr lang="en-US" dirty="0" smtClean="0"/>
+          </a:p>
+          <a:p>
+            <a:endParaRPr lang="en-US" dirty="0" smtClean="0"/>
+          </a:p>
+        </p:txBody>
+      </p:sp>
+    </p:spTree>
+  </p:cSld>
+  <p:clrMapOvr>
+    <a:masterClrMapping/>
+  </p:clrMapOvr>
+</p:sld>
+</file>
+
+<file path=ppt/slides/slide17.xml><?xml version="1.0" encoding="utf-8"?>
+<p:sld xmlns:a="http://schemas.openxmlformats.org/drawingml/2006/main" xmlns:r="http://schemas.openxmlformats.org/officeDocument/2006/relationships" xmlns:p="http://schemas.openxmlformats.org/presentationml/2006/main">
+  <p:cSld>
+    <p:spTree>
+      <p:nvGrpSpPr>
+        <p:cNvPr id="1" name=""/>
+        <p:cNvGrpSpPr/>
+        <p:nvPr/>
+      </p:nvGrpSpPr>
+      <p:grpSpPr>
+        <a:xfrm>
+          <a:off x="0" y="0"/>
+          <a:ext cx="0" cy="0"/>
+          <a:chOff x="0" y="0"/>
+          <a:chExt cx="0" cy="0"/>
+        </a:xfrm>
+      </p:grpSpPr>
+      <p:sp>
+        <p:nvSpPr>
+          <p:cNvPr id="2" name="Title 1"/>
+          <p:cNvSpPr>
+            <a:spLocks noGrp="1"/>
+          </p:cNvSpPr>
+          <p:nvPr>
+            <p:ph type="title"/>
+          </p:nvPr>
+        </p:nvSpPr>
+        <p:spPr/>
+        <p:txBody>
+          <a:bodyPr/>
+          <a:lstStyle/>
+          <a:p>
+            <a:r>
+              <a:rPr lang="en-US" dirty="0" smtClean="0"/>
+              <a:t>where this is going</a:t>
+            </a:r>
+            <a:endParaRPr lang="en-US" dirty="0"/>
+          </a:p>
+        </p:txBody>
+      </p:sp>
+      <p:sp>
+        <p:nvSpPr>
+          <p:cNvPr id="3" name="Content Placeholder 2"/>
+          <p:cNvSpPr>
+            <a:spLocks noGrp="1"/>
+          </p:cNvSpPr>
+          <p:nvPr>
+            <p:ph idx="1"/>
+          </p:nvPr>
+        </p:nvSpPr>
+        <p:spPr/>
+        <p:txBody>
+          <a:bodyPr>
+            <a:normAutofit fontScale="92500" lnSpcReduction="20000"/>
+          </a:bodyPr>
+          <a:lstStyle/>
+          <a:p>
+            <a:r>
+              <a:rPr lang="en-US" dirty="0" smtClean="0"/>
+              <a:t>Perhaps a proof-by-construction isn’t possible, but if we don’t try, we won’t know anytime soon</a:t>
+            </a:r>
+          </a:p>
+          <a:p>
+            <a:pPr lvl="1"/>
+            <a:r>
+              <a:rPr lang="en-US" dirty="0" smtClean="0"/>
+              <a:t>To prove +- without a proof by construction would need a theoretical breakthrough that does not seem to be on the horizon</a:t>
+            </a:r>
+          </a:p>
+          <a:p>
+            <a:pPr lvl="1"/>
+            <a:endParaRPr lang="en-US" dirty="0" smtClean="0"/>
+          </a:p>
+          <a:p>
+            <a:r>
+              <a:rPr lang="en-US" dirty="0" smtClean="0"/>
+              <a:t>We need raw power</a:t>
+            </a:r>
+          </a:p>
+          <a:p>
+            <a:pPr lvl="1"/>
+            <a:r>
+              <a:rPr lang="en-US" dirty="0" smtClean="0"/>
+              <a:t>The technology has been commoditized</a:t>
+            </a:r>
+          </a:p>
+          <a:p>
+            <a:pPr lvl="1"/>
+            <a:r>
+              <a:rPr lang="en-US" dirty="0" smtClean="0"/>
+              <a:t>See cloud computing, utility computing</a:t>
+            </a:r>
+          </a:p>
+          <a:p>
+            <a:pPr lvl="1"/>
+            <a:r>
+              <a:rPr lang="en-US" dirty="0" smtClean="0"/>
+              <a:t>We need locality of action, otherwise we shoot ourselves in the foot</a:t>
+            </a:r>
+          </a:p>
+          <a:p>
+            <a:pPr>
+              <a:buNone/>
+            </a:pPr>
+            <a:endParaRPr lang="en-US" dirty="0" smtClean="0"/>
+          </a:p>
+          <a:p>
+            <a:endParaRPr lang="en-US" dirty="0" smtClean="0"/>
+          </a:p>
+          <a:p>
+            <a:endParaRPr lang="en-US" dirty="0"/>
+          </a:p>
+        </p:txBody>
+      </p:sp>
+    </p:spTree>
+  </p:cSld>
+  <p:clrMapOvr>
+    <a:masterClrMapping/>
+  </p:clrMapOvr>
+</p:sld>
+</file>
+
+<file path=ppt/slides/slide18.xml><?xml version="1.0" encoding="utf-8"?>
+<p:sld xmlns:a="http://schemas.openxmlformats.org/drawingml/2006/main" xmlns:r="http://schemas.openxmlformats.org/officeDocument/2006/relationships" xmlns:p="http://schemas.openxmlformats.org/presentationml/2006/main">
+  <p:cSld>
+    <p:spTree>
+      <p:nvGrpSpPr>
+        <p:cNvPr id="1" name=""/>
+        <p:cNvGrpSpPr/>
+        <p:nvPr/>
+      </p:nvGrpSpPr>
+      <p:grpSpPr>
+        <a:xfrm>
+          <a:off x="0" y="0"/>
+          <a:ext cx="0" cy="0"/>
+          <a:chOff x="0" y="0"/>
+          <a:chExt cx="0" cy="0"/>
+        </a:xfrm>
+      </p:grpSpPr>
+      <p:sp>
+        <p:nvSpPr>
+          <p:cNvPr id="2" name="Title 1"/>
+          <p:cNvSpPr>
+            <a:spLocks noGrp="1"/>
+          </p:cNvSpPr>
+          <p:nvPr>
+            <p:ph type="title"/>
+          </p:nvPr>
+        </p:nvSpPr>
+        <p:spPr/>
+        <p:txBody>
+          <a:bodyPr/>
+          <a:lstStyle/>
+          <a:p>
+            <a:r>
+              <a:rPr lang="en-US" dirty="0" smtClean="0"/>
+              <a:t>conclusion</a:t>
+            </a:r>
+            <a:endParaRPr lang="en-US" dirty="0"/>
+          </a:p>
+        </p:txBody>
+      </p:sp>
+      <p:sp>
+        <p:nvSpPr>
+          <p:cNvPr id="3" name="Content Placeholder 2"/>
+          <p:cNvSpPr>
+            <a:spLocks noGrp="1"/>
+          </p:cNvSpPr>
+          <p:nvPr>
+            <p:ph idx="1"/>
+          </p:nvPr>
+        </p:nvSpPr>
+        <p:spPr/>
+        <p:txBody>
+          <a:bodyPr/>
+          <a:lstStyle/>
+          <a:p>
+            <a:pPr>
+              <a:buNone/>
+            </a:pPr>
+            <a:r>
+              <a:rPr lang="en-US" dirty="0" smtClean="0"/>
+              <a:t>.</a:t>
+            </a:r>
             <a:endParaRPr lang="en-US" dirty="0"/>
           </a:p>
         </p:txBody>
@@ -3768,8 +5538,13 @@
             </a:r>
             <a:r>
               <a:rPr lang="en-US" dirty="0" smtClean="0"/>
-              <a:t>allows for more rapid iteration and validation of theories</a:t>
-            </a:r>
+              <a:t>allows for more rapid iteration and validation of </a:t>
+            </a:r>
+            <a:r>
+              <a:rPr lang="en-US" dirty="0" smtClean="0"/>
+              <a:t>theories – no error in measurement</a:t>
+            </a:r>
+            <a:endParaRPr lang="en-US" dirty="0" smtClean="0"/>
           </a:p>
           <a:p>
             <a:endParaRPr lang="en-US" dirty="0"/>
@@ -3836,7 +5611,9 @@
         </p:nvSpPr>
         <p:spPr/>
         <p:txBody>
-          <a:bodyPr/>
+          <a:bodyPr>
+            <a:normAutofit lnSpcReduction="10000"/>
+          </a:bodyPr>
           <a:lstStyle/>
           <a:p>
             <a:r>
@@ -3855,7 +5632,11 @@
           <a:p>
             <a:r>
               <a:rPr lang="en-US" dirty="0" smtClean="0"/>
-              <a:t>Synthetic evolution faces same problems as much of </a:t>
+              <a:t>Synthetic evolution faces same problems as much </a:t>
+            </a:r>
+            <a:r>
+              <a:rPr lang="en-US" dirty="0" smtClean="0"/>
+              <a:t>of rest of </a:t>
             </a:r>
             <a:r>
               <a:rPr lang="en-US" dirty="0" err="1" smtClean="0"/>
@@ -3869,7 +5650,15 @@
           <a:p>
             <a:r>
               <a:rPr lang="en-US" dirty="0" smtClean="0"/>
-              <a:t>Important because a true large-scale proof-by-construction is possible</a:t>
+              <a:t>Important because a true large-scale proof-by-construction </a:t>
+            </a:r>
+            <a:r>
+              <a:rPr lang="en-US" dirty="0" smtClean="0"/>
+              <a:t>might be</a:t>
+            </a:r>
+            <a:r>
+              <a:rPr lang="en-US" dirty="0" smtClean="0"/>
+              <a:t> possible, which is hard to say for a lot of other models and theories</a:t>
             </a:r>
             <a:endParaRPr lang="en-US" dirty="0"/>
           </a:p>
@@ -4002,7 +5791,7 @@
       </p:grpSpPr>
       <p:sp>
         <p:nvSpPr>
-          <p:cNvPr id="2" name="Title 1"/>
+          <p:cNvPr id="7" name="Title 6"/>
           <p:cNvSpPr>
             <a:spLocks noGrp="1"/>
           </p:cNvSpPr>
@@ -4016,8 +5805,12 @@
           <a:lstStyle/>
           <a:p>
             <a:r>
-              <a:rPr lang="en-US" dirty="0" smtClean="0"/>
-              <a:t>core wars overview</a:t>
+              <a:rPr lang="en-US" dirty="0" err="1" smtClean="0"/>
+              <a:t>tierra</a:t>
+            </a:r>
+            <a:r>
+              <a:rPr lang="en-US" dirty="0" smtClean="0"/>
+              <a:t> background</a:t>
             </a:r>
             <a:endParaRPr lang="en-US" dirty="0"/>
           </a:p>
@@ -4025,157 +5818,61 @@
       </p:sp>
       <p:sp>
         <p:nvSpPr>
-          <p:cNvPr id="5" name="Text Placeholder 4"/>
-          <p:cNvSpPr>
-            <a:spLocks noGrp="1"/>
-          </p:cNvSpPr>
-          <p:nvPr>
-            <p:ph type="body" idx="1"/>
-          </p:nvPr>
-        </p:nvSpPr>
-        <p:spPr/>
-        <p:txBody>
-          <a:bodyPr/>
+          <p:cNvPr id="8" name="Content Placeholder 7"/>
+          <p:cNvSpPr>
+            <a:spLocks noGrp="1"/>
+          </p:cNvSpPr>
+          <p:nvPr>
+            <p:ph idx="1"/>
+          </p:nvPr>
+        </p:nvSpPr>
+        <p:spPr/>
+        <p:txBody>
+          <a:bodyPr>
+            <a:normAutofit fontScale="92500"/>
+          </a:bodyPr>
           <a:lstStyle/>
           <a:p>
             <a:r>
               <a:rPr lang="en-US" dirty="0" smtClean="0"/>
-              <a:t>Core Wars</a:t>
-            </a:r>
+              <a:t>Brainchild of ecologist Thomas Ray (who apparently spent time at the SF Institute)</a:t>
+            </a:r>
+          </a:p>
+          <a:p>
+            <a:endParaRPr lang="en-US" dirty="0" smtClean="0"/>
+          </a:p>
+          <a:p>
+            <a:r>
+              <a:rPr lang="en-US" dirty="0" smtClean="0"/>
+              <a:t>Run in 1991 – eighteen years ago (!)</a:t>
+            </a:r>
+            <a:endParaRPr lang="en-US" dirty="0" smtClean="0"/>
+          </a:p>
+          <a:p>
+            <a:endParaRPr lang="en-US" dirty="0" smtClean="0"/>
+          </a:p>
+          <a:p>
+            <a:r>
+              <a:rPr lang="en-US" dirty="0" smtClean="0"/>
+              <a:t>Abortive attempt to develop distributed </a:t>
+            </a:r>
+            <a:r>
+              <a:rPr lang="en-US" dirty="0" smtClean="0"/>
+              <a:t>version in recent years (last update ~2004)</a:t>
+            </a:r>
+          </a:p>
+          <a:p>
+            <a:endParaRPr lang="en-US" dirty="0" smtClean="0"/>
+          </a:p>
+          <a:p>
+            <a:r>
+              <a:rPr lang="en-US" dirty="0" smtClean="0"/>
+              <a:t>Based on Core Wars</a:t>
+            </a:r>
+            <a:endParaRPr lang="en-US" dirty="0" smtClean="0"/>
+          </a:p>
+          <a:p>
             <a:endParaRPr lang="en-US" dirty="0"/>
-          </a:p>
-        </p:txBody>
-      </p:sp>
-      <p:sp>
-        <p:nvSpPr>
-          <p:cNvPr id="3" name="Content Placeholder 2"/>
-          <p:cNvSpPr>
-            <a:spLocks noGrp="1"/>
-          </p:cNvSpPr>
-          <p:nvPr>
-            <p:ph sz="half" idx="2"/>
-          </p:nvPr>
-        </p:nvSpPr>
-        <p:spPr/>
-        <p:txBody>
-          <a:bodyPr/>
-          <a:lstStyle/>
-          <a:p>
-            <a:r>
-              <a:rPr lang="en-US" dirty="0" smtClean="0"/>
-              <a:t>2-player programmer’s game</a:t>
-            </a:r>
-          </a:p>
-          <a:p>
-            <a:r>
-              <a:rPr lang="en-US" dirty="0" smtClean="0"/>
-              <a:t>Run </a:t>
-            </a:r>
-            <a:r>
-              <a:rPr lang="en-US" dirty="0" err="1" smtClean="0"/>
-              <a:t>Redcode</a:t>
-            </a:r>
-            <a:r>
-              <a:rPr lang="en-US" dirty="0" smtClean="0"/>
-              <a:t> programs in VM</a:t>
-            </a:r>
-            <a:endParaRPr lang="en-US" dirty="0" smtClean="0"/>
-          </a:p>
-          <a:p>
-            <a:r>
-              <a:rPr lang="en-US" dirty="0" smtClean="0"/>
-              <a:t>One program each, last one surviving</a:t>
-            </a:r>
-          </a:p>
-          <a:p>
-            <a:r>
-              <a:rPr lang="en-US" dirty="0" smtClean="0"/>
-              <a:t>Conceived in 1980s</a:t>
-            </a:r>
-          </a:p>
-          <a:p>
-            <a:r>
-              <a:rPr lang="en-US" dirty="0" smtClean="0"/>
-              <a:t>Still actively played</a:t>
-            </a:r>
-          </a:p>
-          <a:p>
-            <a:endParaRPr lang="en-US" dirty="0"/>
-          </a:p>
-        </p:txBody>
-      </p:sp>
-      <p:sp>
-        <p:nvSpPr>
-          <p:cNvPr id="6" name="Text Placeholder 5"/>
-          <p:cNvSpPr>
-            <a:spLocks noGrp="1"/>
-          </p:cNvSpPr>
-          <p:nvPr>
-            <p:ph type="body" sz="quarter" idx="3"/>
-          </p:nvPr>
-        </p:nvSpPr>
-        <p:spPr/>
-        <p:txBody>
-          <a:bodyPr/>
-          <a:lstStyle/>
-          <a:p>
-            <a:r>
-              <a:rPr lang="en-US" dirty="0" err="1" smtClean="0"/>
-              <a:t>Redcode</a:t>
-            </a:r>
-            <a:endParaRPr lang="en-US" dirty="0"/>
-          </a:p>
-        </p:txBody>
-      </p:sp>
-      <p:sp>
-        <p:nvSpPr>
-          <p:cNvPr id="4" name="Content Placeholder 3"/>
-          <p:cNvSpPr>
-            <a:spLocks noGrp="1"/>
-          </p:cNvSpPr>
-          <p:nvPr>
-            <p:ph sz="quarter" idx="4"/>
-          </p:nvPr>
-        </p:nvSpPr>
-        <p:spPr/>
-        <p:txBody>
-          <a:bodyPr/>
-          <a:lstStyle/>
-          <a:p>
-            <a:r>
-              <a:rPr lang="en-US" dirty="0" smtClean="0"/>
-              <a:t>RISC</a:t>
-            </a:r>
-          </a:p>
-          <a:p>
-            <a:r>
-              <a:rPr lang="en-US" dirty="0" smtClean="0"/>
-              <a:t>Explicit copy instruction</a:t>
-            </a:r>
-          </a:p>
-          <a:p>
-            <a:r>
-              <a:rPr lang="en-US" dirty="0" smtClean="0"/>
-              <a:t>Simulated parallelism</a:t>
-            </a:r>
-          </a:p>
-          <a:p>
-            <a:r>
-              <a:rPr lang="en-US" dirty="0" smtClean="0"/>
-              <a:t>Relative addressing</a:t>
-            </a:r>
-          </a:p>
-          <a:p>
-            <a:r>
-              <a:rPr lang="en-US" dirty="0" smtClean="0"/>
-              <a:t>All instructions are valid</a:t>
-            </a:r>
-          </a:p>
-          <a:p>
-            <a:r>
-              <a:rPr lang="en-US" dirty="0" smtClean="0"/>
-              <a:t>Overwrite, destroy, hijack</a:t>
-            </a:r>
           </a:p>
         </p:txBody>
       </p:sp>
@@ -4220,12 +5917,8 @@
           <a:lstStyle/>
           <a:p>
             <a:r>
-              <a:rPr lang="en-US" dirty="0" err="1" smtClean="0"/>
-              <a:t>tierra</a:t>
-            </a:r>
-            <a:r>
-              <a:rPr lang="en-US" dirty="0" smtClean="0"/>
-              <a:t> structure</a:t>
+              <a:rPr lang="en-US" dirty="0" smtClean="0"/>
+              <a:t>core wars overview</a:t>
             </a:r>
             <a:endParaRPr lang="en-US" dirty="0"/>
           </a:p>
@@ -4233,12 +5926,12 @@
       </p:sp>
       <p:sp>
         <p:nvSpPr>
-          <p:cNvPr id="3" name="Content Placeholder 2"/>
-          <p:cNvSpPr>
-            <a:spLocks noGrp="1"/>
-          </p:cNvSpPr>
-          <p:nvPr>
-            <p:ph idx="1"/>
+          <p:cNvPr id="5" name="Text Placeholder 4"/>
+          <p:cNvSpPr>
+            <a:spLocks noGrp="1"/>
+          </p:cNvSpPr>
+          <p:nvPr>
+            <p:ph type="body" idx="1"/>
           </p:nvPr>
         </p:nvSpPr>
         <p:spPr/>
@@ -4248,40 +5941,164 @@
           <a:p>
             <a:r>
               <a:rPr lang="en-US" dirty="0" smtClean="0"/>
-              <a:t>Heavily-modified Core Wars</a:t>
-            </a:r>
-          </a:p>
-          <a:p>
+              <a:t>Core Wars</a:t>
+            </a:r>
+            <a:endParaRPr lang="en-US" dirty="0"/>
+          </a:p>
+        </p:txBody>
+      </p:sp>
+      <p:sp>
+        <p:nvSpPr>
+          <p:cNvPr id="6" name="Text Placeholder 5"/>
+          <p:cNvSpPr>
+            <a:spLocks noGrp="1"/>
+          </p:cNvSpPr>
+          <p:nvPr>
+            <p:ph type="body" sz="half" idx="3"/>
+          </p:nvPr>
+        </p:nvSpPr>
+        <p:spPr/>
+        <p:txBody>
+          <a:bodyPr/>
+          <a:lstStyle/>
+          <a:p>
+            <a:r>
+              <a:rPr lang="en-US" dirty="0" err="1" smtClean="0"/>
+              <a:t>Redcode</a:t>
+            </a:r>
+            <a:endParaRPr lang="en-US" dirty="0"/>
+          </a:p>
+        </p:txBody>
+      </p:sp>
+      <p:sp>
+        <p:nvSpPr>
+          <p:cNvPr id="3" name="Content Placeholder 2"/>
+          <p:cNvSpPr>
+            <a:spLocks noGrp="1"/>
+          </p:cNvSpPr>
+          <p:nvPr>
+            <p:ph sz="quarter" idx="2"/>
+          </p:nvPr>
+        </p:nvSpPr>
+        <p:spPr/>
+        <p:txBody>
+          <a:bodyPr/>
+          <a:lstStyle/>
+          <a:p>
+            <a:r>
+              <a:rPr lang="en-US" dirty="0" smtClean="0"/>
+              <a:t>Conceived in </a:t>
+            </a:r>
+            <a:r>
+              <a:rPr lang="en-US" dirty="0" smtClean="0"/>
+              <a:t>1980s</a:t>
+            </a:r>
             <a:endParaRPr lang="en-US" dirty="0" smtClean="0"/>
           </a:p>
           <a:p>
             <a:r>
               <a:rPr lang="en-US" dirty="0" smtClean="0"/>
-              <a:t>Scarce Mutations –  on-copy and global</a:t>
-            </a:r>
-          </a:p>
-          <a:p>
+              <a:t>2-player </a:t>
+            </a:r>
+            <a:r>
+              <a:rPr lang="en-US" dirty="0" smtClean="0"/>
+              <a:t>programmer’s game</a:t>
+            </a:r>
+          </a:p>
+          <a:p>
+            <a:r>
+              <a:rPr lang="en-US" dirty="0" smtClean="0"/>
+              <a:t>Run </a:t>
+            </a:r>
+            <a:r>
+              <a:rPr lang="en-US" dirty="0" err="1" smtClean="0"/>
+              <a:t>Redcode</a:t>
+            </a:r>
+            <a:r>
+              <a:rPr lang="en-US" dirty="0" smtClean="0"/>
+              <a:t> programs in VM</a:t>
+            </a:r>
+          </a:p>
+          <a:p>
+            <a:r>
+              <a:rPr lang="en-US" dirty="0" smtClean="0"/>
+              <a:t>One program each, last one </a:t>
+            </a:r>
+            <a:r>
+              <a:rPr lang="en-US" dirty="0" smtClean="0"/>
+              <a:t>surviving</a:t>
+            </a:r>
             <a:endParaRPr lang="en-US" dirty="0" smtClean="0"/>
           </a:p>
           <a:p>
             <a:r>
               <a:rPr lang="en-US" dirty="0" smtClean="0"/>
-              <a:t>Background reaper eliminates old programs</a:t>
-            </a:r>
+              <a:t>Still </a:t>
+            </a:r>
+            <a:r>
+              <a:rPr lang="en-US" dirty="0" smtClean="0"/>
+              <a:t>actively </a:t>
+            </a:r>
+            <a:r>
+              <a:rPr lang="en-US" dirty="0" smtClean="0"/>
+              <a:t>played</a:t>
+            </a:r>
+            <a:endParaRPr lang="en-US" dirty="0" smtClean="0"/>
+          </a:p>
+          <a:p>
             <a:endParaRPr lang="en-US" dirty="0"/>
           </a:p>
-          <a:p>
-            <a:endParaRPr lang="en-US" dirty="0"/>
-          </a:p>
-          <a:p>
-            <a:r>
-              <a:rPr lang="en-US" dirty="0" smtClean="0"/>
-              <a:t>Template-based interactions using JMP</a:t>
-            </a:r>
-            <a:endParaRPr lang="en-US" dirty="0"/>
-          </a:p>
-          <a:p>
-            <a:endParaRPr lang="en-US" dirty="0"/>
+        </p:txBody>
+      </p:sp>
+      <p:sp>
+        <p:nvSpPr>
+          <p:cNvPr id="4" name="Content Placeholder 3"/>
+          <p:cNvSpPr>
+            <a:spLocks noGrp="1"/>
+          </p:cNvSpPr>
+          <p:nvPr>
+            <p:ph sz="quarter" idx="4"/>
+          </p:nvPr>
+        </p:nvSpPr>
+        <p:spPr/>
+        <p:txBody>
+          <a:bodyPr/>
+          <a:lstStyle/>
+          <a:p>
+            <a:r>
+              <a:rPr lang="en-US" dirty="0" smtClean="0"/>
+              <a:t>RISC</a:t>
+            </a:r>
+          </a:p>
+          <a:p>
+            <a:r>
+              <a:rPr lang="en-US" dirty="0" smtClean="0"/>
+              <a:t>Explicit copy instruction</a:t>
+            </a:r>
+          </a:p>
+          <a:p>
+            <a:r>
+              <a:rPr lang="en-US" dirty="0" smtClean="0"/>
+              <a:t>Simulated parallelism</a:t>
+            </a:r>
+          </a:p>
+          <a:p>
+            <a:r>
+              <a:rPr lang="en-US" dirty="0" smtClean="0"/>
+              <a:t>Relative addressing</a:t>
+            </a:r>
+          </a:p>
+          <a:p>
+            <a:r>
+              <a:rPr lang="en-US" dirty="0" smtClean="0"/>
+              <a:t>All instructions are valid</a:t>
+            </a:r>
+          </a:p>
+          <a:p>
+            <a:r>
+              <a:rPr lang="en-US" dirty="0" smtClean="0"/>
+              <a:t>Overwrite, destroy, hijack</a:t>
+            </a:r>
           </a:p>
         </p:txBody>
       </p:sp>
@@ -4312,7 +6129,7 @@
       </p:grpSpPr>
       <p:sp>
         <p:nvSpPr>
-          <p:cNvPr id="7" name="Title 6"/>
+          <p:cNvPr id="2" name="Title 1"/>
           <p:cNvSpPr>
             <a:spLocks noGrp="1"/>
           </p:cNvSpPr>
@@ -4331,7 +6148,7 @@
             </a:r>
             <a:r>
               <a:rPr lang="en-US" dirty="0" smtClean="0"/>
-              <a:t> background</a:t>
+              <a:t> structure</a:t>
             </a:r>
             <a:endParaRPr lang="en-US" dirty="0"/>
           </a:p>
@@ -4339,7 +6156,7 @@
       </p:sp>
       <p:sp>
         <p:nvSpPr>
-          <p:cNvPr id="8" name="Content Placeholder 7"/>
+          <p:cNvPr id="3" name="Content Placeholder 2"/>
           <p:cNvSpPr>
             <a:spLocks noGrp="1"/>
           </p:cNvSpPr>
@@ -4349,12 +6166,14 @@
         </p:nvSpPr>
         <p:spPr/>
         <p:txBody>
-          <a:bodyPr/>
+          <a:bodyPr>
+            <a:normAutofit/>
+          </a:bodyPr>
           <a:lstStyle/>
           <a:p>
             <a:r>
               <a:rPr lang="en-US" dirty="0" smtClean="0"/>
-              <a:t>Brainchild of ecologist Thomas Ray (who apparently spent time at the SF Institute)</a:t>
+              <a:t>Heavily-modified Core Wars</a:t>
             </a:r>
           </a:p>
           <a:p>
@@ -4363,8 +6182,49 @@
           <a:p>
             <a:r>
               <a:rPr lang="en-US" dirty="0" smtClean="0"/>
-              <a:t>Abortive attempt to develop distributed version</a:t>
-            </a:r>
+              <a:t>Mutations </a:t>
+            </a:r>
+            <a:r>
+              <a:rPr lang="en-US" dirty="0" smtClean="0"/>
+              <a:t>–  on-copy and </a:t>
+            </a:r>
+            <a:r>
+              <a:rPr lang="en-US" dirty="0" smtClean="0"/>
+              <a:t>global</a:t>
+            </a:r>
+            <a:endParaRPr lang="en-US" dirty="0" smtClean="0"/>
+          </a:p>
+          <a:p>
+            <a:endParaRPr lang="en-US" dirty="0" smtClean="0"/>
+          </a:p>
+          <a:p>
+            <a:r>
+              <a:rPr lang="en-US" dirty="0" smtClean="0"/>
+              <a:t>Background reaper eliminates </a:t>
+            </a:r>
+            <a:r>
+              <a:rPr lang="en-US" dirty="0" smtClean="0"/>
+              <a:t>old </a:t>
+            </a:r>
+            <a:r>
+              <a:rPr lang="en-US" dirty="0" smtClean="0"/>
+              <a:t>programs</a:t>
+            </a:r>
+            <a:endParaRPr lang="en-US" dirty="0"/>
+          </a:p>
+          <a:p>
+            <a:endParaRPr lang="en-US" dirty="0"/>
+          </a:p>
+          <a:p>
+            <a:r>
+              <a:rPr lang="en-US" dirty="0" smtClean="0"/>
+              <a:t>Template-based interactions using </a:t>
+            </a:r>
+            <a:r>
+              <a:rPr lang="en-US" dirty="0" smtClean="0"/>
+              <a:t>JMP</a:t>
+            </a:r>
+            <a:endParaRPr lang="en-US" dirty="0"/>
           </a:p>
           <a:p>
             <a:endParaRPr lang="en-US" dirty="0"/>
@@ -4440,7 +6300,11 @@
           <a:p>
             <a:r>
               <a:rPr lang="en-US" dirty="0" smtClean="0"/>
-              <a:t>Blind-copying ancestor 80 bytes large</a:t>
+              <a:t>Dumb blind-copying </a:t>
+            </a:r>
+            <a:r>
+              <a:rPr lang="en-US" dirty="0" smtClean="0"/>
+              <a:t>ancestor 80 bytes large</a:t>
             </a:r>
           </a:p>
           <a:p>
@@ -4449,8 +6313,21 @@
           <a:p>
             <a:r>
               <a:rPr lang="en-US" dirty="0" smtClean="0"/>
-              <a:t>Mutation resulted in minor variations after several thousand generations – all ~80 +- 5</a:t>
-            </a:r>
+              <a:t>Mutation resulted in minor variations after several thousand generations – all ~</a:t>
+            </a:r>
+            <a:r>
+              <a:rPr lang="en-US" dirty="0" smtClean="0"/>
+              <a:t>80 bytes </a:t>
+            </a:r>
+            <a:r>
+              <a:rPr lang="en-US" dirty="0" smtClean="0"/>
+              <a:t>+- </a:t>
+            </a:r>
+            <a:r>
+              <a:rPr lang="en-US" dirty="0" smtClean="0"/>
+              <a:t>5 bytes</a:t>
+            </a:r>
+            <a:endParaRPr lang="en-US" dirty="0" smtClean="0"/>
           </a:p>
           <a:p>
             <a:endParaRPr lang="en-US" dirty="0" smtClean="0"/>
@@ -4530,6 +6407,28 @@
           <a:bodyPr/>
           <a:lstStyle/>
           <a:p>
+            <a:r>
+              <a:rPr lang="en-US" dirty="0" smtClean="0"/>
+              <a:t>Parasites 45 bytes large – few thousand more generations…</a:t>
+            </a:r>
+          </a:p>
+          <a:p>
+            <a:endParaRPr lang="en-US" dirty="0" smtClean="0"/>
+          </a:p>
+          <a:p>
+            <a:r>
+              <a:rPr lang="en-US" dirty="0" smtClean="0"/>
+              <a:t>Parasites of parasites, hyper-parasites, and things resistant to two out of three of the parasites.</a:t>
+            </a:r>
+          </a:p>
+          <a:p>
+            <a:endParaRPr lang="en-US" dirty="0" smtClean="0"/>
+          </a:p>
+          <a:p>
+            <a:r>
+              <a:rPr lang="en-US" dirty="0" smtClean="0"/>
+              <a:t>All from mutation</a:t>
+            </a:r>
             <a:endParaRPr lang="en-US" dirty="0"/>
           </a:p>
         </p:txBody>
@@ -4543,6 +6442,329 @@
 </file>
 
 <file path=ppt/theme/theme1.xml><?xml version="1.0" encoding="utf-8"?>
+<a:theme xmlns:a="http://schemas.openxmlformats.org/drawingml/2006/main" name="Solstice">
+  <a:themeElements>
+    <a:clrScheme name="Solstice">
+      <a:dk1>
+        <a:sysClr val="windowText" lastClr="000000"/>
+      </a:dk1>
+      <a:lt1>
+        <a:sysClr val="window" lastClr="FFFFFF"/>
+      </a:lt1>
+      <a:dk2>
+        <a:srgbClr val="4F271C"/>
+      </a:dk2>
+      <a:lt2>
+        <a:srgbClr val="E7DEC9"/>
+      </a:lt2>
+      <a:accent1>
+        <a:srgbClr val="3891A7"/>
+      </a:accent1>
+      <a:accent2>
+        <a:srgbClr val="FEB80A"/>
+      </a:accent2>
+      <a:accent3>
+        <a:srgbClr val="C32D2E"/>
+      </a:accent3>
+      <a:accent4>
+        <a:srgbClr val="84AA33"/>
+      </a:accent4>
+      <a:accent5>
+        <a:srgbClr val="964305"/>
+      </a:accent5>
+      <a:accent6>
+        <a:srgbClr val="475A8D"/>
+      </a:accent6>
+      <a:hlink>
+        <a:srgbClr val="8DC765"/>
+      </a:hlink>
+      <a:folHlink>
+        <a:srgbClr val="AA8A14"/>
+      </a:folHlink>
+    </a:clrScheme>
+    <a:fontScheme name="Solstice">
+      <a:majorFont>
+        <a:latin typeface="Gill Sans MT"/>
+        <a:ea typeface=""/>
+        <a:cs typeface=""/>
+        <a:font script="Grek" typeface="Corbel"/>
+        <a:font script="Cyrl" typeface="Corbel"/>
+        <a:font script="Jpan" typeface="HGｺﾞｼｯｸE"/>
+        <a:font script="Hang" typeface="휴먼매직체"/>
+        <a:font script="Hans" typeface="华文中宋"/>
+        <a:font script="Hant" typeface="微軟正黑體"/>
+        <a:font script="Arab" typeface="Majalla UI"/>
+        <a:font script="Hebr" typeface="Arial"/>
+        <a:font script="Thai" typeface="Cordia New"/>
+        <a:font script="Ethi" typeface="Nyala"/>
+        <a:font script="Beng" typeface="Vrinda"/>
+        <a:font script="Gujr" typeface="Shruti"/>
+        <a:font script="Khmr" typeface="DaunPenh"/>
+        <a:font script="Knda" typeface="Tunga"/>
+        <a:font script="Guru" typeface="Raavi"/>
+        <a:font script="Cans" typeface="Euphemia"/>
+        <a:font script="Cher" typeface="Plantagenet Cherokee"/>
+        <a:font script="Yiii" typeface="Microsoft Yi Baiti"/>
+        <a:font script="Tibt" typeface="Microsoft Himalaya"/>
+        <a:font script="Thaa" typeface="MV Boli"/>
+        <a:font script="Deva" typeface="Mangal"/>
+        <a:font script="Telu" typeface="Gautami"/>
+        <a:font script="Taml" typeface="Latha"/>
+        <a:font script="Syrc" typeface="Estrangelo Edessa"/>
+        <a:font script="Orya" typeface="Kalinga"/>
+        <a:font script="Mlym" typeface="Kartika"/>
+        <a:font script="Laoo" typeface="DokChampa"/>
+        <a:font script="Sinh" typeface="Iskoola Pota"/>
+        <a:font script="Mong" typeface="Mongolian Baiti"/>
+        <a:font script="Viet" typeface="Tahoma"/>
+        <a:font script="Uigh" typeface="Microsoft Uighur"/>
+      </a:majorFont>
+      <a:minorFont>
+        <a:latin typeface="Gill Sans MT"/>
+        <a:ea typeface=""/>
+        <a:cs typeface=""/>
+        <a:font script="Grek" typeface="Corbel"/>
+        <a:font script="Cyrl" typeface="Corbel"/>
+        <a:font script="Jpan" typeface="HGｺﾞｼｯｸE"/>
+        <a:font script="Hang" typeface="HY엽서L"/>
+        <a:font script="Hans" typeface="华文中宋"/>
+        <a:font script="Hant" typeface="微軟正黑體"/>
+        <a:font script="Arab" typeface="Majalla UI"/>
+        <a:font script="Hebr" typeface="Arial"/>
+        <a:font script="Thai" typeface="Cordia New"/>
+        <a:font script="Ethi" typeface="Nyala"/>
+        <a:font script="Beng" typeface="Vrinda"/>
+        <a:font script="Gujr" typeface="Shruti"/>
+        <a:font script="Khmr" typeface="DaunPenh"/>
+        <a:font script="Knda" typeface="Tunga"/>
+        <a:font script="Guru" typeface="Raavi"/>
+        <a:font script="Cans" typeface="Euphemia"/>
+        <a:font script="Cher" typeface="Plantagenet Cherokee"/>
+        <a:font script="Yiii" typeface="Microsoft Yi Baiti"/>
+        <a:font script="Tibt" typeface="Microsoft Himalaya"/>
+        <a:font script="Thaa" typeface="MV Boli"/>
+        <a:font script="Deva" typeface="Mangal"/>
+        <a:font script="Telu" typeface="Gautami"/>
+        <a:font script="Taml" typeface="Latha"/>
+        <a:font script="Syrc" typeface="Estrangelo Edessa"/>
+        <a:font script="Orya" typeface="Kalinga"/>
+        <a:font script="Mlym" typeface="Kartika"/>
+        <a:font script="Laoo" typeface="DokChampa"/>
+        <a:font script="Sinh" typeface="Iskoola Pota"/>
+        <a:font script="Mong" typeface="Mongolian Baiti"/>
+        <a:font script="Viet" typeface="Tahoma"/>
+        <a:font script="Uigh" typeface="Microsoft Uighur"/>
+      </a:minorFont>
+    </a:fontScheme>
+    <a:fmtScheme name="Solstice">
+      <a:fillStyleLst>
+        <a:solidFill>
+          <a:schemeClr val="phClr"/>
+        </a:solidFill>
+        <a:gradFill rotWithShape="1">
+          <a:gsLst>
+            <a:gs pos="0">
+              <a:schemeClr val="phClr">
+                <a:tint val="35000"/>
+                <a:satMod val="253000"/>
+              </a:schemeClr>
+            </a:gs>
+            <a:gs pos="50000">
+              <a:schemeClr val="phClr">
+                <a:tint val="42000"/>
+                <a:satMod val="255000"/>
+              </a:schemeClr>
+            </a:gs>
+            <a:gs pos="97000">
+              <a:schemeClr val="phClr">
+                <a:tint val="53000"/>
+                <a:satMod val="260000"/>
+              </a:schemeClr>
+            </a:gs>
+            <a:gs pos="100000">
+              <a:schemeClr val="phClr">
+                <a:tint val="56000"/>
+                <a:satMod val="275000"/>
+              </a:schemeClr>
+            </a:gs>
+          </a:gsLst>
+          <a:path path="circle">
+            <a:fillToRect l="50000" t="50000" r="50000" b="50000"/>
+          </a:path>
+        </a:gradFill>
+        <a:gradFill rotWithShape="1">
+          <a:gsLst>
+            <a:gs pos="0">
+              <a:schemeClr val="phClr">
+                <a:tint val="92000"/>
+                <a:satMod val="170000"/>
+              </a:schemeClr>
+            </a:gs>
+            <a:gs pos="15000">
+              <a:schemeClr val="phClr">
+                <a:tint val="92000"/>
+                <a:shade val="99000"/>
+                <a:satMod val="170000"/>
+              </a:schemeClr>
+            </a:gs>
+            <a:gs pos="62000">
+              <a:schemeClr val="phClr">
+                <a:tint val="96000"/>
+                <a:shade val="80000"/>
+                <a:satMod val="170000"/>
+              </a:schemeClr>
+            </a:gs>
+            <a:gs pos="97000">
+              <a:schemeClr val="phClr">
+                <a:tint val="98000"/>
+                <a:shade val="63000"/>
+                <a:satMod val="170000"/>
+              </a:schemeClr>
+            </a:gs>
+            <a:gs pos="100000">
+              <a:schemeClr val="phClr">
+                <a:shade val="62000"/>
+                <a:satMod val="170000"/>
+              </a:schemeClr>
+            </a:gs>
+          </a:gsLst>
+          <a:path path="circle">
+            <a:fillToRect l="50000" t="50000" r="50000" b="50000"/>
+          </a:path>
+        </a:gradFill>
+      </a:fillStyleLst>
+      <a:lnStyleLst>
+        <a:ln w="9525" cap="flat" cmpd="sng" algn="ctr">
+          <a:solidFill>
+            <a:schemeClr val="phClr"/>
+          </a:solidFill>
+          <a:prstDash val="solid"/>
+        </a:ln>
+        <a:ln w="25400" cap="flat" cmpd="sng" algn="ctr">
+          <a:solidFill>
+            <a:schemeClr val="phClr"/>
+          </a:solidFill>
+          <a:prstDash val="solid"/>
+        </a:ln>
+        <a:ln w="25400" cap="flat" cmpd="sng" algn="ctr">
+          <a:solidFill>
+            <a:schemeClr val="phClr"/>
+          </a:solidFill>
+          <a:prstDash val="solid"/>
+        </a:ln>
+      </a:lnStyleLst>
+      <a:effectStyleLst>
+        <a:effectStyle>
+          <a:effectLst>
+            <a:outerShdw blurRad="63500" dist="25400" dir="5400000" rotWithShape="0">
+              <a:srgbClr val="000000">
+                <a:alpha val="43137"/>
+              </a:srgbClr>
+            </a:outerShdw>
+          </a:effectLst>
+        </a:effectStyle>
+        <a:effectStyle>
+          <a:effectLst>
+            <a:outerShdw blurRad="63500" dist="25400" dir="5400000" rotWithShape="0">
+              <a:srgbClr val="000000">
+                <a:alpha val="43137"/>
+              </a:srgbClr>
+            </a:outerShdw>
+          </a:effectLst>
+          <a:scene3d>
+            <a:camera prst="orthographicFront" fov="0">
+              <a:rot lat="0" lon="0" rev="0"/>
+            </a:camera>
+            <a:lightRig rig="brightRoom" dir="tl">
+              <a:rot lat="0" lon="0" rev="8700000"/>
+            </a:lightRig>
+          </a:scene3d>
+          <a:sp3d contourW="12700">
+            <a:bevelT w="0" h="0"/>
+            <a:contourClr>
+              <a:schemeClr val="phClr">
+                <a:shade val="80000"/>
+              </a:schemeClr>
+            </a:contourClr>
+          </a:sp3d>
+        </a:effectStyle>
+        <a:effectStyle>
+          <a:effectLst>
+            <a:outerShdw blurRad="63500" dist="25400" dir="5400000" rotWithShape="0">
+              <a:srgbClr val="000000">
+                <a:alpha val="43137"/>
+              </a:srgbClr>
+            </a:outerShdw>
+          </a:effectLst>
+          <a:scene3d>
+            <a:camera prst="orthographicFront" fov="0">
+              <a:rot lat="0" lon="0" rev="0"/>
+            </a:camera>
+            <a:lightRig rig="brightRoom" dir="tl">
+              <a:rot lat="0" lon="0" rev="5400000"/>
+            </a:lightRig>
+          </a:scene3d>
+          <a:sp3d contourW="12700">
+            <a:bevelT w="25400" h="50800" prst="angle"/>
+            <a:contourClr>
+              <a:schemeClr val="phClr"/>
+            </a:contourClr>
+          </a:sp3d>
+        </a:effectStyle>
+      </a:effectStyleLst>
+      <a:bgFillStyleLst>
+        <a:solidFill>
+          <a:schemeClr val="phClr"/>
+        </a:solidFill>
+        <a:gradFill rotWithShape="1">
+          <a:gsLst>
+            <a:gs pos="0">
+              <a:schemeClr val="phClr">
+                <a:tint val="60000"/>
+                <a:satMod val="355000"/>
+              </a:schemeClr>
+            </a:gs>
+            <a:gs pos="40000">
+              <a:schemeClr val="phClr">
+                <a:tint val="85000"/>
+                <a:satMod val="320000"/>
+              </a:schemeClr>
+            </a:gs>
+            <a:gs pos="100000">
+              <a:schemeClr val="phClr">
+                <a:shade val="55000"/>
+                <a:satMod val="300000"/>
+              </a:schemeClr>
+            </a:gs>
+          </a:gsLst>
+          <a:path path="circle">
+            <a:fillToRect l="-24500" t="-20000" r="124500" b="120000"/>
+          </a:path>
+        </a:gradFill>
+        <a:blipFill>
+          <a:blip xmlns:r="http://schemas.openxmlformats.org/officeDocument/2006/relationships" r:embed="rId1">
+            <a:duotone>
+              <a:schemeClr val="phClr">
+                <a:shade val="9000"/>
+                <a:satMod val="300000"/>
+              </a:schemeClr>
+              <a:schemeClr val="phClr">
+                <a:tint val="90000"/>
+                <a:satMod val="225000"/>
+              </a:schemeClr>
+            </a:duotone>
+          </a:blip>
+          <a:tile tx="0" ty="0" sx="90000" sy="90000" flip="xy" algn="tl"/>
+        </a:blipFill>
+      </a:bgFillStyleLst>
+    </a:fmtScheme>
+  </a:themeElements>
+  <a:objectDefaults/>
+  <a:extraClrSchemeLst/>
+</a:theme>
+</file>
+
+<file path=ppt/theme/theme2.xml><?xml version="1.0" encoding="utf-8"?>
 <a:theme xmlns:a="http://schemas.openxmlformats.org/drawingml/2006/main" name="Office Theme">
   <a:themeElements>
     <a:clrScheme name="Office">
